--- a/textbook/파이썬2-3교시.pptx
+++ b/textbook/파이썬2-3교시.pptx
@@ -2,7 +2,7 @@
 <file path=ppt/presentation.xml><?xml version="1.0" encoding="utf-8"?>
 <p:presentation xmlns:r="http://schemas.openxmlformats.org/officeDocument/2006/relationships" xmlns:c="http://schemas.openxmlformats.org/drawingml/2006/chart" xmlns:a="http://schemas.openxmlformats.org/drawingml/2006/main" xmlns:dgm="http://schemas.openxmlformats.org/drawingml/2006/diagram" xmlns:dsp="http://schemas.microsoft.com/office/drawing/2008/diagram" xmlns:p="http://schemas.openxmlformats.org/presentationml/2006/main" saveSubsetFonts="1">
   <p:sldMasterIdLst>
-    <p:sldMasterId id="2147483685" r:id="rId1"/>
+    <p:sldMasterId id="2147483690" r:id="rId1"/>
   </p:sldMasterIdLst>
   <p:sldIdLst>
     <p:sldId id="256" r:id="rId2"/>
@@ -3797,25 +3797,35 @@
             </a:pPr>
             <a:r>
               <a:rPr lang="ko-KR" altLang="en-US"/>
-              <a:t>클래스가 무엇인지 이야기 해 본다</a:t>
+              <a:t>딕셔너리를 사용해 본다</a:t>
             </a:r>
             <a:r>
               <a:rPr lang="en-US" altLang="ko-KR"/>
               <a:t>.</a:t>
             </a:r>
-            <a:endParaRPr lang="ko-KR" altLang="en-US"/>
+            <a:endParaRPr lang="en-US" altLang="ko-KR"/>
           </a:p>
           <a:p>
             <a:pPr lvl="0">
               <a:defRPr/>
             </a:pPr>
             <a:r>
+              <a:rPr lang="ko-KR" altLang="en-US"/>
+              <a:t>튜플을 사용해 본다</a:t>
+            </a:r>
+            <a:r>
               <a:rPr lang="en-US" altLang="ko-KR"/>
-              <a:t> </a:t>
-            </a:r>
+              <a:t>.</a:t>
+            </a:r>
+            <a:endParaRPr lang="en-US" altLang="ko-KR"/>
+          </a:p>
+          <a:p>
+            <a:pPr lvl="0">
+              <a:defRPr/>
+            </a:pPr>
             <a:r>
               <a:rPr lang="ko-KR" altLang="en-US"/>
-              <a:t>리스트 메소드에 대해서 알아본다</a:t>
+              <a:t>셋을 사용해 본다</a:t>
             </a:r>
             <a:r>
               <a:rPr lang="en-US" altLang="ko-KR"/>
@@ -3891,7 +3901,7 @@
             </a:pPr>
             <a:r>
               <a:rPr lang="en-US" altLang="ko-KR"/>
-              <a:t>class</a:t>
+              <a:t>dictionary</a:t>
             </a:r>
             <a:r>
               <a:rPr lang="ko-KR" altLang="en-US"/>
@@ -3930,15 +3940,7 @@
             </a:pPr>
             <a:r>
               <a:rPr lang="ko-KR" altLang="en-US" sz="2000"/>
-              <a:t>객체를 만드는 틀을 의미 한다</a:t>
-            </a:r>
-            <a:r>
-              <a:rPr lang="en-US" altLang="ko-KR" sz="2000"/>
-              <a:t>.</a:t>
-            </a:r>
-            <a:r>
-              <a:rPr lang="ko-KR" altLang="en-US" sz="2000"/>
-              <a:t> </a:t>
+              <a:t>dictionary는 "키(Key)/값(Value)" 쌍을 요소로 갖는 자료형입니다 </a:t>
             </a:r>
             <a:endParaRPr lang="ko-KR" altLang="en-US" sz="2000"/>
           </a:p>
@@ -3949,6 +3951,18 @@
               </a:spcAft>
               <a:defRPr/>
             </a:pPr>
+            <a:r>
+              <a:rPr lang="en-US" altLang="ko-KR" sz="2000"/>
+              <a:t>dictionary</a:t>
+            </a:r>
+            <a:r>
+              <a:rPr lang="ko-KR" altLang="en-US" sz="2000"/>
+              <a:t> 안의 요소들은 순서가 정해지지 않습니다</a:t>
+            </a:r>
+            <a:r>
+              <a:rPr lang="en-US" altLang="ko-KR" sz="2000"/>
+              <a:t>.</a:t>
+            </a:r>
             <a:endParaRPr lang="en-US" altLang="ko-KR" sz="2000"/>
           </a:p>
           <a:p>
@@ -3958,15 +3972,7 @@
               </a:spcAft>
               <a:defRPr/>
             </a:pPr>
-            <a:r>
-              <a:rPr lang="ko-KR" altLang="en-US" sz="2000"/>
-              <a:t>쿠키와 쿠키틀을 예시로 이해해 봅시다</a:t>
-            </a:r>
-            <a:r>
-              <a:rPr lang="en-US" altLang="ko-KR" sz="2000"/>
-              <a:t>.</a:t>
-            </a:r>
-            <a:endParaRPr lang="en-US" altLang="ko-KR" sz="2000"/>
+            <a:endParaRPr lang="ko-KR" altLang="en-US" sz="2000"/>
           </a:p>
           <a:p>
             <a:pPr marL="0" indent="0">
@@ -4266,55 +4272,6 @@
           </a:p>
         </p:txBody>
       </p:sp>
-      <p:pic>
-        <p:nvPicPr>
-          <p:cNvPr id="1029" name=""/>
-          <p:cNvPicPr>
-            <a:picLocks noChangeAspect="1"/>
-          </p:cNvPicPr>
-          <p:nvPr/>
-        </p:nvPicPr>
-        <p:blipFill rotWithShape="1">
-          <a:blip r:embed="rId2"/>
-          <a:srcRect l="24910" t="5580" r="48780" b="58930"/>
-          <a:stretch>
-            <a:fillRect/>
-          </a:stretch>
-        </p:blipFill>
-        <p:spPr>
-          <a:xfrm>
-            <a:off x="971600" y="3284984"/>
-            <a:ext cx="4176464" cy="3168352"/>
-          </a:xfrm>
-          <a:prstGeom prst="rect">
-            <a:avLst/>
-          </a:prstGeom>
-        </p:spPr>
-      </p:pic>
-      <p:pic>
-        <p:nvPicPr>
-          <p:cNvPr id="1030" name=""/>
-          <p:cNvPicPr>
-            <a:picLocks noChangeAspect="1"/>
-          </p:cNvPicPr>
-          <p:nvPr/>
-        </p:nvPicPr>
-        <p:blipFill rotWithShape="1">
-          <a:blip r:embed="rId3"/>
-          <a:stretch>
-            <a:fillRect/>
-          </a:stretch>
-        </p:blipFill>
-        <p:spPr>
-          <a:xfrm>
-            <a:off x="5737862" y="3356992"/>
-            <a:ext cx="2362529" cy="2267266"/>
-          </a:xfrm>
-          <a:prstGeom prst="rect">
-            <a:avLst/>
-          </a:prstGeom>
-        </p:spPr>
-      </p:pic>
     </p:spTree>
   </p:cSld>
   <p:clrMapOvr>

--- a/textbook/파이썬2-3교시.pptx
+++ b/textbook/파이썬2-3교시.pptx
@@ -2,7 +2,7 @@
 <file path=ppt/presentation.xml><?xml version="1.0" encoding="utf-8"?>
 <p:presentation xmlns:r="http://schemas.openxmlformats.org/officeDocument/2006/relationships" xmlns:c="http://schemas.openxmlformats.org/drawingml/2006/chart" xmlns:a="http://schemas.openxmlformats.org/drawingml/2006/main" xmlns:dgm="http://schemas.openxmlformats.org/drawingml/2006/diagram" xmlns:dsp="http://schemas.microsoft.com/office/drawing/2008/diagram" xmlns:p="http://schemas.openxmlformats.org/presentationml/2006/main" saveSubsetFonts="1">
   <p:sldMasterIdLst>
-    <p:sldMasterId id="2147483690" r:id="rId1"/>
+    <p:sldMasterId id="2147483695" r:id="rId1"/>
   </p:sldMasterIdLst>
   <p:sldIdLst>
     <p:sldId id="256" r:id="rId2"/>
@@ -4272,6 +4272,54 @@
           </a:p>
         </p:txBody>
       </p:sp>
+      <p:pic>
+        <p:nvPicPr>
+          <p:cNvPr id="1031" name=""/>
+          <p:cNvPicPr>
+            <a:picLocks noChangeAspect="1"/>
+          </p:cNvPicPr>
+          <p:nvPr/>
+        </p:nvPicPr>
+        <p:blipFill rotWithShape="1">
+          <a:blip r:embed="rId2"/>
+          <a:stretch>
+            <a:fillRect/>
+          </a:stretch>
+        </p:blipFill>
+        <p:spPr>
+          <a:xfrm>
+            <a:off x="107504" y="3284984"/>
+            <a:ext cx="5195113" cy="2448271"/>
+          </a:xfrm>
+          <a:prstGeom prst="rect">
+            <a:avLst/>
+          </a:prstGeom>
+        </p:spPr>
+      </p:pic>
+      <p:pic>
+        <p:nvPicPr>
+          <p:cNvPr id="1032" name=""/>
+          <p:cNvPicPr>
+            <a:picLocks noChangeAspect="1"/>
+          </p:cNvPicPr>
+          <p:nvPr/>
+        </p:nvPicPr>
+        <p:blipFill rotWithShape="1">
+          <a:blip r:embed="rId3"/>
+          <a:stretch>
+            <a:fillRect/>
+          </a:stretch>
+        </p:blipFill>
+        <p:spPr>
+          <a:xfrm>
+            <a:off x="2987824" y="4894041"/>
+            <a:ext cx="6094054" cy="1775318"/>
+          </a:xfrm>
+          <a:prstGeom prst="rect">
+            <a:avLst/>
+          </a:prstGeom>
+        </p:spPr>
+      </p:pic>
     </p:spTree>
   </p:cSld>
   <p:clrMapOvr>
@@ -4330,71 +4378,19 @@
             </a:pPr>
             <a:r>
               <a:rPr lang="en-US" altLang="ko-KR"/>
-              <a:t>list() </a:t>
+              <a:t>dict() </a:t>
             </a:r>
             <a:r>
               <a:rPr lang="ko-KR" altLang="en-US"/>
-              <a:t>리스트</a:t>
+              <a:t>메소드</a:t>
             </a:r>
             <a:endParaRPr lang="ko-KR" altLang="en-US"/>
-          </a:p>
-        </p:txBody>
-      </p:sp>
-      <p:sp>
-        <p:nvSpPr>
-          <p:cNvPr id="7" name="직사각형 6"/>
-          <p:cNvSpPr/>
-          <p:nvPr/>
-        </p:nvSpPr>
-        <p:spPr>
-          <a:xfrm>
-            <a:off x="251520" y="1124744"/>
-            <a:ext cx="9204323" cy="264001"/>
-          </a:xfrm>
-          <a:prstGeom prst="rect">
-            <a:avLst/>
-          </a:prstGeom>
-        </p:spPr>
-        <p:txBody>
-          <a:bodyPr wrap="square">
-            <a:spAutoFit/>
-          </a:bodyPr>
-          <a:lstStyle/>
-          <a:p>
-            <a:pPr lvl="0">
-              <a:defRPr/>
-            </a:pPr>
-            <a:r>
-              <a:rPr lang="ko-KR" altLang="en-US" sz="1200">
-                <a:latin typeface="+mj-ea"/>
-                <a:ea typeface="+mj-ea"/>
-              </a:rPr>
-              <a:t>파이썬에서의 리스트는 여러개의 객체를 한 묶음으로 다루는 것을 말한다</a:t>
-            </a:r>
-            <a:r>
-              <a:rPr lang="en-US" altLang="ko-KR" sz="1200">
-                <a:latin typeface="+mj-ea"/>
-                <a:ea typeface="+mj-ea"/>
-              </a:rPr>
-              <a:t>.</a:t>
-            </a:r>
-            <a:r>
-              <a:rPr lang="ko-KR" altLang="en-US" sz="1200">
-                <a:latin typeface="+mj-ea"/>
-                <a:ea typeface="+mj-ea"/>
-              </a:rPr>
-              <a:t> </a:t>
-            </a:r>
-            <a:endParaRPr lang="ko-KR" altLang="en-US" sz="1200">
-              <a:latin typeface="+mj-ea"/>
-              <a:ea typeface="+mj-ea"/>
-            </a:endParaRPr>
           </a:p>
         </p:txBody>
       </p:sp>
       <p:pic>
         <p:nvPicPr>
-          <p:cNvPr id="18" name=""/>
+          <p:cNvPr id="19" name=""/>
           <p:cNvPicPr>
             <a:picLocks noChangeAspect="1"/>
           </p:cNvPicPr>
@@ -4402,15 +4398,14 @@
         </p:nvPicPr>
         <p:blipFill rotWithShape="1">
           <a:blip r:embed="rId2"/>
-          <a:srcRect l="26380" t="17800" r="2750" b="12200"/>
           <a:stretch>
             <a:fillRect/>
           </a:stretch>
         </p:blipFill>
         <p:spPr>
           <a:xfrm>
-            <a:off x="539551" y="1772816"/>
-            <a:ext cx="7388020" cy="4104456"/>
+            <a:off x="576064" y="1756981"/>
+            <a:ext cx="7164288" cy="4264306"/>
           </a:xfrm>
           <a:prstGeom prst="rect">
             <a:avLst/>
@@ -4469,10 +4464,18 @@
               <a:defRPr/>
             </a:pPr>
             <a:r>
+              <a:rPr lang="en-US" altLang="ko-KR"/>
+              <a:t>Tuple</a:t>
+            </a:r>
+            <a:r>
               <a:rPr lang="ko-KR" altLang="en-US"/>
-              <a:t>리스트 슬라이싱</a:t>
-            </a:r>
-            <a:endParaRPr lang="ko-KR" altLang="en-US"/>
+              <a:t> 이란</a:t>
+            </a:r>
+            <a:r>
+              <a:rPr lang="en-US" altLang="ko-KR"/>
+              <a:t>?</a:t>
+            </a:r>
+            <a:endParaRPr lang="en-US" altLang="ko-KR"/>
           </a:p>
         </p:txBody>
       </p:sp>

--- a/textbook/파이썬2-3교시.pptx
+++ b/textbook/파이썬2-3교시.pptx
@@ -1,8 +1,8 @@
 
 <file path=ppt/presentation.xml><?xml version="1.0" encoding="utf-8"?>
-<p:presentation xmlns:r="http://schemas.openxmlformats.org/officeDocument/2006/relationships" xmlns:c="http://schemas.openxmlformats.org/drawingml/2006/chart" xmlns:a="http://schemas.openxmlformats.org/drawingml/2006/main" xmlns:dgm="http://schemas.openxmlformats.org/drawingml/2006/diagram" xmlns:dsp="http://schemas.microsoft.com/office/drawing/2008/diagram" xmlns:p="http://schemas.openxmlformats.org/presentationml/2006/main" saveSubsetFonts="1">
+<p:presentation xmlns:a="http://schemas.openxmlformats.org/drawingml/2006/main" xmlns:r="http://schemas.openxmlformats.org/officeDocument/2006/relationships" xmlns:p="http://schemas.openxmlformats.org/presentationml/2006/main" saveSubsetFonts="1">
   <p:sldMasterIdLst>
-    <p:sldMasterId id="2147483695" r:id="rId1"/>
+    <p:sldMasterId id="2147483689" r:id="rId1"/>
   </p:sldMasterIdLst>
   <p:sldIdLst>
     <p:sldId id="256" r:id="rId2"/>
@@ -12,6 +12,8 @@
     <p:sldId id="260" r:id="rId6"/>
     <p:sldId id="261" r:id="rId7"/>
     <p:sldId id="262" r:id="rId8"/>
+    <p:sldId id="263" r:id="rId9"/>
+    <p:sldId id="264" r:id="rId10"/>
   </p:sldIdLst>
   <p:sldSz cx="9144000" cy="6858000" type="screen4x3"/>
   <p:notesSz cx="6858000" cy="9144000"/>
@@ -110,6 +112,22 @@
       </a:defRPr>
     </a:lvl9pPr>
   </p:defaultTextStyle>
+  <p:extLst>
+    <p:ext uri="{EFAFB233-063F-42B5-8137-9DF3F51BA10A}">
+      <p15:sldGuideLst xmlns:p15="http://schemas.microsoft.com/office/powerpoint/2012/main">
+        <p15:guide id="1" orient="horz" pos="2155">
+          <p15:clr>
+            <a:srgbClr val="A4A3A4"/>
+          </p15:clr>
+        </p15:guide>
+        <p15:guide id="2" pos="2880">
+          <p15:clr>
+            <a:srgbClr val="A4A3A4"/>
+          </p15:clr>
+        </p15:guide>
+      </p15:sldGuideLst>
+    </p:ext>
+  </p:extLst>
 </p:presentation>
 </file>
 
@@ -283,7 +301,7 @@
           </a:lstStyle>
           <a:p>
             <a:r>
-              <a:rPr kumimoji="0" lang="ko-KR" altLang="en-US" smtClean="0"/>
+              <a:rPr kumimoji="0" lang="ko-KR" altLang="en-US"/>
               <a:t>마스터 부제목 스타일 편집</a:t>
             </a:r>
             <a:endParaRPr kumimoji="0" lang="en-US"/>
@@ -307,7 +325,7 @@
           <a:p>
             <a:fld id="{3575F28B-E03B-4F00-AA56-A8AF97DAF43F}" type="datetimeFigureOut">
               <a:rPr lang="ko-KR" altLang="en-US" smtClean="0"/>
-              <a:t>2021-04-10</a:t>
+              <a:t>2021-04-18</a:t>
             </a:fld>
             <a:endParaRPr lang="ko-KR" altLang="en-US"/>
           </a:p>
@@ -536,7 +554,7 @@
           </a:lstStyle>
           <a:p>
             <a:r>
-              <a:rPr kumimoji="0" lang="ko-KR" altLang="en-US" smtClean="0"/>
+              <a:rPr kumimoji="0" lang="ko-KR" altLang="en-US"/>
               <a:t>마스터 제목 스타일 편집</a:t>
             </a:r>
             <a:endParaRPr kumimoji="0" lang="en-US"/>
@@ -584,7 +602,7 @@
           <a:lstStyle/>
           <a:p>
             <a:r>
-              <a:rPr kumimoji="0" lang="ko-KR" altLang="en-US" smtClean="0"/>
+              <a:rPr kumimoji="0" lang="ko-KR" altLang="en-US"/>
               <a:t>마스터 제목 스타일 편집</a:t>
             </a:r>
             <a:endParaRPr kumimoji="0" lang="en-US"/>
@@ -608,35 +626,35 @@
           <a:p>
             <a:pPr lvl="0" eaLnBrk="1" latinLnBrk="0" hangingPunct="1"/>
             <a:r>
-              <a:rPr lang="ko-KR" altLang="en-US" smtClean="0"/>
+              <a:rPr lang="ko-KR" altLang="en-US"/>
               <a:t>마스터 텍스트 스타일을 편집합니다</a:t>
             </a:r>
           </a:p>
           <a:p>
             <a:pPr lvl="1" eaLnBrk="1" latinLnBrk="0" hangingPunct="1"/>
             <a:r>
-              <a:rPr lang="ko-KR" altLang="en-US" smtClean="0"/>
+              <a:rPr lang="ko-KR" altLang="en-US"/>
               <a:t>둘째 수준</a:t>
             </a:r>
           </a:p>
           <a:p>
             <a:pPr lvl="2" eaLnBrk="1" latinLnBrk="0" hangingPunct="1"/>
             <a:r>
-              <a:rPr lang="ko-KR" altLang="en-US" smtClean="0"/>
+              <a:rPr lang="ko-KR" altLang="en-US"/>
               <a:t>셋째 수준</a:t>
             </a:r>
           </a:p>
           <a:p>
             <a:pPr lvl="3" eaLnBrk="1" latinLnBrk="0" hangingPunct="1"/>
             <a:r>
-              <a:rPr lang="ko-KR" altLang="en-US" smtClean="0"/>
+              <a:rPr lang="ko-KR" altLang="en-US"/>
               <a:t>넷째 수준</a:t>
             </a:r>
           </a:p>
           <a:p>
             <a:pPr lvl="4" eaLnBrk="1" latinLnBrk="0" hangingPunct="1"/>
             <a:r>
-              <a:rPr lang="ko-KR" altLang="en-US" smtClean="0"/>
+              <a:rPr lang="ko-KR" altLang="en-US"/>
               <a:t>다섯째 수준</a:t>
             </a:r>
             <a:endParaRPr kumimoji="0" lang="en-US"/>
@@ -660,7 +678,7 @@
           <a:p>
             <a:fld id="{3575F28B-E03B-4F00-AA56-A8AF97DAF43F}" type="datetimeFigureOut">
               <a:rPr lang="ko-KR" altLang="en-US" smtClean="0"/>
-              <a:t>2021-04-10</a:t>
+              <a:t>2021-04-18</a:t>
             </a:fld>
             <a:endParaRPr lang="ko-KR" altLang="en-US"/>
           </a:p>
@@ -754,7 +772,7 @@
           <a:lstStyle/>
           <a:p>
             <a:r>
-              <a:rPr kumimoji="0" lang="ko-KR" altLang="en-US" smtClean="0"/>
+              <a:rPr kumimoji="0" lang="ko-KR" altLang="en-US"/>
               <a:t>마스터 제목 스타일 편집</a:t>
             </a:r>
             <a:endParaRPr kumimoji="0" lang="en-US"/>
@@ -783,35 +801,35 @@
           <a:p>
             <a:pPr lvl="0" eaLnBrk="1" latinLnBrk="0" hangingPunct="1"/>
             <a:r>
-              <a:rPr lang="ko-KR" altLang="en-US" smtClean="0"/>
+              <a:rPr lang="ko-KR" altLang="en-US"/>
               <a:t>마스터 텍스트 스타일을 편집합니다</a:t>
             </a:r>
           </a:p>
           <a:p>
             <a:pPr lvl="1" eaLnBrk="1" latinLnBrk="0" hangingPunct="1"/>
             <a:r>
-              <a:rPr lang="ko-KR" altLang="en-US" smtClean="0"/>
+              <a:rPr lang="ko-KR" altLang="en-US"/>
               <a:t>둘째 수준</a:t>
             </a:r>
           </a:p>
           <a:p>
             <a:pPr lvl="2" eaLnBrk="1" latinLnBrk="0" hangingPunct="1"/>
             <a:r>
-              <a:rPr lang="ko-KR" altLang="en-US" smtClean="0"/>
+              <a:rPr lang="ko-KR" altLang="en-US"/>
               <a:t>셋째 수준</a:t>
             </a:r>
           </a:p>
           <a:p>
             <a:pPr lvl="3" eaLnBrk="1" latinLnBrk="0" hangingPunct="1"/>
             <a:r>
-              <a:rPr lang="ko-KR" altLang="en-US" smtClean="0"/>
+              <a:rPr lang="ko-KR" altLang="en-US"/>
               <a:t>넷째 수준</a:t>
             </a:r>
           </a:p>
           <a:p>
             <a:pPr lvl="4" eaLnBrk="1" latinLnBrk="0" hangingPunct="1"/>
             <a:r>
-              <a:rPr lang="ko-KR" altLang="en-US" smtClean="0"/>
+              <a:rPr lang="ko-KR" altLang="en-US"/>
               <a:t>다섯째 수준</a:t>
             </a:r>
             <a:endParaRPr kumimoji="0" lang="en-US"/>
@@ -835,7 +853,7 @@
           <a:p>
             <a:fld id="{3575F28B-E03B-4F00-AA56-A8AF97DAF43F}" type="datetimeFigureOut">
               <a:rPr lang="ko-KR" altLang="en-US" smtClean="0"/>
-              <a:t>2021-04-10</a:t>
+              <a:t>2021-04-18</a:t>
             </a:fld>
             <a:endParaRPr lang="ko-KR" altLang="en-US"/>
           </a:p>
@@ -924,7 +942,7 @@
           <a:lstStyle/>
           <a:p>
             <a:r>
-              <a:rPr kumimoji="0" lang="ko-KR" altLang="en-US" smtClean="0"/>
+              <a:rPr kumimoji="0" lang="ko-KR" altLang="en-US"/>
               <a:t>마스터 제목 스타일 편집</a:t>
             </a:r>
             <a:endParaRPr kumimoji="0" lang="en-US"/>
@@ -948,7 +966,7 @@
           <a:p>
             <a:fld id="{3575F28B-E03B-4F00-AA56-A8AF97DAF43F}" type="datetimeFigureOut">
               <a:rPr lang="ko-KR" altLang="en-US" smtClean="0"/>
-              <a:t>2021-04-10</a:t>
+              <a:t>2021-04-18</a:t>
             </a:fld>
             <a:endParaRPr lang="ko-KR" altLang="en-US"/>
           </a:p>
@@ -1018,35 +1036,35 @@
           <a:p>
             <a:pPr lvl="0" eaLnBrk="1" latinLnBrk="0" hangingPunct="1"/>
             <a:r>
-              <a:rPr lang="ko-KR" altLang="en-US" smtClean="0"/>
+              <a:rPr lang="ko-KR" altLang="en-US"/>
               <a:t>마스터 텍스트 스타일을 편집합니다</a:t>
             </a:r>
           </a:p>
           <a:p>
             <a:pPr lvl="1" eaLnBrk="1" latinLnBrk="0" hangingPunct="1"/>
             <a:r>
-              <a:rPr lang="ko-KR" altLang="en-US" smtClean="0"/>
+              <a:rPr lang="ko-KR" altLang="en-US"/>
               <a:t>둘째 수준</a:t>
             </a:r>
           </a:p>
           <a:p>
             <a:pPr lvl="2" eaLnBrk="1" latinLnBrk="0" hangingPunct="1"/>
             <a:r>
-              <a:rPr lang="ko-KR" altLang="en-US" smtClean="0"/>
+              <a:rPr lang="ko-KR" altLang="en-US"/>
               <a:t>셋째 수준</a:t>
             </a:r>
           </a:p>
           <a:p>
             <a:pPr lvl="3" eaLnBrk="1" latinLnBrk="0" hangingPunct="1"/>
             <a:r>
-              <a:rPr lang="ko-KR" altLang="en-US" smtClean="0"/>
+              <a:rPr lang="ko-KR" altLang="en-US"/>
               <a:t>넷째 수준</a:t>
             </a:r>
           </a:p>
           <a:p>
             <a:pPr lvl="4" eaLnBrk="1" latinLnBrk="0" hangingPunct="1"/>
             <a:r>
-              <a:rPr lang="ko-KR" altLang="en-US" smtClean="0"/>
+              <a:rPr lang="ko-KR" altLang="en-US"/>
               <a:t>다섯째 수준</a:t>
             </a:r>
             <a:endParaRPr kumimoji="0" lang="en-US"/>
@@ -1203,7 +1221,7 @@
           </a:lstStyle>
           <a:p>
             <a:r>
-              <a:rPr kumimoji="0" lang="ko-KR" altLang="en-US" smtClean="0"/>
+              <a:rPr kumimoji="0" lang="ko-KR" altLang="en-US"/>
               <a:t>마스터 제목 스타일 편집</a:t>
             </a:r>
             <a:endParaRPr kumimoji="0" lang="en-US"/>
@@ -1283,7 +1301,7 @@
           <a:p>
             <a:pPr lvl="0" eaLnBrk="1" latinLnBrk="0" hangingPunct="1"/>
             <a:r>
-              <a:rPr kumimoji="0" lang="ko-KR" altLang="en-US" smtClean="0"/>
+              <a:rPr kumimoji="0" lang="ko-KR" altLang="en-US"/>
               <a:t>마스터 텍스트 스타일을 편집합니다</a:t>
             </a:r>
           </a:p>
@@ -1306,7 +1324,7 @@
           <a:p>
             <a:fld id="{3575F28B-E03B-4F00-AA56-A8AF97DAF43F}" type="datetimeFigureOut">
               <a:rPr lang="ko-KR" altLang="en-US" smtClean="0"/>
-              <a:t>2021-04-10</a:t>
+              <a:t>2021-04-18</a:t>
             </a:fld>
             <a:endParaRPr lang="ko-KR" altLang="en-US"/>
           </a:p>
@@ -1547,7 +1565,7 @@
           <a:lstStyle/>
           <a:p>
             <a:r>
-              <a:rPr kumimoji="0" lang="ko-KR" altLang="en-US" smtClean="0"/>
+              <a:rPr kumimoji="0" lang="ko-KR" altLang="en-US"/>
               <a:t>마스터 제목 스타일 편집</a:t>
             </a:r>
             <a:endParaRPr kumimoji="0" lang="en-US"/>
@@ -1571,7 +1589,7 @@
           <a:p>
             <a:fld id="{3575F28B-E03B-4F00-AA56-A8AF97DAF43F}" type="datetimeFigureOut">
               <a:rPr lang="ko-KR" altLang="en-US" smtClean="0"/>
-              <a:t>2021-04-10</a:t>
+              <a:t>2021-04-18</a:t>
             </a:fld>
             <a:endParaRPr lang="ko-KR" altLang="en-US"/>
           </a:p>
@@ -1641,35 +1659,35 @@
           <a:p>
             <a:pPr lvl="0" eaLnBrk="1" latinLnBrk="0" hangingPunct="1"/>
             <a:r>
-              <a:rPr lang="ko-KR" altLang="en-US" smtClean="0"/>
+              <a:rPr lang="ko-KR" altLang="en-US"/>
               <a:t>마스터 텍스트 스타일을 편집합니다</a:t>
             </a:r>
           </a:p>
           <a:p>
             <a:pPr lvl="1" eaLnBrk="1" latinLnBrk="0" hangingPunct="1"/>
             <a:r>
-              <a:rPr lang="ko-KR" altLang="en-US" smtClean="0"/>
+              <a:rPr lang="ko-KR" altLang="en-US"/>
               <a:t>둘째 수준</a:t>
             </a:r>
           </a:p>
           <a:p>
             <a:pPr lvl="2" eaLnBrk="1" latinLnBrk="0" hangingPunct="1"/>
             <a:r>
-              <a:rPr lang="ko-KR" altLang="en-US" smtClean="0"/>
+              <a:rPr lang="ko-KR" altLang="en-US"/>
               <a:t>셋째 수준</a:t>
             </a:r>
           </a:p>
           <a:p>
             <a:pPr lvl="3" eaLnBrk="1" latinLnBrk="0" hangingPunct="1"/>
             <a:r>
-              <a:rPr lang="ko-KR" altLang="en-US" smtClean="0"/>
+              <a:rPr lang="ko-KR" altLang="en-US"/>
               <a:t>넷째 수준</a:t>
             </a:r>
           </a:p>
           <a:p>
             <a:pPr lvl="4" eaLnBrk="1" latinLnBrk="0" hangingPunct="1"/>
             <a:r>
-              <a:rPr lang="ko-KR" altLang="en-US" smtClean="0"/>
+              <a:rPr lang="ko-KR" altLang="en-US"/>
               <a:t>다섯째 수준</a:t>
             </a:r>
             <a:endParaRPr kumimoji="0" lang="en-US"/>
@@ -1698,35 +1716,35 @@
           <a:p>
             <a:pPr lvl="0" eaLnBrk="1" latinLnBrk="0" hangingPunct="1"/>
             <a:r>
-              <a:rPr lang="ko-KR" altLang="en-US" smtClean="0"/>
+              <a:rPr lang="ko-KR" altLang="en-US"/>
               <a:t>마스터 텍스트 스타일을 편집합니다</a:t>
             </a:r>
           </a:p>
           <a:p>
             <a:pPr lvl="1" eaLnBrk="1" latinLnBrk="0" hangingPunct="1"/>
             <a:r>
-              <a:rPr lang="ko-KR" altLang="en-US" smtClean="0"/>
+              <a:rPr lang="ko-KR" altLang="en-US"/>
               <a:t>둘째 수준</a:t>
             </a:r>
           </a:p>
           <a:p>
             <a:pPr lvl="2" eaLnBrk="1" latinLnBrk="0" hangingPunct="1"/>
             <a:r>
-              <a:rPr lang="ko-KR" altLang="en-US" smtClean="0"/>
+              <a:rPr lang="ko-KR" altLang="en-US"/>
               <a:t>셋째 수준</a:t>
             </a:r>
           </a:p>
           <a:p>
             <a:pPr lvl="3" eaLnBrk="1" latinLnBrk="0" hangingPunct="1"/>
             <a:r>
-              <a:rPr lang="ko-KR" altLang="en-US" smtClean="0"/>
+              <a:rPr lang="ko-KR" altLang="en-US"/>
               <a:t>넷째 수준</a:t>
             </a:r>
           </a:p>
           <a:p>
             <a:pPr lvl="4" eaLnBrk="1" latinLnBrk="0" hangingPunct="1"/>
             <a:r>
-              <a:rPr lang="ko-KR" altLang="en-US" smtClean="0"/>
+              <a:rPr lang="ko-KR" altLang="en-US"/>
               <a:t>다섯째 수준</a:t>
             </a:r>
             <a:endParaRPr kumimoji="0" lang="en-US"/>
@@ -1783,7 +1801,7 @@
           </a:lstStyle>
           <a:p>
             <a:r>
-              <a:rPr kumimoji="0" lang="ko-KR" altLang="en-US" smtClean="0"/>
+              <a:rPr kumimoji="0" lang="ko-KR" altLang="en-US"/>
               <a:t>마스터 제목 스타일 편집</a:t>
             </a:r>
             <a:endParaRPr kumimoji="0" lang="en-US"/>
@@ -1847,7 +1865,7 @@
           <a:p>
             <a:pPr lvl="0" eaLnBrk="1" latinLnBrk="0" hangingPunct="1"/>
             <a:r>
-              <a:rPr kumimoji="0" lang="ko-KR" altLang="en-US" smtClean="0"/>
+              <a:rPr kumimoji="0" lang="ko-KR" altLang="en-US"/>
               <a:t>마스터 텍스트 스타일을 편집합니다</a:t>
             </a:r>
           </a:p>
@@ -1910,7 +1928,7 @@
           <a:p>
             <a:pPr lvl="0" eaLnBrk="1" latinLnBrk="0" hangingPunct="1"/>
             <a:r>
-              <a:rPr kumimoji="0" lang="ko-KR" altLang="en-US" smtClean="0"/>
+              <a:rPr kumimoji="0" lang="ko-KR" altLang="en-US"/>
               <a:t>마스터 텍스트 스타일을 편집합니다</a:t>
             </a:r>
           </a:p>
@@ -1933,7 +1951,7 @@
           <a:p>
             <a:fld id="{3575F28B-E03B-4F00-AA56-A8AF97DAF43F}" type="datetimeFigureOut">
               <a:rPr lang="ko-KR" altLang="en-US" smtClean="0"/>
-              <a:t>2021-04-10</a:t>
+              <a:t>2021-04-18</a:t>
             </a:fld>
             <a:endParaRPr lang="ko-KR" altLang="en-US"/>
           </a:p>
@@ -2003,35 +2021,35 @@
           <a:p>
             <a:pPr lvl="0" eaLnBrk="1" latinLnBrk="0" hangingPunct="1"/>
             <a:r>
-              <a:rPr lang="ko-KR" altLang="en-US" smtClean="0"/>
+              <a:rPr lang="ko-KR" altLang="en-US"/>
               <a:t>마스터 텍스트 스타일을 편집합니다</a:t>
             </a:r>
           </a:p>
           <a:p>
             <a:pPr lvl="1" eaLnBrk="1" latinLnBrk="0" hangingPunct="1"/>
             <a:r>
-              <a:rPr lang="ko-KR" altLang="en-US" smtClean="0"/>
+              <a:rPr lang="ko-KR" altLang="en-US"/>
               <a:t>둘째 수준</a:t>
             </a:r>
           </a:p>
           <a:p>
             <a:pPr lvl="2" eaLnBrk="1" latinLnBrk="0" hangingPunct="1"/>
             <a:r>
-              <a:rPr lang="ko-KR" altLang="en-US" smtClean="0"/>
+              <a:rPr lang="ko-KR" altLang="en-US"/>
               <a:t>셋째 수준</a:t>
             </a:r>
           </a:p>
           <a:p>
             <a:pPr lvl="3" eaLnBrk="1" latinLnBrk="0" hangingPunct="1"/>
             <a:r>
-              <a:rPr lang="ko-KR" altLang="en-US" smtClean="0"/>
+              <a:rPr lang="ko-KR" altLang="en-US"/>
               <a:t>넷째 수준</a:t>
             </a:r>
           </a:p>
           <a:p>
             <a:pPr lvl="4" eaLnBrk="1" latinLnBrk="0" hangingPunct="1"/>
             <a:r>
-              <a:rPr lang="ko-KR" altLang="en-US" smtClean="0"/>
+              <a:rPr lang="ko-KR" altLang="en-US"/>
               <a:t>다섯째 수준</a:t>
             </a:r>
             <a:endParaRPr kumimoji="0" lang="en-US"/>
@@ -2060,35 +2078,35 @@
           <a:p>
             <a:pPr lvl="0" eaLnBrk="1" latinLnBrk="0" hangingPunct="1"/>
             <a:r>
-              <a:rPr lang="ko-KR" altLang="en-US" smtClean="0"/>
+              <a:rPr lang="ko-KR" altLang="en-US"/>
               <a:t>마스터 텍스트 스타일을 편집합니다</a:t>
             </a:r>
           </a:p>
           <a:p>
             <a:pPr lvl="1" eaLnBrk="1" latinLnBrk="0" hangingPunct="1"/>
             <a:r>
-              <a:rPr lang="ko-KR" altLang="en-US" smtClean="0"/>
+              <a:rPr lang="ko-KR" altLang="en-US"/>
               <a:t>둘째 수준</a:t>
             </a:r>
           </a:p>
           <a:p>
             <a:pPr lvl="2" eaLnBrk="1" latinLnBrk="0" hangingPunct="1"/>
             <a:r>
-              <a:rPr lang="ko-KR" altLang="en-US" smtClean="0"/>
+              <a:rPr lang="ko-KR" altLang="en-US"/>
               <a:t>셋째 수준</a:t>
             </a:r>
           </a:p>
           <a:p>
             <a:pPr lvl="3" eaLnBrk="1" latinLnBrk="0" hangingPunct="1"/>
             <a:r>
-              <a:rPr lang="ko-KR" altLang="en-US" smtClean="0"/>
+              <a:rPr lang="ko-KR" altLang="en-US"/>
               <a:t>넷째 수준</a:t>
             </a:r>
           </a:p>
           <a:p>
             <a:pPr lvl="4" eaLnBrk="1" latinLnBrk="0" hangingPunct="1"/>
             <a:r>
-              <a:rPr lang="ko-KR" altLang="en-US" smtClean="0"/>
+              <a:rPr lang="ko-KR" altLang="en-US"/>
               <a:t>다섯째 수준</a:t>
             </a:r>
             <a:endParaRPr kumimoji="0" lang="en-US"/>
@@ -2136,7 +2154,7 @@
           <a:lstStyle/>
           <a:p>
             <a:r>
-              <a:rPr kumimoji="0" lang="ko-KR" altLang="en-US" smtClean="0"/>
+              <a:rPr kumimoji="0" lang="ko-KR" altLang="en-US"/>
               <a:t>마스터 제목 스타일 편집</a:t>
             </a:r>
             <a:endParaRPr kumimoji="0" lang="en-US"/>
@@ -2160,7 +2178,7 @@
           <a:p>
             <a:fld id="{3575F28B-E03B-4F00-AA56-A8AF97DAF43F}" type="datetimeFigureOut">
               <a:rPr lang="ko-KR" altLang="en-US" smtClean="0"/>
-              <a:t>2021-04-10</a:t>
+              <a:t>2021-04-18</a:t>
             </a:fld>
             <a:endParaRPr lang="ko-KR" altLang="en-US"/>
           </a:p>
@@ -2250,7 +2268,7 @@
           <a:p>
             <a:fld id="{3575F28B-E03B-4F00-AA56-A8AF97DAF43F}" type="datetimeFigureOut">
               <a:rPr lang="ko-KR" altLang="en-US" smtClean="0"/>
-              <a:t>2021-04-10</a:t>
+              <a:t>2021-04-18</a:t>
             </a:fld>
             <a:endParaRPr lang="ko-KR" altLang="en-US"/>
           </a:p>
@@ -2444,7 +2462,7 @@
           </a:lstStyle>
           <a:p>
             <a:r>
-              <a:rPr kumimoji="0" lang="ko-KR" altLang="en-US" smtClean="0"/>
+              <a:rPr kumimoji="0" lang="ko-KR" altLang="en-US"/>
               <a:t>마스터 제목 스타일 편집</a:t>
             </a:r>
             <a:endParaRPr kumimoji="0" lang="en-US"/>
@@ -2494,7 +2512,7 @@
           <a:p>
             <a:pPr lvl="0" eaLnBrk="1" latinLnBrk="0" hangingPunct="1"/>
             <a:r>
-              <a:rPr kumimoji="0" lang="ko-KR" altLang="en-US" smtClean="0"/>
+              <a:rPr kumimoji="0" lang="ko-KR" altLang="en-US"/>
               <a:t>마스터 텍스트 스타일을 편집합니다</a:t>
             </a:r>
           </a:p>
@@ -2517,7 +2535,7 @@
           <a:p>
             <a:fld id="{3575F28B-E03B-4F00-AA56-A8AF97DAF43F}" type="datetimeFigureOut">
               <a:rPr lang="ko-KR" altLang="en-US" smtClean="0"/>
-              <a:t>2021-04-10</a:t>
+              <a:t>2021-04-18</a:t>
             </a:fld>
             <a:endParaRPr lang="ko-KR" altLang="en-US"/>
           </a:p>
@@ -2587,35 +2605,35 @@
           <a:p>
             <a:pPr lvl="0" eaLnBrk="1" latinLnBrk="0" hangingPunct="1"/>
             <a:r>
-              <a:rPr lang="ko-KR" altLang="en-US" smtClean="0"/>
+              <a:rPr lang="ko-KR" altLang="en-US"/>
               <a:t>마스터 텍스트 스타일을 편집합니다</a:t>
             </a:r>
           </a:p>
           <a:p>
             <a:pPr lvl="1" eaLnBrk="1" latinLnBrk="0" hangingPunct="1"/>
             <a:r>
-              <a:rPr lang="ko-KR" altLang="en-US" smtClean="0"/>
+              <a:rPr lang="ko-KR" altLang="en-US"/>
               <a:t>둘째 수준</a:t>
             </a:r>
           </a:p>
           <a:p>
             <a:pPr lvl="2" eaLnBrk="1" latinLnBrk="0" hangingPunct="1"/>
             <a:r>
-              <a:rPr lang="ko-KR" altLang="en-US" smtClean="0"/>
+              <a:rPr lang="ko-KR" altLang="en-US"/>
               <a:t>셋째 수준</a:t>
             </a:r>
           </a:p>
           <a:p>
             <a:pPr lvl="3" eaLnBrk="1" latinLnBrk="0" hangingPunct="1"/>
             <a:r>
-              <a:rPr lang="ko-KR" altLang="en-US" smtClean="0"/>
+              <a:rPr lang="ko-KR" altLang="en-US"/>
               <a:t>넷째 수준</a:t>
             </a:r>
           </a:p>
           <a:p>
             <a:pPr lvl="4" eaLnBrk="1" latinLnBrk="0" hangingPunct="1"/>
             <a:r>
-              <a:rPr lang="ko-KR" altLang="en-US" smtClean="0"/>
+              <a:rPr lang="ko-KR" altLang="en-US"/>
               <a:t>다섯째 수준</a:t>
             </a:r>
             <a:endParaRPr kumimoji="0" lang="en-US"/>
@@ -2675,7 +2693,7 @@
           </a:lstStyle>
           <a:p>
             <a:r>
-              <a:rPr kumimoji="0" lang="ko-KR" altLang="en-US" smtClean="0"/>
+              <a:rPr kumimoji="0" lang="ko-KR" altLang="en-US"/>
               <a:t>마스터 제목 스타일 편집</a:t>
             </a:r>
             <a:endParaRPr kumimoji="0" lang="en-US"/>
@@ -2722,7 +2740,7 @@
           <a:p>
             <a:pPr lvl="0" eaLnBrk="1" latinLnBrk="0" hangingPunct="1"/>
             <a:r>
-              <a:rPr kumimoji="0" lang="ko-KR" altLang="en-US" smtClean="0"/>
+              <a:rPr kumimoji="0" lang="ko-KR" altLang="en-US"/>
               <a:t>마스터 텍스트 스타일을 편집합니다</a:t>
             </a:r>
           </a:p>
@@ -2745,7 +2763,7 @@
           <a:p>
             <a:fld id="{3575F28B-E03B-4F00-AA56-A8AF97DAF43F}" type="datetimeFigureOut">
               <a:rPr lang="ko-KR" altLang="en-US" smtClean="0"/>
-              <a:t>2021-04-10</a:t>
+              <a:t>2021-04-18</a:t>
             </a:fld>
             <a:endParaRPr lang="ko-KR" altLang="en-US"/>
           </a:p>
@@ -2985,7 +3003,7 @@
           </a:lstStyle>
           <a:p>
             <a:r>
-              <a:rPr kumimoji="0" lang="ko-KR" altLang="en-US" smtClean="0"/>
+              <a:rPr kumimoji="0" lang="ko-KR" altLang="en-US"/>
               <a:t>그림을 추가하려면 아이콘을 클릭하십시오</a:t>
             </a:r>
             <a:endParaRPr kumimoji="0" lang="en-US" dirty="0"/>
@@ -3142,7 +3160,7 @@
           <a:lstStyle/>
           <a:p>
             <a:r>
-              <a:rPr kumimoji="0" lang="ko-KR" altLang="en-US" smtClean="0"/>
+              <a:rPr kumimoji="0" lang="ko-KR" altLang="en-US"/>
               <a:t>마스터 제목 스타일 편집</a:t>
             </a:r>
             <a:endParaRPr kumimoji="0" lang="en-US"/>
@@ -3176,35 +3194,35 @@
           <a:p>
             <a:pPr lvl="0" eaLnBrk="1" latinLnBrk="0" hangingPunct="1"/>
             <a:r>
-              <a:rPr kumimoji="0" lang="ko-KR" altLang="en-US" smtClean="0"/>
+              <a:rPr kumimoji="0" lang="ko-KR" altLang="en-US"/>
               <a:t>마스터 텍스트 스타일을 편집합니다</a:t>
             </a:r>
           </a:p>
           <a:p>
             <a:pPr lvl="1" eaLnBrk="1" latinLnBrk="0" hangingPunct="1"/>
             <a:r>
-              <a:rPr kumimoji="0" lang="ko-KR" altLang="en-US" smtClean="0"/>
+              <a:rPr kumimoji="0" lang="ko-KR" altLang="en-US"/>
               <a:t>둘째 수준</a:t>
             </a:r>
           </a:p>
           <a:p>
             <a:pPr lvl="2" eaLnBrk="1" latinLnBrk="0" hangingPunct="1"/>
             <a:r>
-              <a:rPr kumimoji="0" lang="ko-KR" altLang="en-US" smtClean="0"/>
+              <a:rPr kumimoji="0" lang="ko-KR" altLang="en-US"/>
               <a:t>셋째 수준</a:t>
             </a:r>
           </a:p>
           <a:p>
             <a:pPr lvl="3" eaLnBrk="1" latinLnBrk="0" hangingPunct="1"/>
             <a:r>
-              <a:rPr kumimoji="0" lang="ko-KR" altLang="en-US" smtClean="0"/>
+              <a:rPr kumimoji="0" lang="ko-KR" altLang="en-US"/>
               <a:t>넷째 수준</a:t>
             </a:r>
           </a:p>
           <a:p>
             <a:pPr lvl="4" eaLnBrk="1" latinLnBrk="0" hangingPunct="1"/>
             <a:r>
-              <a:rPr kumimoji="0" lang="ko-KR" altLang="en-US" smtClean="0"/>
+              <a:rPr kumimoji="0" lang="ko-KR" altLang="en-US"/>
               <a:t>다섯째 수준</a:t>
             </a:r>
             <a:endParaRPr kumimoji="0" lang="en-US"/>
@@ -3244,7 +3262,7 @@
           <a:p>
             <a:fld id="{3575F28B-E03B-4F00-AA56-A8AF97DAF43F}" type="datetimeFigureOut">
               <a:rPr lang="ko-KR" altLang="en-US" smtClean="0"/>
-              <a:t>2021-04-10</a:t>
+              <a:t>2021-04-18</a:t>
             </a:fld>
             <a:endParaRPr lang="ko-KR" altLang="en-US"/>
           </a:p>
@@ -3632,7 +3650,7 @@
 </file>
 
 <file path=ppt/slides/slide1.xml><?xml version="1.0" encoding="utf-8"?>
-<p:sld xmlns:r="http://schemas.openxmlformats.org/officeDocument/2006/relationships" xmlns:c="http://schemas.openxmlformats.org/drawingml/2006/chart" xmlns:a="http://schemas.openxmlformats.org/drawingml/2006/main" xmlns:dgm="http://schemas.openxmlformats.org/drawingml/2006/diagram" xmlns:dsp="http://schemas.microsoft.com/office/drawing/2008/diagram" xmlns:p="http://schemas.openxmlformats.org/presentationml/2006/main">
+<p:sld xmlns:a="http://schemas.openxmlformats.org/drawingml/2006/main" xmlns:r="http://schemas.openxmlformats.org/officeDocument/2006/relationships" xmlns:p="http://schemas.openxmlformats.org/presentationml/2006/main">
   <p:cSld>
     <p:spTree>
       <p:nvGrpSpPr>
@@ -3666,10 +3684,6 @@
             <a:pPr lvl="0">
               <a:defRPr/>
             </a:pPr>
-            <a:r>
-              <a:rPr lang="ko-KR" altLang="en-US"/>
-              <a:t/>
-            </a:r>
             <a:endParaRPr lang="ko-KR" altLang="en-US"/>
           </a:p>
         </p:txBody>
@@ -3681,7 +3695,7 @@
             <a:spLocks noGrp="1"/>
           </p:cNvSpPr>
           <p:nvPr>
-            <p:ph type="ctrTitle" idx="0"/>
+            <p:ph type="ctrTitle"/>
           </p:nvPr>
         </p:nvSpPr>
         <p:spPr/>
@@ -3707,7 +3721,6 @@
               <a:rPr lang="en-US" altLang="ko-KR"/>
               <a:t>2-3</a:t>
             </a:r>
-            <a:endParaRPr lang="en-US" altLang="ko-KR"/>
           </a:p>
         </p:txBody>
       </p:sp>
@@ -3716,26 +3729,19 @@
   <p:clrMapOvr>
     <a:masterClrMapping/>
   </p:clrMapOvr>
-  <mc:AlternateContent xmlns:mc="http://schemas.openxmlformats.org/markup-compatibility/2006">
-    <mc:Choice xmlns:p14="http://schemas.microsoft.com/office/powerpoint/2010/main" Requires="p14">
-      <p:transition xmlns:mc="http://schemas.openxmlformats.org/markup-compatibility/2006" xmlns:p14="http://schemas.microsoft.com/office/powerpoint/2010/main" mc:Ignorable="p14" p14:dur="500"/>
+  <mc:AlternateContent xmlns:mc="http://schemas.openxmlformats.org/markup-compatibility/2006" xmlns:p14="http://schemas.microsoft.com/office/powerpoint/2010/main">
+    <mc:Choice Requires="p14">
+      <p:transition/>
     </mc:Choice>
-    <mc:Fallback>
+    <mc:Fallback xmlns:dsp="http://schemas.microsoft.com/office/drawing/2008/diagram" xmlns:dgm="http://schemas.openxmlformats.org/drawingml/2006/diagram" xmlns:c="http://schemas.openxmlformats.org/drawingml/2006/chart" xmlns="">
       <p:transition/>
     </mc:Fallback>
   </mc:AlternateContent>
-  <p:timing>
-    <p:tnLst>
-      <p:par>
-        <p:cTn id="1" dur="indefinite" restart="never" nodeType="tmRoot"/>
-      </p:par>
-    </p:tnLst>
-  </p:timing>
 </p:sld>
 </file>
 
 <file path=ppt/slides/slide2.xml><?xml version="1.0" encoding="utf-8"?>
-<p:sld xmlns:r="http://schemas.openxmlformats.org/officeDocument/2006/relationships" xmlns:c="http://schemas.openxmlformats.org/drawingml/2006/chart" xmlns:a="http://schemas.openxmlformats.org/drawingml/2006/main" xmlns:dgm="http://schemas.openxmlformats.org/drawingml/2006/diagram" xmlns:dsp="http://schemas.microsoft.com/office/drawing/2008/diagram" xmlns:p="http://schemas.openxmlformats.org/presentationml/2006/main">
+<p:sld xmlns:a="http://schemas.openxmlformats.org/drawingml/2006/main" xmlns:r="http://schemas.openxmlformats.org/officeDocument/2006/relationships" xmlns:p="http://schemas.openxmlformats.org/presentationml/2006/main">
   <p:cSld>
     <p:spTree>
       <p:nvGrpSpPr>
@@ -3758,7 +3764,7 @@
             <a:spLocks noGrp="1"/>
           </p:cNvSpPr>
           <p:nvPr>
-            <p:ph type="title" idx="0"/>
+            <p:ph type="title"/>
           </p:nvPr>
         </p:nvSpPr>
         <p:spPr/>
@@ -3773,7 +3779,6 @@
               <a:rPr lang="ko-KR" altLang="en-US"/>
               <a:t>학습목표</a:t>
             </a:r>
-            <a:endParaRPr lang="ko-KR" altLang="en-US"/>
           </a:p>
         </p:txBody>
       </p:sp>
@@ -3796,48 +3801,65 @@
               <a:defRPr/>
             </a:pPr>
             <a:r>
-              <a:rPr lang="ko-KR" altLang="en-US"/>
-              <a:t>딕셔너리를 사용해 본다</a:t>
-            </a:r>
-            <a:r>
-              <a:rPr lang="en-US" altLang="ko-KR"/>
+              <a:rPr lang="ko-KR" altLang="en-US" dirty="0" err="1"/>
+              <a:t>딕셔너리를</a:t>
+            </a:r>
+            <a:r>
+              <a:rPr lang="ko-KR" altLang="en-US" dirty="0"/>
+              <a:t> 사용해 본다</a:t>
+            </a:r>
+            <a:r>
+              <a:rPr lang="en-US" altLang="ko-KR" dirty="0"/>
               <a:t>.</a:t>
             </a:r>
-            <a:endParaRPr lang="en-US" altLang="ko-KR"/>
           </a:p>
           <a:p>
             <a:pPr lvl="0">
               <a:defRPr/>
             </a:pPr>
-            <a:r>
-              <a:rPr lang="ko-KR" altLang="en-US"/>
-              <a:t>튜플을 사용해 본다</a:t>
-            </a:r>
-            <a:r>
-              <a:rPr lang="en-US" altLang="ko-KR"/>
+            <a:endParaRPr lang="en-US" altLang="ko-KR" dirty="0"/>
+          </a:p>
+          <a:p>
+            <a:pPr lvl="0">
+              <a:defRPr/>
+            </a:pPr>
+            <a:r>
+              <a:rPr lang="ko-KR" altLang="en-US" dirty="0" err="1"/>
+              <a:t>튜플을</a:t>
+            </a:r>
+            <a:r>
+              <a:rPr lang="ko-KR" altLang="en-US" dirty="0"/>
+              <a:t> 사용해 본다</a:t>
+            </a:r>
+            <a:r>
+              <a:rPr lang="en-US" altLang="ko-KR" dirty="0"/>
               <a:t>.</a:t>
             </a:r>
-            <a:endParaRPr lang="en-US" altLang="ko-KR"/>
           </a:p>
           <a:p>
             <a:pPr lvl="0">
               <a:defRPr/>
             </a:pPr>
-            <a:r>
-              <a:rPr lang="ko-KR" altLang="en-US"/>
+            <a:endParaRPr lang="en-US" altLang="ko-KR" dirty="0"/>
+          </a:p>
+          <a:p>
+            <a:pPr lvl="0">
+              <a:defRPr/>
+            </a:pPr>
+            <a:r>
+              <a:rPr lang="ko-KR" altLang="en-US" dirty="0"/>
               <a:t>셋을 사용해 본다</a:t>
             </a:r>
             <a:r>
-              <a:rPr lang="en-US" altLang="ko-KR"/>
+              <a:rPr lang="en-US" altLang="ko-KR" dirty="0"/>
               <a:t>.</a:t>
             </a:r>
-            <a:endParaRPr lang="en-US" altLang="ko-KR"/>
           </a:p>
           <a:p>
             <a:pPr lvl="0">
               <a:defRPr/>
             </a:pPr>
-            <a:endParaRPr lang="en-US" altLang="ko-KR"/>
+            <a:endParaRPr lang="en-US" altLang="ko-KR" dirty="0"/>
           </a:p>
         </p:txBody>
       </p:sp>
@@ -3846,26 +3868,19 @@
   <p:clrMapOvr>
     <a:masterClrMapping/>
   </p:clrMapOvr>
-  <mc:AlternateContent xmlns:mc="http://schemas.openxmlformats.org/markup-compatibility/2006">
-    <mc:Choice xmlns:p14="http://schemas.microsoft.com/office/powerpoint/2010/main" Requires="p14">
-      <p:transition xmlns:mc="http://schemas.openxmlformats.org/markup-compatibility/2006" xmlns:p14="http://schemas.microsoft.com/office/powerpoint/2010/main" mc:Ignorable="p14" p14:dur="500"/>
+  <mc:AlternateContent xmlns:mc="http://schemas.openxmlformats.org/markup-compatibility/2006" xmlns:p14="http://schemas.microsoft.com/office/powerpoint/2010/main">
+    <mc:Choice Requires="p14">
+      <p:transition/>
     </mc:Choice>
-    <mc:Fallback>
+    <mc:Fallback xmlns:dsp="http://schemas.microsoft.com/office/drawing/2008/diagram" xmlns:dgm="http://schemas.openxmlformats.org/drawingml/2006/diagram" xmlns:c="http://schemas.openxmlformats.org/drawingml/2006/chart" xmlns="">
       <p:transition/>
     </mc:Fallback>
   </mc:AlternateContent>
-  <p:timing>
-    <p:tnLst>
-      <p:par>
-        <p:cTn id="1" dur="indefinite" restart="never" nodeType="tmRoot"/>
-      </p:par>
-    </p:tnLst>
-  </p:timing>
 </p:sld>
 </file>
 
 <file path=ppt/slides/slide3.xml><?xml version="1.0" encoding="utf-8"?>
-<p:sld xmlns:r="http://schemas.openxmlformats.org/officeDocument/2006/relationships" xmlns:c="http://schemas.openxmlformats.org/drawingml/2006/chart" xmlns:a="http://schemas.openxmlformats.org/drawingml/2006/main" xmlns:dgm="http://schemas.openxmlformats.org/drawingml/2006/diagram" xmlns:dsp="http://schemas.microsoft.com/office/drawing/2008/diagram" xmlns:p="http://schemas.openxmlformats.org/presentationml/2006/main">
+<p:sld xmlns:a="http://schemas.openxmlformats.org/drawingml/2006/main" xmlns:r="http://schemas.openxmlformats.org/officeDocument/2006/relationships" xmlns:p="http://schemas.openxmlformats.org/presentationml/2006/main">
   <p:cSld>
     <p:spTree>
       <p:nvGrpSpPr>
@@ -3888,7 +3903,7 @@
             <a:spLocks noGrp="1"/>
           </p:cNvSpPr>
           <p:nvPr>
-            <p:ph type="title" idx="0"/>
+            <p:ph type="title"/>
           </p:nvPr>
         </p:nvSpPr>
         <p:spPr/>
@@ -3911,7 +3926,6 @@
               <a:rPr lang="en-US" altLang="ko-KR"/>
               <a:t>?</a:t>
             </a:r>
-            <a:endParaRPr lang="en-US" altLang="ko-KR"/>
           </a:p>
         </p:txBody>
       </p:sp>
@@ -3939,10 +3953,37 @@
               <a:defRPr/>
             </a:pPr>
             <a:r>
-              <a:rPr lang="ko-KR" altLang="en-US" sz="2000"/>
-              <a:t>dictionary는 "키(Key)/값(Value)" 쌍을 요소로 갖는 자료형입니다 </a:t>
-            </a:r>
-            <a:endParaRPr lang="ko-KR" altLang="en-US" sz="2000"/>
+              <a:rPr lang="ko-KR" altLang="en-US" sz="2000" dirty="0" err="1"/>
+              <a:t>dictionary는</a:t>
+            </a:r>
+            <a:r>
+              <a:rPr lang="ko-KR" altLang="en-US" sz="2000" dirty="0"/>
+              <a:t> "키(</a:t>
+            </a:r>
+            <a:r>
+              <a:rPr lang="ko-KR" altLang="en-US" sz="2000" dirty="0" err="1"/>
+              <a:t>Key</a:t>
+            </a:r>
+            <a:r>
+              <a:rPr lang="ko-KR" altLang="en-US" sz="2000" dirty="0"/>
+              <a:t>)/값(</a:t>
+            </a:r>
+            <a:r>
+              <a:rPr lang="ko-KR" altLang="en-US" sz="2000" dirty="0" err="1"/>
+              <a:t>Value</a:t>
+            </a:r>
+            <a:r>
+              <a:rPr lang="ko-KR" altLang="en-US" sz="2000" dirty="0"/>
+              <a:t>)" 쌍을 요소로 갖는 </a:t>
+            </a:r>
+            <a:r>
+              <a:rPr lang="ko-KR" altLang="en-US" sz="2000" dirty="0" err="1"/>
+              <a:t>자료형입니다</a:t>
+            </a:r>
+            <a:r>
+              <a:rPr lang="ko-KR" altLang="en-US" sz="2000" dirty="0"/>
+              <a:t> </a:t>
+            </a:r>
           </a:p>
           <a:p>
             <a:pPr>
@@ -3952,18 +3993,17 @@
               <a:defRPr/>
             </a:pPr>
             <a:r>
-              <a:rPr lang="en-US" altLang="ko-KR" sz="2000"/>
+              <a:rPr lang="en-US" altLang="ko-KR" sz="2000" dirty="0"/>
               <a:t>dictionary</a:t>
             </a:r>
             <a:r>
-              <a:rPr lang="ko-KR" altLang="en-US" sz="2000"/>
+              <a:rPr lang="ko-KR" altLang="en-US" sz="2000" dirty="0"/>
               <a:t> 안의 요소들은 순서가 정해지지 않습니다</a:t>
             </a:r>
             <a:r>
-              <a:rPr lang="en-US" altLang="ko-KR" sz="2000"/>
+              <a:rPr lang="en-US" altLang="ko-KR" sz="2000" dirty="0"/>
               <a:t>.</a:t>
             </a:r>
-            <a:endParaRPr lang="en-US" altLang="ko-KR" sz="2000"/>
           </a:p>
           <a:p>
             <a:pPr>
@@ -3972,7 +4012,7 @@
               </a:spcAft>
               <a:defRPr/>
             </a:pPr>
-            <a:endParaRPr lang="ko-KR" altLang="en-US" sz="2000"/>
+            <a:endParaRPr lang="ko-KR" altLang="en-US" sz="2000" dirty="0"/>
           </a:p>
           <a:p>
             <a:pPr marL="0" indent="0">
@@ -3983,14 +4023,13 @@
               <a:defRPr/>
             </a:pPr>
             <a:r>
-              <a:rPr lang="ko-KR" altLang="en-US" sz="2000"/>
+              <a:rPr lang="ko-KR" altLang="en-US" sz="2000" dirty="0"/>
               <a:t>실행해 보세요</a:t>
             </a:r>
             <a:r>
-              <a:rPr lang="en-US" altLang="ko-KR" sz="2000"/>
+              <a:rPr lang="en-US" altLang="ko-KR" sz="2000" dirty="0"/>
               <a:t>.</a:t>
             </a:r>
-            <a:endParaRPr lang="en-US" altLang="ko-KR" sz="2000"/>
           </a:p>
           <a:p>
             <a:pPr marL="0" indent="0">
@@ -4000,7 +4039,7 @@
               <a:buNone/>
               <a:defRPr/>
             </a:pPr>
-            <a:endParaRPr lang="en-US" altLang="ko-KR" sz="2000"/>
+            <a:endParaRPr lang="en-US" altLang="ko-KR" sz="2000" dirty="0"/>
           </a:p>
           <a:p>
             <a:pPr marL="0" indent="0">
@@ -4010,7 +4049,7 @@
               <a:buNone/>
               <a:defRPr/>
             </a:pPr>
-            <a:endParaRPr lang="ko-KR" altLang="en-US" sz="2000"/>
+            <a:endParaRPr lang="ko-KR" altLang="en-US" sz="2000" dirty="0"/>
           </a:p>
           <a:p>
             <a:pPr marL="0" indent="0">
@@ -4020,7 +4059,7 @@
               <a:buNone/>
               <a:defRPr/>
             </a:pPr>
-            <a:endParaRPr lang="en-US" altLang="ko-KR" sz="2000"/>
+            <a:endParaRPr lang="en-US" altLang="ko-KR" sz="2000" dirty="0"/>
           </a:p>
           <a:p>
             <a:pPr>
@@ -4029,7 +4068,7 @@
               </a:spcAft>
               <a:defRPr/>
             </a:pPr>
-            <a:endParaRPr lang="en-US" altLang="ko-KR" sz="2000"/>
+            <a:endParaRPr lang="en-US" altLang="ko-KR" sz="2000" dirty="0"/>
           </a:p>
           <a:p>
             <a:pPr marL="0" indent="0">
@@ -4039,7 +4078,7 @@
               <a:buNone/>
               <a:defRPr/>
             </a:pPr>
-            <a:endParaRPr lang="ko-KR" altLang="en-US" sz="2000"/>
+            <a:endParaRPr lang="ko-KR" altLang="en-US" sz="2000" dirty="0"/>
           </a:p>
           <a:p>
             <a:pPr marL="0" indent="0">
@@ -4049,7 +4088,7 @@
               <a:buNone/>
               <a:defRPr/>
             </a:pPr>
-            <a:endParaRPr lang="ko-KR" altLang="en-US" sz="2000"/>
+            <a:endParaRPr lang="ko-KR" altLang="en-US" sz="2000" dirty="0"/>
           </a:p>
           <a:p>
             <a:pPr marL="0" indent="0">
@@ -4059,7 +4098,7 @@
               <a:buNone/>
               <a:defRPr/>
             </a:pPr>
-            <a:endParaRPr lang="ko-KR" altLang="en-US" sz="2000"/>
+            <a:endParaRPr lang="ko-KR" altLang="en-US" sz="2000" dirty="0"/>
           </a:p>
           <a:p>
             <a:pPr>
@@ -4068,7 +4107,7 @@
               </a:spcAft>
               <a:defRPr/>
             </a:pPr>
-            <a:endParaRPr lang="ko-KR" altLang="en-US" sz="2000"/>
+            <a:endParaRPr lang="ko-KR" altLang="en-US" sz="2000" dirty="0"/>
           </a:p>
         </p:txBody>
       </p:sp>
@@ -4274,7 +4313,7 @@
       </p:sp>
       <p:pic>
         <p:nvPicPr>
-          <p:cNvPr id="1031" name=""/>
+          <p:cNvPr id="1031" name="그림 1030"/>
           <p:cNvPicPr>
             <a:picLocks noChangeAspect="1"/>
           </p:cNvPicPr>
@@ -4298,7 +4337,7 @@
       </p:pic>
       <p:pic>
         <p:nvPicPr>
-          <p:cNvPr id="1032" name=""/>
+          <p:cNvPr id="1032" name="그림 1031"/>
           <p:cNvPicPr>
             <a:picLocks noChangeAspect="1"/>
           </p:cNvPicPr>
@@ -4325,11 +4364,11 @@
   <p:clrMapOvr>
     <a:masterClrMapping/>
   </p:clrMapOvr>
-  <mc:AlternateContent xmlns:mc="http://schemas.openxmlformats.org/markup-compatibility/2006">
-    <mc:Choice xmlns:p14="http://schemas.microsoft.com/office/powerpoint/2010/main" Requires="p14">
-      <p:transition xmlns:mc="http://schemas.openxmlformats.org/markup-compatibility/2006" xmlns:p14="http://schemas.microsoft.com/office/powerpoint/2010/main" mc:Ignorable="p14" p14:dur="500"/>
+  <mc:AlternateContent xmlns:mc="http://schemas.openxmlformats.org/markup-compatibility/2006" xmlns:p14="http://schemas.microsoft.com/office/powerpoint/2010/main">
+    <mc:Choice Requires="p14">
+      <p:transition/>
     </mc:Choice>
-    <mc:Fallback>
+    <mc:Fallback xmlns:dsp="http://schemas.microsoft.com/office/drawing/2008/diagram" xmlns:dgm="http://schemas.openxmlformats.org/drawingml/2006/diagram" xmlns:c="http://schemas.openxmlformats.org/drawingml/2006/chart" xmlns="">
       <p:transition/>
     </mc:Fallback>
   </mc:AlternateContent>
@@ -4337,7 +4376,7 @@
 </file>
 
 <file path=ppt/slides/slide4.xml><?xml version="1.0" encoding="utf-8"?>
-<p:sld xmlns:r="http://schemas.openxmlformats.org/officeDocument/2006/relationships" xmlns:c="http://schemas.openxmlformats.org/drawingml/2006/chart" xmlns:a="http://schemas.openxmlformats.org/drawingml/2006/main" xmlns:dgm="http://schemas.openxmlformats.org/drawingml/2006/diagram" xmlns:dsp="http://schemas.microsoft.com/office/drawing/2008/diagram" xmlns:p="http://schemas.openxmlformats.org/presentationml/2006/main">
+<p:sld xmlns:a="http://schemas.openxmlformats.org/drawingml/2006/main" xmlns:r="http://schemas.openxmlformats.org/officeDocument/2006/relationships" xmlns:p="http://schemas.openxmlformats.org/presentationml/2006/main">
   <p:cSld>
     <p:spTree>
       <p:nvGrpSpPr>
@@ -4360,7 +4399,7 @@
             <a:spLocks noGrp="1"/>
           </p:cNvSpPr>
           <p:nvPr>
-            <p:ph type="title" idx="0"/>
+            <p:ph type="title"/>
           </p:nvPr>
         </p:nvSpPr>
         <p:spPr>
@@ -4384,13 +4423,12 @@
               <a:rPr lang="ko-KR" altLang="en-US"/>
               <a:t>메소드</a:t>
             </a:r>
-            <a:endParaRPr lang="ko-KR" altLang="en-US"/>
           </a:p>
         </p:txBody>
       </p:sp>
       <p:pic>
         <p:nvPicPr>
-          <p:cNvPr id="19" name=""/>
+          <p:cNvPr id="19" name="그림 18"/>
           <p:cNvPicPr>
             <a:picLocks noChangeAspect="1"/>
           </p:cNvPicPr>
@@ -4417,11 +4455,11 @@
   <p:clrMapOvr>
     <a:masterClrMapping/>
   </p:clrMapOvr>
-  <mc:AlternateContent xmlns:mc="http://schemas.openxmlformats.org/markup-compatibility/2006">
-    <mc:Choice xmlns:p14="http://schemas.microsoft.com/office/powerpoint/2010/main" Requires="p14">
-      <p:transition xmlns:mc="http://schemas.openxmlformats.org/markup-compatibility/2006" xmlns:p14="http://schemas.microsoft.com/office/powerpoint/2010/main" mc:Ignorable="p14" p14:dur="500"/>
+  <mc:AlternateContent xmlns:mc="http://schemas.openxmlformats.org/markup-compatibility/2006" xmlns:p14="http://schemas.microsoft.com/office/powerpoint/2010/main">
+    <mc:Choice Requires="p14">
+      <p:transition/>
     </mc:Choice>
-    <mc:Fallback>
+    <mc:Fallback xmlns:dsp="http://schemas.microsoft.com/office/drawing/2008/diagram" xmlns:dgm="http://schemas.openxmlformats.org/drawingml/2006/diagram" xmlns:c="http://schemas.openxmlformats.org/drawingml/2006/chart" xmlns="">
       <p:transition/>
     </mc:Fallback>
   </mc:AlternateContent>
@@ -4429,7 +4467,7 @@
 </file>
 
 <file path=ppt/slides/slide5.xml><?xml version="1.0" encoding="utf-8"?>
-<p:sld xmlns:r="http://schemas.openxmlformats.org/officeDocument/2006/relationships" xmlns:c="http://schemas.openxmlformats.org/drawingml/2006/chart" xmlns:a="http://schemas.openxmlformats.org/drawingml/2006/main" xmlns:dgm="http://schemas.openxmlformats.org/drawingml/2006/diagram" xmlns:dsp="http://schemas.microsoft.com/office/drawing/2008/diagram" xmlns:p="http://schemas.openxmlformats.org/presentationml/2006/main">
+<p:sld xmlns:a="http://schemas.openxmlformats.org/drawingml/2006/main" xmlns:r="http://schemas.openxmlformats.org/officeDocument/2006/relationships" xmlns:p="http://schemas.openxmlformats.org/presentationml/2006/main">
   <p:cSld>
     <p:spTree>
       <p:nvGrpSpPr>
@@ -4452,7 +4490,7 @@
             <a:spLocks noGrp="1"/>
           </p:cNvSpPr>
           <p:nvPr>
-            <p:ph type="title" idx="0"/>
+            <p:ph type="title"/>
           </p:nvPr>
         </p:nvSpPr>
         <p:spPr/>
@@ -4475,7 +4513,6 @@
               <a:rPr lang="en-US" altLang="ko-KR"/>
               <a:t>?</a:t>
             </a:r>
-            <a:endParaRPr lang="en-US" altLang="ko-KR"/>
           </a:p>
         </p:txBody>
       </p:sp>
@@ -4497,70 +4534,162 @@
             <a:pPr lvl="0">
               <a:defRPr/>
             </a:pPr>
-            <a:endParaRPr lang="ko-KR" altLang="en-US"/>
+            <a:endParaRPr lang="ko-KR" altLang="en-US" dirty="0"/>
           </a:p>
           <a:p>
             <a:pPr lvl="0">
               <a:defRPr/>
             </a:pPr>
-            <a:endParaRPr lang="en-US" altLang="ko-KR"/>
+            <a:r>
+              <a:rPr lang="en-US" altLang="ko-KR" dirty="0"/>
+              <a:t>tuple </a:t>
+            </a:r>
+            <a:r>
+              <a:rPr lang="en-US" altLang="ko-KR" dirty="0" err="1"/>
+              <a:t>자료형은</a:t>
+            </a:r>
+            <a:r>
+              <a:rPr lang="en-US" altLang="ko-KR" dirty="0"/>
+              <a:t> </a:t>
+            </a:r>
+            <a:r>
+              <a:rPr lang="en-US" altLang="ko-KR" dirty="0" err="1"/>
+              <a:t>데이터의</a:t>
+            </a:r>
+            <a:r>
+              <a:rPr lang="en-US" altLang="ko-KR" dirty="0"/>
+              <a:t> </a:t>
+            </a:r>
+            <a:r>
+              <a:rPr lang="en-US" altLang="ko-KR" dirty="0" err="1"/>
+              <a:t>목록이라고</a:t>
+            </a:r>
+            <a:r>
+              <a:rPr lang="en-US" altLang="ko-KR" dirty="0"/>
+              <a:t> </a:t>
+            </a:r>
+            <a:r>
+              <a:rPr lang="en-US" altLang="ko-KR" dirty="0" err="1"/>
+              <a:t>보면</a:t>
+            </a:r>
+            <a:r>
+              <a:rPr lang="en-US" altLang="ko-KR" dirty="0"/>
+              <a:t> </a:t>
+            </a:r>
+            <a:r>
+              <a:rPr lang="en-US" altLang="ko-KR" dirty="0" err="1"/>
+              <a:t>됩니다</a:t>
+            </a:r>
+            <a:r>
+              <a:rPr lang="en-US" altLang="ko-KR" dirty="0"/>
+              <a:t>.</a:t>
+            </a:r>
           </a:p>
           <a:p>
             <a:pPr lvl="0">
               <a:defRPr/>
             </a:pPr>
-            <a:endParaRPr lang="en-US" altLang="ko-KR"/>
+            <a:r>
+              <a:rPr lang="en-US" altLang="ko-KR" dirty="0" err="1"/>
+              <a:t>콤마</a:t>
+            </a:r>
+            <a:r>
+              <a:rPr lang="en-US" altLang="ko-KR" dirty="0"/>
+              <a:t>(,)로 </a:t>
+            </a:r>
+            <a:r>
+              <a:rPr lang="en-US" altLang="ko-KR" dirty="0" err="1"/>
+              <a:t>데이터를</a:t>
+            </a:r>
+            <a:r>
+              <a:rPr lang="en-US" altLang="ko-KR" dirty="0"/>
+              <a:t> </a:t>
+            </a:r>
+            <a:r>
+              <a:rPr lang="en-US" altLang="ko-KR" dirty="0" err="1"/>
+              <a:t>나열하면</a:t>
+            </a:r>
+            <a:r>
+              <a:rPr lang="en-US" altLang="ko-KR" dirty="0"/>
+              <a:t> </a:t>
+            </a:r>
+            <a:r>
+              <a:rPr lang="en-US" altLang="ko-KR" dirty="0" err="1"/>
+              <a:t>tuple입니다</a:t>
+            </a:r>
+            <a:r>
+              <a:rPr lang="en-US" altLang="ko-KR" dirty="0"/>
+              <a:t>.</a:t>
+            </a:r>
+          </a:p>
+          <a:p>
+            <a:pPr lvl="0">
+              <a:defRPr/>
+            </a:pPr>
+            <a:r>
+              <a:rPr lang="en-US" altLang="ko-KR" dirty="0" err="1"/>
+              <a:t>괄호</a:t>
+            </a:r>
+            <a:r>
+              <a:rPr lang="en-US" altLang="ko-KR" dirty="0"/>
+              <a:t>()</a:t>
+            </a:r>
+            <a:r>
+              <a:rPr lang="en-US" altLang="ko-KR" dirty="0" err="1"/>
+              <a:t>안에</a:t>
+            </a:r>
+            <a:r>
+              <a:rPr lang="en-US" altLang="ko-KR" dirty="0"/>
+              <a:t> ,로 </a:t>
+            </a:r>
+            <a:r>
+              <a:rPr lang="en-US" altLang="ko-KR" dirty="0" err="1"/>
+              <a:t>나열해도</a:t>
+            </a:r>
+            <a:r>
+              <a:rPr lang="en-US" altLang="ko-KR" dirty="0"/>
+              <a:t> </a:t>
+            </a:r>
+            <a:r>
+              <a:rPr lang="en-US" altLang="ko-KR" dirty="0" err="1"/>
+              <a:t>tuple입니다</a:t>
+            </a:r>
+            <a:r>
+              <a:rPr lang="en-US" altLang="ko-KR" dirty="0"/>
+              <a:t>.</a:t>
+            </a:r>
+          </a:p>
+          <a:p>
+            <a:pPr lvl="0">
+              <a:defRPr/>
+            </a:pPr>
+            <a:endParaRPr lang="en-US" altLang="ko-KR" dirty="0"/>
           </a:p>
           <a:p>
             <a:pPr marL="0" indent="0">
               <a:buNone/>
               <a:defRPr/>
             </a:pPr>
-            <a:endParaRPr lang="en-US" altLang="ko-KR"/>
+            <a:endParaRPr lang="en-US" altLang="ko-KR" dirty="0"/>
           </a:p>
           <a:p>
             <a:pPr lvl="0">
               <a:defRPr/>
             </a:pPr>
-            <a:endParaRPr lang="ko-KR" altLang="en-US"/>
-          </a:p>
-        </p:txBody>
-      </p:sp>
-      <p:pic>
-        <p:nvPicPr>
-          <p:cNvPr id="3077" name=""/>
-          <p:cNvPicPr>
-            <a:picLocks noChangeAspect="1"/>
-          </p:cNvPicPr>
-          <p:nvPr/>
-        </p:nvPicPr>
-        <p:blipFill rotWithShape="1">
-          <a:blip r:embed="rId2"/>
-          <a:srcRect l="26380" t="9400" r="4330" b="6600"/>
-          <a:stretch>
-            <a:fillRect/>
-          </a:stretch>
-        </p:blipFill>
-        <p:spPr>
-          <a:xfrm>
-            <a:off x="899592" y="1484784"/>
-            <a:ext cx="7488831" cy="5106021"/>
-          </a:xfrm>
-          <a:prstGeom prst="rect">
-            <a:avLst/>
-          </a:prstGeom>
-        </p:spPr>
-      </p:pic>
+            <a:endParaRPr lang="ko-KR" altLang="en-US" dirty="0"/>
+          </a:p>
+        </p:txBody>
+      </p:sp>
     </p:spTree>
   </p:cSld>
   <p:clrMapOvr>
     <a:masterClrMapping/>
   </p:clrMapOvr>
-  <mc:AlternateContent xmlns:mc="http://schemas.openxmlformats.org/markup-compatibility/2006">
-    <mc:Choice xmlns:p14="http://schemas.microsoft.com/office/powerpoint/2010/main" Requires="p14">
-      <p:transition xmlns:mc="http://schemas.openxmlformats.org/markup-compatibility/2006" xmlns:p14="http://schemas.microsoft.com/office/powerpoint/2010/main" mc:Ignorable="p14" p14:dur="500"/>
+  <mc:AlternateContent xmlns:mc="http://schemas.openxmlformats.org/markup-compatibility/2006" xmlns:p14="http://schemas.microsoft.com/office/powerpoint/2010/main">
+    <mc:Choice Requires="p14">
+      <p:transition/>
     </mc:Choice>
-    <mc:Fallback>
+    <mc:Fallback xmlns:dsp="http://schemas.microsoft.com/office/drawing/2008/diagram" xmlns:dgm="http://schemas.openxmlformats.org/drawingml/2006/diagram" xmlns:c="http://schemas.openxmlformats.org/drawingml/2006/chart" xmlns="">
       <p:transition/>
     </mc:Fallback>
   </mc:AlternateContent>
@@ -4568,7 +4697,7 @@
 </file>
 
 <file path=ppt/slides/slide6.xml><?xml version="1.0" encoding="utf-8"?>
-<p:sld xmlns:r="http://schemas.openxmlformats.org/officeDocument/2006/relationships" xmlns:c="http://schemas.openxmlformats.org/drawingml/2006/chart" xmlns:a="http://schemas.openxmlformats.org/drawingml/2006/main" xmlns:dgm="http://schemas.openxmlformats.org/drawingml/2006/diagram" xmlns:dsp="http://schemas.microsoft.com/office/drawing/2008/diagram" xmlns:p="http://schemas.openxmlformats.org/presentationml/2006/main">
+<p:sld xmlns:a="http://schemas.openxmlformats.org/drawingml/2006/main" xmlns:r="http://schemas.openxmlformats.org/officeDocument/2006/relationships" xmlns:p="http://schemas.openxmlformats.org/presentationml/2006/main">
   <p:cSld>
     <p:spTree>
       <p:nvGrpSpPr>
@@ -4591,7 +4720,7 @@
             <a:spLocks noGrp="1"/>
           </p:cNvSpPr>
           <p:nvPr>
-            <p:ph type="title" idx="0"/>
+            <p:ph type="title"/>
           </p:nvPr>
         </p:nvSpPr>
         <p:spPr/>
@@ -4604,41 +4733,14 @@
             </a:pPr>
             <a:r>
               <a:rPr lang="ko-KR" altLang="en-US"/>
-              <a:t>리스트 메소드</a:t>
-            </a:r>
-            <a:endParaRPr lang="ko-KR" altLang="en-US"/>
-          </a:p>
-        </p:txBody>
-      </p:sp>
-      <p:sp>
-        <p:nvSpPr>
-          <p:cNvPr id="3" name="내용 개체 틀 2"/>
-          <p:cNvSpPr>
-            <a:spLocks noGrp="1"/>
-          </p:cNvSpPr>
-          <p:nvPr>
-            <p:ph sz="quarter" idx="1"/>
-          </p:nvPr>
-        </p:nvSpPr>
-        <p:spPr/>
-        <p:txBody>
-          <a:bodyPr/>
-          <a:lstStyle/>
-          <a:p>
-            <a:pPr lvl="0">
-              <a:defRPr/>
-            </a:pPr>
-            <a:r>
-              <a:rPr lang="ko-KR" altLang="en-US"/>
-              <a:t/>
-            </a:r>
-            <a:endParaRPr lang="ko-KR" altLang="en-US"/>
+              <a:t>튜플 메소드</a:t>
+            </a:r>
           </a:p>
         </p:txBody>
       </p:sp>
       <p:pic>
         <p:nvPicPr>
-          <p:cNvPr id="6147" name=""/>
+          <p:cNvPr id="6148" name="그림 6147"/>
           <p:cNvPicPr>
             <a:picLocks noChangeAspect="1"/>
           </p:cNvPicPr>
@@ -4652,8 +4754,8 @@
         </p:blipFill>
         <p:spPr>
           <a:xfrm>
-            <a:off x="769604" y="1412776"/>
-            <a:ext cx="7762836" cy="4804887"/>
+            <a:off x="813867" y="1700807"/>
+            <a:ext cx="7934596" cy="4176464"/>
           </a:xfrm>
           <a:prstGeom prst="rect">
             <a:avLst/>
@@ -4665,26 +4767,19 @@
   <p:clrMapOvr>
     <a:masterClrMapping/>
   </p:clrMapOvr>
-  <mc:AlternateContent xmlns:mc="http://schemas.openxmlformats.org/markup-compatibility/2006">
-    <mc:Choice xmlns:p14="http://schemas.microsoft.com/office/powerpoint/2010/main" Requires="p14">
-      <p:transition xmlns:mc="http://schemas.openxmlformats.org/markup-compatibility/2006" xmlns:p14="http://schemas.microsoft.com/office/powerpoint/2010/main" mc:Ignorable="p14" p14:dur="500"/>
+  <mc:AlternateContent xmlns:mc="http://schemas.openxmlformats.org/markup-compatibility/2006" xmlns:p14="http://schemas.microsoft.com/office/powerpoint/2010/main">
+    <mc:Choice Requires="p14">
+      <p:transition/>
     </mc:Choice>
-    <mc:Fallback>
+    <mc:Fallback xmlns:dsp="http://schemas.microsoft.com/office/drawing/2008/diagram" xmlns:dgm="http://schemas.openxmlformats.org/drawingml/2006/diagram" xmlns:c="http://schemas.openxmlformats.org/drawingml/2006/chart" xmlns="">
       <p:transition/>
     </mc:Fallback>
   </mc:AlternateContent>
-  <p:timing>
-    <p:tnLst>
-      <p:par>
-        <p:cTn id="1" dur="indefinite" restart="never" nodeType="tmRoot"/>
-      </p:par>
-    </p:tnLst>
-  </p:timing>
 </p:sld>
 </file>
 
 <file path=ppt/slides/slide7.xml><?xml version="1.0" encoding="utf-8"?>
-<p:sld xmlns:r="http://schemas.openxmlformats.org/officeDocument/2006/relationships" xmlns:c="http://schemas.openxmlformats.org/drawingml/2006/chart" xmlns:a="http://schemas.openxmlformats.org/drawingml/2006/main" xmlns:dgm="http://schemas.openxmlformats.org/drawingml/2006/diagram" xmlns:dsp="http://schemas.microsoft.com/office/drawing/2008/diagram" xmlns:p="http://schemas.openxmlformats.org/presentationml/2006/main">
+<p:sld xmlns:a="http://schemas.openxmlformats.org/drawingml/2006/main" xmlns:r="http://schemas.openxmlformats.org/officeDocument/2006/relationships" xmlns:p="http://schemas.openxmlformats.org/presentationml/2006/main">
   <p:cSld>
     <p:spTree>
       <p:nvGrpSpPr>
@@ -4707,7 +4802,7 @@
             <a:spLocks noGrp="1"/>
           </p:cNvSpPr>
           <p:nvPr>
-            <p:ph type="title" idx="0"/>
+            <p:ph type="title"/>
           </p:nvPr>
         </p:nvSpPr>
         <p:spPr/>
@@ -4719,14 +4814,1353 @@
               <a:defRPr/>
             </a:pPr>
             <a:r>
+              <a:rPr lang="en-US" altLang="ko-KR"/>
+              <a:t>Set</a:t>
+            </a:r>
+            <a:r>
               <a:rPr lang="ko-KR" altLang="en-US"/>
+              <a:t> 이란</a:t>
+            </a:r>
+            <a:r>
+              <a:rPr lang="en-US" altLang="ko-KR"/>
+              <a:t>?</a:t>
+            </a:r>
+          </a:p>
+        </p:txBody>
+      </p:sp>
+      <p:sp>
+        <p:nvSpPr>
+          <p:cNvPr id="3" name="내용 개체 틀 2"/>
+          <p:cNvSpPr>
+            <a:spLocks noGrp="1"/>
+          </p:cNvSpPr>
+          <p:nvPr>
+            <p:ph sz="quarter" idx="1"/>
+          </p:nvPr>
+        </p:nvSpPr>
+        <p:spPr/>
+        <p:txBody>
+          <a:bodyPr/>
+          <a:lstStyle/>
+          <a:p>
+            <a:pPr lvl="0">
+              <a:defRPr/>
+            </a:pPr>
+            <a:endParaRPr lang="ko-KR" altLang="en-US"/>
+          </a:p>
+          <a:p>
+            <a:pPr lvl="0">
+              <a:defRPr/>
+            </a:pPr>
+            <a:r>
+              <a:rPr lang="en-US" altLang="ko-KR"/>
+              <a:t>set 자료형은 중복을 허용하지 않습니다.</a:t>
+            </a:r>
+          </a:p>
+          <a:p>
+            <a:pPr lvl="0">
+              <a:defRPr/>
+            </a:pPr>
+            <a:r>
+              <a:rPr lang="en-US" altLang="ko-KR"/>
+              <a:t>set은 입력된 순서는 중요하지 않습니다.</a:t>
+            </a:r>
+          </a:p>
+          <a:p>
+            <a:pPr lvl="0">
+              <a:defRPr/>
+            </a:pPr>
+            <a:r>
+              <a:rPr lang="en-US" altLang="ko-KR"/>
+              <a:t>set() 생성자 함수를 이용해서 만들 수 있습니다.</a:t>
+            </a:r>
+          </a:p>
+          <a:p>
+            <a:pPr lvl="0">
+              <a:defRPr/>
+            </a:pPr>
+            <a:r>
+              <a:rPr lang="en-US" altLang="ko-KR"/>
+              <a:t>{}를 이용해서 만들 수 있습니다.</a:t>
+            </a:r>
+          </a:p>
+          <a:p>
+            <a:pPr lvl="0">
+              <a:defRPr/>
+            </a:pPr>
+            <a:endParaRPr lang="en-US" altLang="ko-KR"/>
+          </a:p>
+          <a:p>
+            <a:pPr marL="0" indent="0">
+              <a:buNone/>
+              <a:defRPr/>
+            </a:pPr>
+            <a:endParaRPr lang="en-US" altLang="ko-KR"/>
+          </a:p>
+          <a:p>
+            <a:pPr lvl="0">
+              <a:defRPr/>
+            </a:pPr>
+            <a:endParaRPr lang="ko-KR" altLang="en-US"/>
+          </a:p>
+        </p:txBody>
+      </p:sp>
+    </p:spTree>
+  </p:cSld>
+  <p:clrMapOvr>
+    <a:masterClrMapping/>
+  </p:clrMapOvr>
+  <mc:AlternateContent xmlns:mc="http://schemas.openxmlformats.org/markup-compatibility/2006" xmlns:p14="http://schemas.microsoft.com/office/powerpoint/2010/main">
+    <mc:Choice Requires="p14">
+      <p:transition/>
+    </mc:Choice>
+    <mc:Fallback xmlns:dsp="http://schemas.microsoft.com/office/drawing/2008/diagram" xmlns:dgm="http://schemas.openxmlformats.org/drawingml/2006/diagram" xmlns:c="http://schemas.openxmlformats.org/drawingml/2006/chart" xmlns="">
+      <p:transition/>
+    </mc:Fallback>
+  </mc:AlternateContent>
+</p:sld>
+</file>
+
+<file path=ppt/slides/slide8.xml><?xml version="1.0" encoding="utf-8"?>
+<p:sld xmlns:a="http://schemas.openxmlformats.org/drawingml/2006/main" xmlns:r="http://schemas.openxmlformats.org/officeDocument/2006/relationships" xmlns:p="http://schemas.openxmlformats.org/presentationml/2006/main">
+  <p:cSld>
+    <p:spTree>
+      <p:nvGrpSpPr>
+        <p:cNvPr id="1" name=""/>
+        <p:cNvGrpSpPr/>
+        <p:nvPr/>
+      </p:nvGrpSpPr>
+      <p:grpSpPr>
+        <a:xfrm>
+          <a:off x="0" y="0"/>
+          <a:ext cx="0" cy="0"/>
+          <a:chOff x="0" y="0"/>
+          <a:chExt cx="0" cy="0"/>
+        </a:xfrm>
+      </p:grpSpPr>
+      <p:sp>
+        <p:nvSpPr>
+          <p:cNvPr id="2" name="제목 1"/>
+          <p:cNvSpPr>
+            <a:spLocks noGrp="1"/>
+          </p:cNvSpPr>
+          <p:nvPr>
+            <p:ph type="title"/>
+          </p:nvPr>
+        </p:nvSpPr>
+        <p:spPr/>
+        <p:txBody>
+          <a:bodyPr/>
+          <a:lstStyle/>
+          <a:p>
+            <a:pPr lvl="0">
+              <a:defRPr/>
+            </a:pPr>
+            <a:r>
+              <a:rPr lang="ko-KR" altLang="en-US"/>
+              <a:t>             셋 메소드</a:t>
+            </a:r>
+          </a:p>
+        </p:txBody>
+      </p:sp>
+      <p:sp>
+        <p:nvSpPr>
+          <p:cNvPr id="3" name="내용 개체 틀 2"/>
+          <p:cNvSpPr>
+            <a:spLocks noGrp="1"/>
+          </p:cNvSpPr>
+          <p:nvPr>
+            <p:ph sz="quarter" idx="1"/>
+          </p:nvPr>
+        </p:nvSpPr>
+        <p:spPr>
+          <a:xfrm>
+            <a:off x="520757" y="1827357"/>
+            <a:ext cx="4017639" cy="2232248"/>
+          </a:xfrm>
+        </p:spPr>
+        <p:txBody>
+          <a:bodyPr>
+            <a:normAutofit fontScale="47500" lnSpcReduction="20000"/>
+          </a:bodyPr>
+          <a:lstStyle/>
+          <a:p>
+            <a:pPr lvl="0">
+              <a:defRPr/>
+            </a:pPr>
+            <a:endParaRPr lang="ko-KR" altLang="en-US" dirty="0"/>
+          </a:p>
+          <a:p>
+            <a:pPr lvl="0">
+              <a:defRPr/>
+            </a:pPr>
+            <a:r>
+              <a:rPr lang="en-US" altLang="ko-KR" dirty="0"/>
+              <a:t>add(값) - </a:t>
+            </a:r>
+            <a:r>
+              <a:rPr lang="en-US" altLang="ko-KR" dirty="0" err="1"/>
+              <a:t>집합에</a:t>
+            </a:r>
+            <a:r>
+              <a:rPr lang="en-US" altLang="ko-KR" dirty="0"/>
+              <a:t> </a:t>
+            </a:r>
+            <a:r>
+              <a:rPr lang="en-US" altLang="ko-KR" dirty="0" err="1"/>
+              <a:t>새로운</a:t>
+            </a:r>
+            <a:r>
+              <a:rPr lang="en-US" altLang="ko-KR" dirty="0"/>
+              <a:t> </a:t>
+            </a:r>
+            <a:r>
+              <a:rPr lang="en-US" altLang="ko-KR" dirty="0" err="1"/>
+              <a:t>값을</a:t>
+            </a:r>
+            <a:r>
+              <a:rPr lang="en-US" altLang="ko-KR" dirty="0"/>
+              <a:t> </a:t>
+            </a:r>
+            <a:r>
+              <a:rPr lang="en-US" altLang="ko-KR" dirty="0" err="1"/>
+              <a:t>추가한다</a:t>
+            </a:r>
+            <a:r>
+              <a:rPr lang="en-US" altLang="ko-KR" dirty="0"/>
+              <a:t>. (</a:t>
+            </a:r>
+            <a:r>
+              <a:rPr lang="en-US" altLang="ko-KR" dirty="0" err="1"/>
+              <a:t>중복된</a:t>
+            </a:r>
+            <a:r>
+              <a:rPr lang="en-US" altLang="ko-KR" dirty="0"/>
+              <a:t> </a:t>
+            </a:r>
+            <a:r>
+              <a:rPr lang="en-US" altLang="ko-KR" dirty="0" err="1"/>
+              <a:t>값은</a:t>
+            </a:r>
+            <a:r>
+              <a:rPr lang="en-US" altLang="ko-KR" dirty="0"/>
+              <a:t> </a:t>
+            </a:r>
+            <a:r>
+              <a:rPr lang="en-US" altLang="ko-KR" dirty="0" err="1"/>
+              <a:t>무시</a:t>
+            </a:r>
+            <a:r>
+              <a:rPr lang="en-US" altLang="ko-KR" dirty="0"/>
+              <a:t>)</a:t>
+            </a:r>
+          </a:p>
+          <a:p>
+            <a:pPr lvl="0">
+              <a:defRPr/>
+            </a:pPr>
+            <a:r>
+              <a:rPr lang="en-US" altLang="ko-KR" dirty="0"/>
+              <a:t>remove(값) - </a:t>
+            </a:r>
+            <a:r>
+              <a:rPr lang="en-US" altLang="ko-KR" dirty="0" err="1"/>
+              <a:t>전달받은</a:t>
+            </a:r>
+            <a:r>
+              <a:rPr lang="en-US" altLang="ko-KR" dirty="0"/>
+              <a:t> </a:t>
+            </a:r>
+            <a:r>
+              <a:rPr lang="en-US" altLang="ko-KR" dirty="0" err="1"/>
+              <a:t>값을</a:t>
+            </a:r>
+            <a:r>
+              <a:rPr lang="en-US" altLang="ko-KR" dirty="0"/>
+              <a:t> </a:t>
+            </a:r>
+            <a:r>
+              <a:rPr lang="en-US" altLang="ko-KR" dirty="0" err="1"/>
+              <a:t>삭제</a:t>
+            </a:r>
+            <a:r>
+              <a:rPr lang="en-US" altLang="ko-KR" dirty="0"/>
+              <a:t> (</a:t>
+            </a:r>
+            <a:r>
+              <a:rPr lang="en-US" altLang="ko-KR" dirty="0" err="1"/>
+              <a:t>없을</a:t>
+            </a:r>
+            <a:r>
+              <a:rPr lang="en-US" altLang="ko-KR" dirty="0"/>
+              <a:t> 때 </a:t>
+            </a:r>
+            <a:r>
+              <a:rPr lang="en-US" altLang="ko-KR" dirty="0" err="1"/>
+              <a:t>에러</a:t>
+            </a:r>
+            <a:r>
+              <a:rPr lang="en-US" altLang="ko-KR" dirty="0"/>
+              <a:t> </a:t>
+            </a:r>
+            <a:r>
+              <a:rPr lang="en-US" altLang="ko-KR" dirty="0" err="1"/>
+              <a:t>메시지를</a:t>
+            </a:r>
+            <a:r>
+              <a:rPr lang="en-US" altLang="ko-KR" dirty="0"/>
+              <a:t> </a:t>
+            </a:r>
+            <a:r>
+              <a:rPr lang="en-US" altLang="ko-KR" dirty="0" err="1"/>
+              <a:t>출력</a:t>
+            </a:r>
+            <a:r>
+              <a:rPr lang="en-US" altLang="ko-KR" dirty="0"/>
+              <a:t>)</a:t>
+            </a:r>
+          </a:p>
+          <a:p>
+            <a:pPr lvl="0">
+              <a:defRPr/>
+            </a:pPr>
+            <a:r>
+              <a:rPr lang="en-US" altLang="ko-KR" dirty="0"/>
+              <a:t>discard(값) - </a:t>
+            </a:r>
+            <a:r>
+              <a:rPr lang="en-US" altLang="ko-KR" dirty="0" err="1"/>
+              <a:t>전달받은</a:t>
+            </a:r>
+            <a:r>
+              <a:rPr lang="en-US" altLang="ko-KR" dirty="0"/>
+              <a:t> </a:t>
+            </a:r>
+            <a:r>
+              <a:rPr lang="en-US" altLang="ko-KR" dirty="0" err="1"/>
+              <a:t>값을</a:t>
+            </a:r>
+            <a:r>
+              <a:rPr lang="en-US" altLang="ko-KR" dirty="0"/>
+              <a:t> </a:t>
+            </a:r>
+            <a:r>
+              <a:rPr lang="en-US" altLang="ko-KR" dirty="0" err="1"/>
+              <a:t>삭제</a:t>
+            </a:r>
+            <a:r>
+              <a:rPr lang="en-US" altLang="ko-KR" dirty="0"/>
+              <a:t> (</a:t>
+            </a:r>
+            <a:r>
+              <a:rPr lang="en-US" altLang="ko-KR" dirty="0" err="1"/>
+              <a:t>없을</a:t>
+            </a:r>
+            <a:r>
+              <a:rPr lang="en-US" altLang="ko-KR" dirty="0"/>
+              <a:t> 때 </a:t>
+            </a:r>
+            <a:r>
+              <a:rPr lang="en-US" altLang="ko-KR" dirty="0" err="1"/>
+              <a:t>그냥</a:t>
+            </a:r>
+            <a:r>
+              <a:rPr lang="en-US" altLang="ko-KR" dirty="0"/>
+              <a:t> </a:t>
+            </a:r>
+            <a:r>
+              <a:rPr lang="en-US" altLang="ko-KR" dirty="0" err="1"/>
+              <a:t>무시</a:t>
+            </a:r>
+            <a:r>
+              <a:rPr lang="en-US" altLang="ko-KR" dirty="0"/>
+              <a:t>)</a:t>
+            </a:r>
+          </a:p>
+          <a:p>
+            <a:pPr lvl="0">
+              <a:defRPr/>
+            </a:pPr>
+            <a:r>
+              <a:rPr lang="en-US" altLang="ko-KR" dirty="0"/>
+              <a:t>pop() - </a:t>
+            </a:r>
+            <a:r>
+              <a:rPr lang="en-US" altLang="ko-KR" dirty="0" err="1"/>
+              <a:t>임의의</a:t>
+            </a:r>
+            <a:r>
+              <a:rPr lang="en-US" altLang="ko-KR" dirty="0"/>
+              <a:t> </a:t>
+            </a:r>
+            <a:r>
+              <a:rPr lang="en-US" altLang="ko-KR" dirty="0" err="1"/>
+              <a:t>값을</a:t>
+            </a:r>
+            <a:r>
+              <a:rPr lang="en-US" altLang="ko-KR" dirty="0"/>
+              <a:t> </a:t>
+            </a:r>
+            <a:r>
+              <a:rPr lang="en-US" altLang="ko-KR" dirty="0" err="1"/>
+              <a:t>리턴하고</a:t>
+            </a:r>
+            <a:r>
+              <a:rPr lang="en-US" altLang="ko-KR" dirty="0"/>
+              <a:t> </a:t>
+            </a:r>
+            <a:r>
+              <a:rPr lang="en-US" altLang="ko-KR" dirty="0" err="1"/>
+              <a:t>삭제</a:t>
+            </a:r>
+            <a:endParaRPr lang="en-US" altLang="ko-KR" dirty="0"/>
+          </a:p>
+          <a:p>
+            <a:pPr lvl="0">
+              <a:defRPr/>
+            </a:pPr>
+            <a:r>
+              <a:rPr lang="en-US" altLang="ko-KR" dirty="0"/>
+              <a:t>clear() - </a:t>
+            </a:r>
+            <a:r>
+              <a:rPr lang="en-US" altLang="ko-KR" dirty="0" err="1"/>
+              <a:t>집한에</a:t>
+            </a:r>
+            <a:r>
+              <a:rPr lang="en-US" altLang="ko-KR" dirty="0"/>
+              <a:t> </a:t>
+            </a:r>
+            <a:r>
+              <a:rPr lang="en-US" altLang="ko-KR" dirty="0" err="1"/>
+              <a:t>있는</a:t>
+            </a:r>
+            <a:r>
+              <a:rPr lang="en-US" altLang="ko-KR" dirty="0"/>
+              <a:t> </a:t>
+            </a:r>
+            <a:r>
+              <a:rPr lang="en-US" altLang="ko-KR" dirty="0" err="1"/>
+              <a:t>모든</a:t>
+            </a:r>
+            <a:r>
+              <a:rPr lang="en-US" altLang="ko-KR" dirty="0"/>
+              <a:t> </a:t>
+            </a:r>
+            <a:r>
+              <a:rPr lang="en-US" altLang="ko-KR" dirty="0" err="1"/>
+              <a:t>값을</a:t>
+            </a:r>
+            <a:r>
+              <a:rPr lang="en-US" altLang="ko-KR" dirty="0"/>
+              <a:t> </a:t>
+            </a:r>
+            <a:r>
+              <a:rPr lang="en-US" altLang="ko-KR" dirty="0" err="1"/>
+              <a:t>삭제</a:t>
+            </a:r>
+            <a:endParaRPr lang="en-US" altLang="ko-KR" dirty="0"/>
+          </a:p>
+          <a:p>
+            <a:pPr lvl="0">
+              <a:defRPr/>
+            </a:pPr>
+            <a:r>
+              <a:rPr lang="en-US" altLang="ko-KR" dirty="0"/>
+              <a:t>copy() - </a:t>
+            </a:r>
+            <a:r>
+              <a:rPr lang="en-US" altLang="ko-KR" dirty="0" err="1"/>
+              <a:t>집합을</a:t>
+            </a:r>
+            <a:r>
+              <a:rPr lang="en-US" altLang="ko-KR" dirty="0"/>
+              <a:t> </a:t>
+            </a:r>
+            <a:r>
+              <a:rPr lang="en-US" altLang="ko-KR" dirty="0" err="1"/>
+              <a:t>복제하여</a:t>
+            </a:r>
+            <a:r>
+              <a:rPr lang="en-US" altLang="ko-KR" dirty="0"/>
+              <a:t> </a:t>
+            </a:r>
+            <a:r>
+              <a:rPr lang="en-US" altLang="ko-KR" dirty="0" err="1"/>
+              <a:t>리턴</a:t>
+            </a:r>
+            <a:endParaRPr lang="en-US" altLang="ko-KR" dirty="0"/>
+          </a:p>
+          <a:p>
+            <a:pPr lvl="0">
+              <a:defRPr/>
+            </a:pPr>
+            <a:endParaRPr lang="en-US" altLang="ko-KR" dirty="0"/>
+          </a:p>
+          <a:p>
+            <a:pPr marL="0" indent="0">
+              <a:buNone/>
+              <a:defRPr/>
+            </a:pPr>
+            <a:endParaRPr lang="en-US" altLang="ko-KR" dirty="0"/>
+          </a:p>
+          <a:p>
+            <a:pPr lvl="0">
+              <a:defRPr/>
+            </a:pPr>
+            <a:endParaRPr lang="ko-KR" altLang="en-US" dirty="0"/>
+          </a:p>
+        </p:txBody>
+      </p:sp>
+      <p:sp>
+        <p:nvSpPr>
+          <p:cNvPr id="3078" name="내용 개체 틀 2"/>
+          <p:cNvSpPr>
+            <a:spLocks noGrp="1"/>
+          </p:cNvSpPr>
+          <p:nvPr/>
+        </p:nvSpPr>
+        <p:spPr>
+          <a:xfrm>
+            <a:off x="4658815" y="2060848"/>
+            <a:ext cx="3657600" cy="1621159"/>
+          </a:xfrm>
+          <a:prstGeom prst="rect">
+            <a:avLst/>
+          </a:prstGeom>
+        </p:spPr>
+        <p:txBody>
+          <a:bodyPr vert="horz">
+            <a:normAutofit fontScale="55000" lnSpcReduction="20000"/>
+          </a:bodyPr>
+          <a:lstStyle/>
+          <a:p>
+            <a:pPr marL="274320" lvl="0" indent="-274320" algn="l" rtl="0" eaLnBrk="1" latinLnBrk="1" hangingPunct="1">
+              <a:lnSpc>
+                <a:spcPct val="100000"/>
+              </a:lnSpc>
+              <a:spcBef>
+                <a:spcPts val="580"/>
+              </a:spcBef>
+              <a:spcAft>
+                <a:spcPts val="0"/>
+              </a:spcAft>
+              <a:buClr>
+                <a:schemeClr val="accent1"/>
+              </a:buClr>
+              <a:buSzPct val="85000"/>
+              <a:buFont typeface="Wingdings 2"/>
+              <a:buChar char=""/>
+              <a:defRPr/>
+            </a:pPr>
+            <a:r>
+              <a:rPr kumimoji="0" lang="ko-KR" altLang="en-US" sz="2600" b="0" i="0" u="none" strike="noStrike" kern="1200" cap="none" spc="0" normalizeH="0" baseline="0" dirty="0" err="1">
+                <a:solidFill>
+                  <a:schemeClr val="tx1"/>
+                </a:solidFill>
+                <a:latin typeface="+mn-lt"/>
+                <a:ea typeface="+mn-ea"/>
+                <a:cs typeface="+mn-cs"/>
+              </a:rPr>
+              <a:t>isdisjoint</a:t>
+            </a:r>
+            <a:r>
+              <a:rPr kumimoji="0" lang="ko-KR" altLang="en-US" sz="2600" b="0" i="0" u="none" strike="noStrike" kern="1200" cap="none" spc="0" normalizeH="0" baseline="0" dirty="0">
+                <a:solidFill>
+                  <a:schemeClr val="tx1"/>
+                </a:solidFill>
+                <a:latin typeface="+mn-lt"/>
+                <a:ea typeface="+mn-ea"/>
+                <a:cs typeface="+mn-cs"/>
+              </a:rPr>
+              <a:t>() - 두 집합이 공통 원소를 갖지 않는가?</a:t>
+            </a:r>
+          </a:p>
+          <a:p>
+            <a:pPr marL="274320" lvl="0" indent="-274320" algn="l" rtl="0" eaLnBrk="1" latinLnBrk="1" hangingPunct="1">
+              <a:lnSpc>
+                <a:spcPct val="100000"/>
+              </a:lnSpc>
+              <a:spcBef>
+                <a:spcPts val="580"/>
+              </a:spcBef>
+              <a:spcAft>
+                <a:spcPts val="0"/>
+              </a:spcAft>
+              <a:buClr>
+                <a:schemeClr val="accent1"/>
+              </a:buClr>
+              <a:buSzPct val="85000"/>
+              <a:buFont typeface="Wingdings 2"/>
+              <a:buChar char=""/>
+              <a:defRPr/>
+            </a:pPr>
+            <a:endParaRPr kumimoji="0" lang="ko-KR" altLang="en-US" sz="2600" b="0" i="0" u="none" strike="noStrike" kern="1200" cap="none" spc="0" normalizeH="0" baseline="0" dirty="0">
+              <a:solidFill>
+                <a:schemeClr val="tx1"/>
+              </a:solidFill>
+              <a:latin typeface="+mn-lt"/>
+              <a:ea typeface="+mn-ea"/>
+              <a:cs typeface="+mn-cs"/>
+            </a:endParaRPr>
+          </a:p>
+          <a:p>
+            <a:pPr marL="274320" lvl="0" indent="-274320" algn="l" rtl="0" eaLnBrk="1" latinLnBrk="1" hangingPunct="1">
+              <a:lnSpc>
+                <a:spcPct val="100000"/>
+              </a:lnSpc>
+              <a:spcBef>
+                <a:spcPts val="580"/>
+              </a:spcBef>
+              <a:spcAft>
+                <a:spcPts val="0"/>
+              </a:spcAft>
+              <a:buClr>
+                <a:schemeClr val="accent1"/>
+              </a:buClr>
+              <a:buSzPct val="85000"/>
+              <a:buFont typeface="Wingdings 2"/>
+              <a:buChar char=""/>
+              <a:defRPr/>
+            </a:pPr>
+            <a:r>
+              <a:rPr kumimoji="0" lang="ko-KR" altLang="en-US" sz="2600" b="0" i="0" u="none" strike="noStrike" kern="1200" cap="none" spc="0" normalizeH="0" baseline="0" dirty="0" err="1">
+                <a:solidFill>
+                  <a:schemeClr val="tx1"/>
+                </a:solidFill>
+                <a:latin typeface="+mn-lt"/>
+                <a:ea typeface="+mn-ea"/>
+                <a:cs typeface="+mn-cs"/>
+              </a:rPr>
+              <a:t>issubset</a:t>
+            </a:r>
+            <a:r>
+              <a:rPr kumimoji="0" lang="ko-KR" altLang="en-US" sz="2600" b="0" i="0" u="none" strike="noStrike" kern="1200" cap="none" spc="0" normalizeH="0" baseline="0" dirty="0">
+                <a:solidFill>
+                  <a:schemeClr val="tx1"/>
+                </a:solidFill>
+                <a:latin typeface="+mn-lt"/>
+                <a:ea typeface="+mn-ea"/>
+                <a:cs typeface="+mn-cs"/>
+              </a:rPr>
+              <a:t>() - 부분집합(</a:t>
+            </a:r>
+            <a:r>
+              <a:rPr kumimoji="0" lang="ko-KR" altLang="en-US" sz="2600" b="0" i="0" u="none" strike="noStrike" kern="1200" cap="none" spc="0" normalizeH="0" baseline="0" dirty="0" err="1">
+                <a:solidFill>
+                  <a:schemeClr val="tx1"/>
+                </a:solidFill>
+                <a:latin typeface="+mn-lt"/>
+                <a:ea typeface="+mn-ea"/>
+                <a:cs typeface="+mn-cs"/>
+              </a:rPr>
+              <a:t>subset</a:t>
+            </a:r>
+            <a:r>
+              <a:rPr kumimoji="0" lang="ko-KR" altLang="en-US" sz="2600" b="0" i="0" u="none" strike="noStrike" kern="1200" cap="none" spc="0" normalizeH="0" baseline="0" dirty="0">
+                <a:solidFill>
+                  <a:schemeClr val="tx1"/>
+                </a:solidFill>
+                <a:latin typeface="+mn-lt"/>
+                <a:ea typeface="+mn-ea"/>
+                <a:cs typeface="+mn-cs"/>
+              </a:rPr>
+              <a:t>)인가?</a:t>
+            </a:r>
+          </a:p>
+          <a:p>
+            <a:pPr marL="274320" lvl="0" indent="-274320" algn="l" rtl="0" eaLnBrk="1" latinLnBrk="1" hangingPunct="1">
+              <a:lnSpc>
+                <a:spcPct val="100000"/>
+              </a:lnSpc>
+              <a:spcBef>
+                <a:spcPts val="580"/>
+              </a:spcBef>
+              <a:spcAft>
+                <a:spcPts val="0"/>
+              </a:spcAft>
+              <a:buClr>
+                <a:schemeClr val="accent1"/>
+              </a:buClr>
+              <a:buSzPct val="85000"/>
+              <a:buFont typeface="Wingdings 2"/>
+              <a:buChar char=""/>
+              <a:defRPr/>
+            </a:pPr>
+            <a:endParaRPr kumimoji="0" lang="ko-KR" altLang="en-US" sz="2600" b="0" i="0" u="none" strike="noStrike" kern="1200" cap="none" spc="0" normalizeH="0" baseline="0" dirty="0">
+              <a:solidFill>
+                <a:schemeClr val="tx1"/>
+              </a:solidFill>
+              <a:latin typeface="+mn-lt"/>
+              <a:ea typeface="+mn-ea"/>
+              <a:cs typeface="+mn-cs"/>
+            </a:endParaRPr>
+          </a:p>
+          <a:p>
+            <a:pPr marL="274320" lvl="0" indent="-274320" algn="l" rtl="0" eaLnBrk="1" latinLnBrk="1" hangingPunct="1">
+              <a:lnSpc>
+                <a:spcPct val="100000"/>
+              </a:lnSpc>
+              <a:spcBef>
+                <a:spcPts val="580"/>
+              </a:spcBef>
+              <a:spcAft>
+                <a:spcPts val="0"/>
+              </a:spcAft>
+              <a:buClr>
+                <a:schemeClr val="accent1"/>
+              </a:buClr>
+              <a:buSzPct val="85000"/>
+              <a:buFont typeface="Wingdings 2"/>
+              <a:buChar char=""/>
+              <a:defRPr/>
+            </a:pPr>
+            <a:r>
+              <a:rPr kumimoji="0" lang="ko-KR" altLang="en-US" sz="2600" b="0" i="0" u="none" strike="noStrike" kern="1200" cap="none" spc="0" normalizeH="0" baseline="0" dirty="0" err="1">
+                <a:solidFill>
+                  <a:schemeClr val="tx1"/>
+                </a:solidFill>
+                <a:latin typeface="+mn-lt"/>
+                <a:ea typeface="+mn-ea"/>
+                <a:cs typeface="+mn-cs"/>
+              </a:rPr>
+              <a:t>issuperset</a:t>
+            </a:r>
+            <a:r>
+              <a:rPr kumimoji="0" lang="ko-KR" altLang="en-US" sz="2600" b="0" i="0" u="none" strike="noStrike" kern="1200" cap="none" spc="0" normalizeH="0" baseline="0" dirty="0">
+                <a:solidFill>
+                  <a:schemeClr val="tx1"/>
+                </a:solidFill>
+                <a:latin typeface="+mn-lt"/>
+                <a:ea typeface="+mn-ea"/>
+                <a:cs typeface="+mn-cs"/>
+              </a:rPr>
+              <a:t>() - 확대집합(</a:t>
+            </a:r>
+            <a:r>
+              <a:rPr kumimoji="0" lang="ko-KR" altLang="en-US" sz="2600" b="0" i="0" u="none" strike="noStrike" kern="1200" cap="none" spc="0" normalizeH="0" baseline="0" dirty="0" err="1">
+                <a:solidFill>
+                  <a:schemeClr val="tx1"/>
+                </a:solidFill>
+                <a:latin typeface="+mn-lt"/>
+                <a:ea typeface="+mn-ea"/>
+                <a:cs typeface="+mn-cs"/>
+              </a:rPr>
+              <a:t>superset</a:t>
+            </a:r>
+            <a:r>
+              <a:rPr kumimoji="0" lang="ko-KR" altLang="en-US" sz="2600" b="0" i="0" u="none" strike="noStrike" kern="1200" cap="none" spc="0" normalizeH="0" baseline="0" dirty="0">
+                <a:solidFill>
+                  <a:schemeClr val="tx1"/>
+                </a:solidFill>
+                <a:latin typeface="+mn-lt"/>
+                <a:ea typeface="+mn-ea"/>
+                <a:cs typeface="+mn-cs"/>
+              </a:rPr>
+              <a:t>)인가?</a:t>
+            </a:r>
+          </a:p>
+        </p:txBody>
+      </p:sp>
+      <p:sp>
+        <p:nvSpPr>
+          <p:cNvPr id="3079" name="내용 개체 틀 2"/>
+          <p:cNvSpPr>
+            <a:spLocks noGrp="1"/>
+          </p:cNvSpPr>
+          <p:nvPr/>
+        </p:nvSpPr>
+        <p:spPr>
+          <a:xfrm>
+            <a:off x="251520" y="4184104"/>
+            <a:ext cx="4449688" cy="2485256"/>
+          </a:xfrm>
+          <a:prstGeom prst="rect">
+            <a:avLst/>
+          </a:prstGeom>
+        </p:spPr>
+        <p:txBody>
+          <a:bodyPr vert="horz">
+            <a:normAutofit/>
+          </a:bodyPr>
+          <a:lstStyle/>
+          <a:p>
+            <a:pPr marL="274320" lvl="0" indent="-274320" algn="l" rtl="0" eaLnBrk="1" latinLnBrk="1" hangingPunct="1">
+              <a:lnSpc>
+                <a:spcPct val="100000"/>
+              </a:lnSpc>
+              <a:spcBef>
+                <a:spcPts val="580"/>
+              </a:spcBef>
+              <a:spcAft>
+                <a:spcPts val="0"/>
+              </a:spcAft>
+              <a:buClr>
+                <a:schemeClr val="accent1"/>
+              </a:buClr>
+              <a:buSzPct val="85000"/>
+              <a:buFont typeface="Wingdings 2"/>
+              <a:buChar char=""/>
+              <a:defRPr/>
+            </a:pPr>
+            <a:r>
+              <a:rPr kumimoji="0" lang="ko-KR" altLang="en-US" sz="1200" b="0" i="0" u="none" strike="noStrike" kern="1200" cap="none" spc="0" normalizeH="0" baseline="0" dirty="0" err="1">
+                <a:solidFill>
+                  <a:schemeClr val="tx1"/>
+                </a:solidFill>
+                <a:latin typeface="+mn-lt"/>
+                <a:ea typeface="+mn-ea"/>
+                <a:cs typeface="+mn-cs"/>
+              </a:rPr>
+              <a:t>union</a:t>
+            </a:r>
+            <a:r>
+              <a:rPr kumimoji="0" lang="ko-KR" altLang="en-US" sz="1200" b="0" i="0" u="none" strike="noStrike" kern="1200" cap="none" spc="0" normalizeH="0" baseline="0" dirty="0">
+                <a:solidFill>
+                  <a:schemeClr val="tx1"/>
+                </a:solidFill>
+                <a:latin typeface="+mn-lt"/>
+                <a:ea typeface="+mn-ea"/>
+                <a:cs typeface="+mn-cs"/>
+              </a:rPr>
+              <a:t>() - 합집합을 만들어 리턴</a:t>
+            </a:r>
+          </a:p>
+          <a:p>
+            <a:pPr marL="274320" lvl="0" indent="-274320" algn="l" rtl="0" eaLnBrk="1" latinLnBrk="1" hangingPunct="1">
+              <a:lnSpc>
+                <a:spcPct val="100000"/>
+              </a:lnSpc>
+              <a:spcBef>
+                <a:spcPts val="580"/>
+              </a:spcBef>
+              <a:spcAft>
+                <a:spcPts val="0"/>
+              </a:spcAft>
+              <a:buClr>
+                <a:schemeClr val="accent1"/>
+              </a:buClr>
+              <a:buSzPct val="85000"/>
+              <a:buFont typeface="Wingdings 2"/>
+              <a:buChar char=""/>
+              <a:defRPr/>
+            </a:pPr>
+            <a:r>
+              <a:rPr kumimoji="0" lang="ko-KR" altLang="en-US" sz="1200" b="0" i="0" u="none" strike="noStrike" kern="1200" cap="none" spc="0" normalizeH="0" baseline="0" dirty="0" err="1">
+                <a:solidFill>
+                  <a:schemeClr val="tx1"/>
+                </a:solidFill>
+                <a:latin typeface="+mn-lt"/>
+                <a:ea typeface="+mn-ea"/>
+                <a:cs typeface="+mn-cs"/>
+              </a:rPr>
+              <a:t>update</a:t>
+            </a:r>
+            <a:r>
+              <a:rPr kumimoji="0" lang="ko-KR" altLang="en-US" sz="1200" b="0" i="0" u="none" strike="noStrike" kern="1200" cap="none" spc="0" normalizeH="0" baseline="0" dirty="0">
+                <a:solidFill>
+                  <a:schemeClr val="tx1"/>
+                </a:solidFill>
+                <a:latin typeface="+mn-lt"/>
+                <a:ea typeface="+mn-ea"/>
+                <a:cs typeface="+mn-cs"/>
+              </a:rPr>
+              <a:t>() - 합집합을 만들어 원본 데이터를 갱신(수정)</a:t>
+            </a:r>
+          </a:p>
+          <a:p>
+            <a:pPr marL="274320" lvl="0" indent="-274320" algn="l" rtl="0" eaLnBrk="1" latinLnBrk="1" hangingPunct="1">
+              <a:lnSpc>
+                <a:spcPct val="100000"/>
+              </a:lnSpc>
+              <a:spcBef>
+                <a:spcPts val="580"/>
+              </a:spcBef>
+              <a:spcAft>
+                <a:spcPts val="0"/>
+              </a:spcAft>
+              <a:buClr>
+                <a:schemeClr val="accent1"/>
+              </a:buClr>
+              <a:buSzPct val="85000"/>
+              <a:buFont typeface="Wingdings 2"/>
+              <a:buChar char=""/>
+              <a:defRPr/>
+            </a:pPr>
+            <a:r>
+              <a:rPr kumimoji="0" lang="ko-KR" altLang="en-US" sz="1200" b="0" i="0" u="none" strike="noStrike" kern="1200" cap="none" spc="0" normalizeH="0" baseline="0" dirty="0" err="1">
+                <a:solidFill>
+                  <a:schemeClr val="tx1"/>
+                </a:solidFill>
+                <a:latin typeface="+mn-lt"/>
+                <a:ea typeface="+mn-ea"/>
+                <a:cs typeface="+mn-cs"/>
+              </a:rPr>
+              <a:t>difference</a:t>
+            </a:r>
+            <a:r>
+              <a:rPr kumimoji="0" lang="ko-KR" altLang="en-US" sz="1200" b="0" i="0" u="none" strike="noStrike" kern="1200" cap="none" spc="0" normalizeH="0" baseline="0" dirty="0">
+                <a:solidFill>
+                  <a:schemeClr val="tx1"/>
+                </a:solidFill>
+                <a:latin typeface="+mn-lt"/>
+                <a:ea typeface="+mn-ea"/>
+                <a:cs typeface="+mn-cs"/>
+              </a:rPr>
+              <a:t>() - 차집합을 만들어 리턴</a:t>
+            </a:r>
+          </a:p>
+          <a:p>
+            <a:pPr marL="274320" lvl="0" indent="-274320" algn="l" rtl="0" eaLnBrk="1" latinLnBrk="1" hangingPunct="1">
+              <a:lnSpc>
+                <a:spcPct val="100000"/>
+              </a:lnSpc>
+              <a:spcBef>
+                <a:spcPts val="580"/>
+              </a:spcBef>
+              <a:spcAft>
+                <a:spcPts val="0"/>
+              </a:spcAft>
+              <a:buClr>
+                <a:schemeClr val="accent1"/>
+              </a:buClr>
+              <a:buSzPct val="85000"/>
+              <a:buFont typeface="Wingdings 2"/>
+              <a:buChar char=""/>
+              <a:defRPr/>
+            </a:pPr>
+            <a:r>
+              <a:rPr kumimoji="0" lang="ko-KR" altLang="en-US" sz="1200" b="0" i="0" u="none" strike="noStrike" kern="1200" cap="none" spc="0" normalizeH="0" baseline="0" dirty="0" err="1">
+                <a:solidFill>
+                  <a:schemeClr val="tx1"/>
+                </a:solidFill>
+                <a:latin typeface="+mn-lt"/>
+                <a:ea typeface="+mn-ea"/>
+                <a:cs typeface="+mn-cs"/>
+              </a:rPr>
+              <a:t>difference_update</a:t>
+            </a:r>
+            <a:r>
+              <a:rPr kumimoji="0" lang="ko-KR" altLang="en-US" sz="1200" b="0" i="0" u="none" strike="noStrike" kern="1200" cap="none" spc="0" normalizeH="0" baseline="0" dirty="0">
+                <a:solidFill>
+                  <a:schemeClr val="tx1"/>
+                </a:solidFill>
+                <a:latin typeface="+mn-lt"/>
+                <a:ea typeface="+mn-ea"/>
+                <a:cs typeface="+mn-cs"/>
+              </a:rPr>
+              <a:t>() - 차집합을 만들어 원본 데이터를 갱신</a:t>
+            </a:r>
+          </a:p>
+          <a:p>
+            <a:pPr marL="0" lvl="0" indent="0" algn="l" rtl="0" eaLnBrk="1" latinLnBrk="1" hangingPunct="1">
+              <a:lnSpc>
+                <a:spcPct val="100000"/>
+              </a:lnSpc>
+              <a:spcBef>
+                <a:spcPts val="580"/>
+              </a:spcBef>
+              <a:spcAft>
+                <a:spcPts val="0"/>
+              </a:spcAft>
+              <a:buClr>
+                <a:schemeClr val="accent1"/>
+              </a:buClr>
+              <a:buSzPct val="85000"/>
+              <a:buFont typeface="Wingdings 2"/>
+              <a:buNone/>
+              <a:defRPr/>
+            </a:pPr>
+            <a:r>
+              <a:rPr kumimoji="0" lang="ko-KR" altLang="en-US" sz="1200" b="0" i="0" u="none" strike="noStrike" kern="1200" cap="none" spc="0" normalizeH="0" baseline="0" dirty="0">
+                <a:solidFill>
+                  <a:schemeClr val="tx1"/>
+                </a:solidFill>
+                <a:latin typeface="+mn-lt"/>
+                <a:ea typeface="+mn-ea"/>
+                <a:cs typeface="+mn-cs"/>
+              </a:rPr>
+              <a:t>(그냥 함수는 값을 </a:t>
+            </a:r>
+            <a:r>
+              <a:rPr kumimoji="0" lang="ko-KR" altLang="en-US" sz="1200" b="0" i="0" u="none" strike="noStrike" kern="1200" cap="none" spc="0" normalizeH="0" baseline="0" dirty="0" err="1">
+                <a:solidFill>
+                  <a:schemeClr val="tx1"/>
+                </a:solidFill>
+                <a:latin typeface="+mn-lt"/>
+                <a:ea typeface="+mn-ea"/>
+                <a:cs typeface="+mn-cs"/>
+              </a:rPr>
+              <a:t>리턴하는</a:t>
+            </a:r>
+            <a:r>
+              <a:rPr kumimoji="0" lang="ko-KR" altLang="en-US" sz="1200" b="0" i="0" u="none" strike="noStrike" kern="1200" cap="none" spc="0" normalizeH="0" baseline="0" dirty="0">
+                <a:solidFill>
+                  <a:schemeClr val="tx1"/>
+                </a:solidFill>
+                <a:latin typeface="+mn-lt"/>
+                <a:ea typeface="+mn-ea"/>
+                <a:cs typeface="+mn-cs"/>
+              </a:rPr>
+              <a:t> 반면 뒤에 </a:t>
+            </a:r>
+            <a:r>
+              <a:rPr kumimoji="0" lang="ko-KR" altLang="en-US" sz="1200" b="0" i="0" u="none" strike="noStrike" kern="1200" cap="none" spc="0" normalizeH="0" baseline="0" dirty="0" err="1">
+                <a:solidFill>
+                  <a:schemeClr val="tx1"/>
+                </a:solidFill>
+                <a:latin typeface="+mn-lt"/>
+                <a:ea typeface="+mn-ea"/>
+                <a:cs typeface="+mn-cs"/>
+              </a:rPr>
+              <a:t>update가</a:t>
+            </a:r>
+            <a:r>
+              <a:rPr kumimoji="0" lang="ko-KR" altLang="en-US" sz="1200" b="0" i="0" u="none" strike="noStrike" kern="1200" cap="none" spc="0" normalizeH="0" baseline="0" dirty="0">
+                <a:solidFill>
+                  <a:schemeClr val="tx1"/>
+                </a:solidFill>
+                <a:latin typeface="+mn-lt"/>
+                <a:ea typeface="+mn-ea"/>
+                <a:cs typeface="+mn-cs"/>
+              </a:rPr>
+              <a:t> 붙은 함수는 원본 데이터를 변경함)</a:t>
+            </a:r>
+          </a:p>
+          <a:p>
+            <a:pPr marL="274320" lvl="0" indent="-274320" algn="l" rtl="0" eaLnBrk="1" latinLnBrk="1" hangingPunct="1">
+              <a:lnSpc>
+                <a:spcPct val="100000"/>
+              </a:lnSpc>
+              <a:spcBef>
+                <a:spcPts val="580"/>
+              </a:spcBef>
+              <a:spcAft>
+                <a:spcPts val="0"/>
+              </a:spcAft>
+              <a:buClr>
+                <a:schemeClr val="accent1"/>
+              </a:buClr>
+              <a:buSzPct val="85000"/>
+              <a:buFont typeface="Wingdings 2"/>
+              <a:buChar char=""/>
+              <a:defRPr/>
+            </a:pPr>
+            <a:endParaRPr kumimoji="0" lang="ko-KR" altLang="en-US" sz="1200" b="0" i="0" u="none" strike="noStrike" kern="1200" cap="none" spc="0" normalizeH="0" baseline="0" dirty="0">
+              <a:solidFill>
+                <a:schemeClr val="tx1"/>
+              </a:solidFill>
+              <a:latin typeface="+mn-lt"/>
+              <a:ea typeface="+mn-ea"/>
+              <a:cs typeface="+mn-cs"/>
+            </a:endParaRPr>
+          </a:p>
+        </p:txBody>
+      </p:sp>
+      <p:pic>
+        <p:nvPicPr>
+          <p:cNvPr id="3080" name="그림 3079"/>
+          <p:cNvPicPr>
+            <a:picLocks noChangeAspect="1"/>
+          </p:cNvPicPr>
+          <p:nvPr/>
+        </p:nvPicPr>
+        <p:blipFill rotWithShape="1">
+          <a:blip r:embed="rId2"/>
+          <a:stretch>
+            <a:fillRect/>
+          </a:stretch>
+        </p:blipFill>
+        <p:spPr>
+          <a:xfrm>
+            <a:off x="307942" y="231793"/>
+            <a:ext cx="1815786" cy="1595564"/>
+          </a:xfrm>
+          <a:prstGeom prst="rect">
+            <a:avLst/>
+          </a:prstGeom>
+        </p:spPr>
+      </p:pic>
+      <p:sp>
+        <p:nvSpPr>
+          <p:cNvPr id="3081" name="내용 개체 틀 2"/>
+          <p:cNvSpPr>
+            <a:spLocks noGrp="1"/>
+          </p:cNvSpPr>
+          <p:nvPr/>
+        </p:nvSpPr>
+        <p:spPr>
+          <a:xfrm>
+            <a:off x="4572000" y="4184104"/>
+            <a:ext cx="4449688" cy="2485256"/>
+          </a:xfrm>
+          <a:prstGeom prst="rect">
+            <a:avLst/>
+          </a:prstGeom>
+        </p:spPr>
+        <p:txBody>
+          <a:bodyPr vert="horz">
+            <a:normAutofit/>
+          </a:bodyPr>
+          <a:lstStyle/>
+          <a:p>
+            <a:pPr marL="274320" lvl="0" indent="-274320" algn="l" rtl="0" eaLnBrk="1" latinLnBrk="1" hangingPunct="1">
+              <a:lnSpc>
+                <a:spcPct val="100000"/>
+              </a:lnSpc>
+              <a:spcBef>
+                <a:spcPts val="580"/>
+              </a:spcBef>
+              <a:spcAft>
+                <a:spcPts val="0"/>
+              </a:spcAft>
+              <a:buClr>
+                <a:schemeClr val="accent1"/>
+              </a:buClr>
+              <a:buSzPct val="85000"/>
+              <a:buFont typeface="Wingdings 2"/>
+              <a:buChar char=""/>
+              <a:defRPr/>
+            </a:pPr>
+            <a:endParaRPr kumimoji="0" lang="ko-KR" altLang="en-US" sz="1200" b="0" i="0" u="none" strike="noStrike" kern="1200" cap="none" spc="0" normalizeH="0" baseline="0" dirty="0">
+              <a:solidFill>
+                <a:schemeClr val="tx1"/>
+              </a:solidFill>
+              <a:latin typeface="+mn-lt"/>
+              <a:ea typeface="+mn-ea"/>
+              <a:cs typeface="+mn-cs"/>
+            </a:endParaRPr>
+          </a:p>
+          <a:p>
+            <a:pPr marL="274320" lvl="0" indent="-274320" algn="l" rtl="0" eaLnBrk="1" latinLnBrk="1" hangingPunct="1">
+              <a:lnSpc>
+                <a:spcPct val="100000"/>
+              </a:lnSpc>
+              <a:spcBef>
+                <a:spcPts val="580"/>
+              </a:spcBef>
+              <a:spcAft>
+                <a:spcPts val="0"/>
+              </a:spcAft>
+              <a:buClr>
+                <a:schemeClr val="accent1"/>
+              </a:buClr>
+              <a:buSzPct val="85000"/>
+              <a:buFont typeface="Wingdings 2"/>
+              <a:buChar char=""/>
+              <a:defRPr/>
+            </a:pPr>
+            <a:r>
+              <a:rPr kumimoji="0" lang="ko-KR" altLang="en-US" sz="1200" b="0" i="0" u="none" strike="noStrike" kern="1200" cap="none" spc="0" normalizeH="0" baseline="0" dirty="0" err="1">
+                <a:solidFill>
+                  <a:schemeClr val="tx1"/>
+                </a:solidFill>
+                <a:latin typeface="+mn-lt"/>
+                <a:ea typeface="+mn-ea"/>
+                <a:cs typeface="+mn-cs"/>
+              </a:rPr>
+              <a:t>intersection</a:t>
+            </a:r>
+            <a:r>
+              <a:rPr kumimoji="0" lang="ko-KR" altLang="en-US" sz="1200" b="0" i="0" u="none" strike="noStrike" kern="1200" cap="none" spc="0" normalizeH="0" baseline="0" dirty="0">
+                <a:solidFill>
+                  <a:schemeClr val="tx1"/>
+                </a:solidFill>
+                <a:latin typeface="+mn-lt"/>
+                <a:ea typeface="+mn-ea"/>
+                <a:cs typeface="+mn-cs"/>
+              </a:rPr>
+              <a:t>() - 교집합을 만들어 리턴 </a:t>
+            </a:r>
+          </a:p>
+          <a:p>
+            <a:pPr marL="274320" lvl="0" indent="-274320" algn="l" rtl="0" eaLnBrk="1" latinLnBrk="1" hangingPunct="1">
+              <a:lnSpc>
+                <a:spcPct val="100000"/>
+              </a:lnSpc>
+              <a:spcBef>
+                <a:spcPts val="580"/>
+              </a:spcBef>
+              <a:spcAft>
+                <a:spcPts val="0"/>
+              </a:spcAft>
+              <a:buClr>
+                <a:schemeClr val="accent1"/>
+              </a:buClr>
+              <a:buSzPct val="85000"/>
+              <a:buFont typeface="Wingdings 2"/>
+              <a:buChar char=""/>
+              <a:defRPr/>
+            </a:pPr>
+            <a:r>
+              <a:rPr kumimoji="0" lang="ko-KR" altLang="en-US" sz="1200" b="0" i="0" u="none" strike="noStrike" kern="1200" cap="none" spc="0" normalizeH="0" baseline="0" dirty="0" err="1">
+                <a:solidFill>
+                  <a:schemeClr val="tx1"/>
+                </a:solidFill>
+                <a:latin typeface="+mn-lt"/>
+                <a:ea typeface="+mn-ea"/>
+                <a:cs typeface="+mn-cs"/>
+              </a:rPr>
+              <a:t>intersection_update</a:t>
+            </a:r>
+            <a:r>
+              <a:rPr kumimoji="0" lang="ko-KR" altLang="en-US" sz="1200" b="0" i="0" u="none" strike="noStrike" kern="1200" cap="none" spc="0" normalizeH="0" baseline="0" dirty="0">
+                <a:solidFill>
+                  <a:schemeClr val="tx1"/>
+                </a:solidFill>
+                <a:latin typeface="+mn-lt"/>
+                <a:ea typeface="+mn-ea"/>
+                <a:cs typeface="+mn-cs"/>
+              </a:rPr>
+              <a:t>() - 교집합을 만들어 원본 데이터를 갱신</a:t>
+            </a:r>
+          </a:p>
+          <a:p>
+            <a:pPr marL="274320" lvl="0" indent="-274320" algn="l" rtl="0" eaLnBrk="1" latinLnBrk="1" hangingPunct="1">
+              <a:lnSpc>
+                <a:spcPct val="100000"/>
+              </a:lnSpc>
+              <a:spcBef>
+                <a:spcPts val="580"/>
+              </a:spcBef>
+              <a:spcAft>
+                <a:spcPts val="0"/>
+              </a:spcAft>
+              <a:buClr>
+                <a:schemeClr val="accent1"/>
+              </a:buClr>
+              <a:buSzPct val="85000"/>
+              <a:buFont typeface="Wingdings 2"/>
+              <a:buChar char=""/>
+              <a:defRPr/>
+            </a:pPr>
+            <a:r>
+              <a:rPr kumimoji="0" lang="ko-KR" altLang="en-US" sz="1200" b="0" i="0" u="none" strike="noStrike" kern="1200" cap="none" spc="0" normalizeH="0" baseline="0" dirty="0" err="1">
+                <a:solidFill>
+                  <a:schemeClr val="tx1"/>
+                </a:solidFill>
+                <a:latin typeface="+mn-lt"/>
+                <a:ea typeface="+mn-ea"/>
+                <a:cs typeface="+mn-cs"/>
+              </a:rPr>
+              <a:t>symmetric_difference</a:t>
+            </a:r>
+            <a:r>
+              <a:rPr kumimoji="0" lang="ko-KR" altLang="en-US" sz="1200" b="0" i="0" u="none" strike="noStrike" kern="1200" cap="none" spc="0" normalizeH="0" baseline="0" dirty="0">
+                <a:solidFill>
+                  <a:schemeClr val="tx1"/>
+                </a:solidFill>
+                <a:latin typeface="+mn-lt"/>
+                <a:ea typeface="+mn-ea"/>
+                <a:cs typeface="+mn-cs"/>
+              </a:rPr>
+              <a:t>() - 대칭차를 만들어 리턴</a:t>
+            </a:r>
+          </a:p>
+          <a:p>
+            <a:pPr marL="274320" lvl="0" indent="-274320" algn="l" rtl="0" eaLnBrk="1" latinLnBrk="1" hangingPunct="1">
+              <a:lnSpc>
+                <a:spcPct val="100000"/>
+              </a:lnSpc>
+              <a:spcBef>
+                <a:spcPts val="580"/>
+              </a:spcBef>
+              <a:spcAft>
+                <a:spcPts val="0"/>
+              </a:spcAft>
+              <a:buClr>
+                <a:schemeClr val="accent1"/>
+              </a:buClr>
+              <a:buSzPct val="85000"/>
+              <a:buFont typeface="Wingdings 2"/>
+              <a:buChar char=""/>
+              <a:defRPr/>
+            </a:pPr>
+            <a:r>
+              <a:rPr kumimoji="0" lang="ko-KR" altLang="en-US" sz="1200" b="0" i="0" u="none" strike="noStrike" kern="1200" cap="none" spc="0" normalizeH="0" baseline="0" dirty="0" err="1">
+                <a:solidFill>
+                  <a:schemeClr val="tx1"/>
+                </a:solidFill>
+                <a:latin typeface="+mn-lt"/>
+                <a:ea typeface="+mn-ea"/>
+                <a:cs typeface="+mn-cs"/>
+              </a:rPr>
+              <a:t>symmetric_difference_update</a:t>
+            </a:r>
+            <a:r>
+              <a:rPr kumimoji="0" lang="ko-KR" altLang="en-US" sz="1200" b="0" i="0" u="none" strike="noStrike" kern="1200" cap="none" spc="0" normalizeH="0" baseline="0" dirty="0">
+                <a:solidFill>
+                  <a:schemeClr val="tx1"/>
+                </a:solidFill>
+                <a:latin typeface="+mn-lt"/>
+                <a:ea typeface="+mn-ea"/>
+                <a:cs typeface="+mn-cs"/>
+              </a:rPr>
+              <a:t>() - 대칭차를 만들어 원본 데이터를 갱신</a:t>
+            </a:r>
+          </a:p>
+        </p:txBody>
+      </p:sp>
+    </p:spTree>
+  </p:cSld>
+  <p:clrMapOvr>
+    <a:masterClrMapping/>
+  </p:clrMapOvr>
+  <mc:AlternateContent xmlns:mc="http://schemas.openxmlformats.org/markup-compatibility/2006" xmlns:p14="http://schemas.microsoft.com/office/powerpoint/2010/main">
+    <mc:Choice Requires="p14">
+      <p:transition/>
+    </mc:Choice>
+    <mc:Fallback xmlns:dsp="http://schemas.microsoft.com/office/drawing/2008/diagram" xmlns:dgm="http://schemas.openxmlformats.org/drawingml/2006/diagram" xmlns:c="http://schemas.openxmlformats.org/drawingml/2006/chart" xmlns="">
+      <p:transition/>
+    </mc:Fallback>
+  </mc:AlternateContent>
+</p:sld>
+</file>
+
+<file path=ppt/slides/slide9.xml><?xml version="1.0" encoding="utf-8"?>
+<p:sld xmlns:a="http://schemas.openxmlformats.org/drawingml/2006/main" xmlns:r="http://schemas.openxmlformats.org/officeDocument/2006/relationships" xmlns:p="http://schemas.openxmlformats.org/presentationml/2006/main">
+  <p:cSld>
+    <p:spTree>
+      <p:nvGrpSpPr>
+        <p:cNvPr id="1" name=""/>
+        <p:cNvGrpSpPr/>
+        <p:nvPr/>
+      </p:nvGrpSpPr>
+      <p:grpSpPr>
+        <a:xfrm>
+          <a:off x="0" y="0"/>
+          <a:ext cx="0" cy="0"/>
+          <a:chOff x="0" y="0"/>
+          <a:chExt cx="0" cy="0"/>
+        </a:xfrm>
+      </p:grpSpPr>
+      <p:sp>
+        <p:nvSpPr>
+          <p:cNvPr id="2" name="제목 1"/>
+          <p:cNvSpPr>
+            <a:spLocks noGrp="1"/>
+          </p:cNvSpPr>
+          <p:nvPr>
+            <p:ph type="title"/>
+          </p:nvPr>
+        </p:nvSpPr>
+        <p:spPr/>
+        <p:txBody>
+          <a:bodyPr/>
+          <a:lstStyle/>
+          <a:p>
+            <a:pPr lvl="0">
+              <a:defRPr/>
+            </a:pPr>
+            <a:r>
+              <a:rPr lang="ko-KR" altLang="en-US" dirty="0"/>
               <a:t>미션</a:t>
             </a:r>
             <a:r>
-              <a:rPr lang="en-US" altLang="ko-KR"/>
+              <a:rPr lang="en-US" altLang="ko-KR" dirty="0"/>
               <a:t>!</a:t>
             </a:r>
-            <a:endParaRPr lang="ko-KR" altLang="en-US"/>
+            <a:endParaRPr lang="ko-KR" altLang="en-US" dirty="0"/>
           </a:p>
         </p:txBody>
       </p:sp>
@@ -4748,7 +6182,7 @@
         </p:spPr>
         <p:txBody>
           <a:bodyPr>
-            <a:normAutofit lnSpcReduction="10000"/>
+            <a:normAutofit/>
           </a:bodyPr>
           <a:lstStyle/>
           <a:p>
@@ -4756,60 +6190,7 @@
               <a:buNone/>
               <a:defRPr/>
             </a:pPr>
-            <a:endParaRPr lang="ko-KR" altLang="en-US"/>
-          </a:p>
-          <a:p>
-            <a:pPr marL="0" indent="0">
-              <a:buNone/>
-              <a:defRPr/>
-            </a:pPr>
-            <a:endParaRPr lang="ko-KR" altLang="en-US"/>
-          </a:p>
-          <a:p>
-            <a:pPr lvl="0">
-              <a:defRPr/>
-            </a:pPr>
-            <a:endParaRPr lang="en-US" altLang="ko-KR"/>
-          </a:p>
-          <a:p>
-            <a:pPr lvl="0">
-              <a:defRPr/>
-            </a:pPr>
-            <a:endParaRPr lang="en-US" altLang="ko-KR"/>
-          </a:p>
-          <a:p>
-            <a:pPr lvl="0">
-              <a:defRPr/>
-            </a:pPr>
-            <a:endParaRPr lang="en-US" altLang="ko-KR"/>
-          </a:p>
-          <a:p>
-            <a:pPr lvl="0">
-              <a:defRPr/>
-            </a:pPr>
-            <a:endParaRPr lang="en-US" altLang="ko-KR"/>
-          </a:p>
-          <a:p>
-            <a:pPr lvl="0">
-              <a:defRPr/>
-            </a:pPr>
-            <a:endParaRPr lang="en-US" altLang="ko-KR"/>
-          </a:p>
-          <a:p>
-            <a:pPr lvl="0">
-              <a:defRPr/>
-            </a:pPr>
-            <a:endParaRPr lang="en-US" altLang="ko-KR"/>
-          </a:p>
-          <a:p>
-            <a:pPr lvl="0">
-              <a:defRPr/>
-            </a:pPr>
-            <a:r>
-              <a:rPr lang="en-US" altLang="ko-KR"/>
-              <a:t>https://docs.python.org/ko/3/tutorial/datastructures.html#more-on-lists</a:t>
-            </a:r>
-            <a:endParaRPr lang="en-US" altLang="ko-KR"/>
+            <a:endParaRPr lang="en-US" altLang="ko-KR" dirty="0"/>
           </a:p>
         </p:txBody>
       </p:sp>
@@ -4818,48 +6199,41 @@
   <p:clrMapOvr>
     <a:masterClrMapping/>
   </p:clrMapOvr>
-  <mc:AlternateContent xmlns:mc="http://schemas.openxmlformats.org/markup-compatibility/2006">
-    <mc:Choice xmlns:p14="http://schemas.microsoft.com/office/powerpoint/2010/main" Requires="p14">
-      <p:transition xmlns:mc="http://schemas.openxmlformats.org/markup-compatibility/2006" xmlns:p14="http://schemas.microsoft.com/office/powerpoint/2010/main" mc:Ignorable="p14" p14:dur="500"/>
+  <mc:AlternateContent xmlns:mc="http://schemas.openxmlformats.org/markup-compatibility/2006" xmlns:p14="http://schemas.microsoft.com/office/powerpoint/2010/main">
+    <mc:Choice Requires="p14">
+      <p:transition/>
     </mc:Choice>
-    <mc:Fallback>
+    <mc:Fallback xmlns:dsp="http://schemas.microsoft.com/office/drawing/2008/diagram" xmlns:dgm="http://schemas.openxmlformats.org/drawingml/2006/diagram" xmlns:c="http://schemas.openxmlformats.org/drawingml/2006/chart" xmlns="">
       <p:transition/>
     </mc:Fallback>
   </mc:AlternateContent>
-  <p:timing>
-    <p:tnLst>
-      <p:par>
-        <p:cTn id="1" dur="indefinite" restart="never" nodeType="tmRoot"/>
-      </p:par>
-    </p:tnLst>
-  </p:timing>
 </p:sld>
 </file>
 
 <file path=ppt/theme/theme1.xml><?xml version="1.0" encoding="utf-8"?>
-<a:theme xmlns:r="http://schemas.openxmlformats.org/officeDocument/2006/relationships" xmlns:c="http://schemas.openxmlformats.org/drawingml/2006/chart" xmlns:dgm="http://schemas.openxmlformats.org/drawingml/2006/diagram" xmlns:dsp="http://schemas.microsoft.com/office/drawing/2008/diagram" xmlns:a="http://schemas.openxmlformats.org/drawingml/2006/main" xmlns:pic="http://schemas.openxmlformats.org/drawingml/2006/picture" xmlns:wp="http://schemas.openxmlformats.org/drawingml/2006/wordprocessingDrawing" xmlns:xdr="http://schemas.openxmlformats.org/drawingml/2006/spreadsheetDrawing" xmlns:p="http://schemas.openxmlformats.org/presentationml/2006/main" name="균형">
+<a:theme xmlns:a="http://schemas.openxmlformats.org/drawingml/2006/main" name="균형">
   <a:themeElements>
     <a:clrScheme name="균형">
       <a:dk1>
         <a:sysClr val="windowText" lastClr="000000"/>
       </a:dk1>
       <a:lt1>
-        <a:sysClr val="window" lastClr="ffffff"/>
+        <a:sysClr val="window" lastClr="FFFFFF"/>
       </a:lt1>
       <a:dk2>
         <a:srgbClr val="696464"/>
       </a:dk2>
       <a:lt2>
-        <a:srgbClr val="e9e5dc"/>
+        <a:srgbClr val="E9E5DC"/>
       </a:lt2>
       <a:accent1>
-        <a:srgbClr val="d34817"/>
+        <a:srgbClr val="D34817"/>
       </a:accent1>
       <a:accent2>
-        <a:srgbClr val="9b2d1f"/>
+        <a:srgbClr val="9B2D1F"/>
       </a:accent2>
       <a:accent3>
-        <a:srgbClr val="a28e6a"/>
+        <a:srgbClr val="A28E6A"/>
       </a:accent3>
       <a:accent4>
         <a:srgbClr val="956251"/>
@@ -4868,13 +6242,13 @@
         <a:srgbClr val="918485"/>
       </a:accent5>
       <a:accent6>
-        <a:srgbClr val="855d5d"/>
+        <a:srgbClr val="855D5D"/>
       </a:accent6>
       <a:hlink>
-        <a:srgbClr val="cc9900"/>
+        <a:srgbClr val="CC9900"/>
       </a:hlink>
       <a:folHlink>
-        <a:srgbClr val="96a9a9"/>
+        <a:srgbClr val="96A9A9"/>
       </a:folHlink>
     </a:clrScheme>
     <a:fontScheme name="눈금">
@@ -4955,7 +6329,7 @@
           <a:schemeClr val="phClr"/>
         </a:solidFill>
         <a:blipFill rotWithShape="1">
-          <a:blip r:embed="rId1">
+          <a:blip xmlns:r="http://schemas.openxmlformats.org/officeDocument/2006/relationships" r:embed="rId1">
             <a:duotone>
               <a:schemeClr val="phClr">
                 <a:tint val="30000"/>
@@ -4970,7 +6344,7 @@
           <a:tile tx="0" ty="0" sx="70000" sy="70000" flip="none" algn="ctr"/>
         </a:blipFill>
         <a:blipFill rotWithShape="1">
-          <a:blip r:embed="rId2">
+          <a:blip xmlns:r="http://schemas.openxmlformats.org/officeDocument/2006/relationships" r:embed="rId1">
             <a:duotone>
               <a:schemeClr val="phClr">
                 <a:shade val="22000"/>
@@ -5082,7 +6456,7 @@
           <a:lin ang="16200000" scaled="1"/>
         </a:gradFill>
         <a:blipFill rotWithShape="1">
-          <a:blip r:embed="rId3">
+          <a:blip xmlns:r="http://schemas.openxmlformats.org/officeDocument/2006/relationships" r:embed="rId1">
             <a:duotone>
               <a:schemeClr val="phClr">
                 <a:tint val="95000"/>
@@ -5099,5 +6473,7 @@
       </a:bgFillStyleLst>
     </a:fmtScheme>
   </a:themeElements>
+  <a:objectDefaults/>
+  <a:extraClrSchemeLst/>
 </a:theme>
 </file>
--- a/textbook/파이썬2-3교시.pptx
+++ b/textbook/파이썬2-3교시.pptx
@@ -1,8 +1,8 @@
 
 <file path=ppt/presentation.xml><?xml version="1.0" encoding="utf-8"?>
-<p:presentation xmlns:a="http://schemas.openxmlformats.org/drawingml/2006/main" xmlns:r="http://schemas.openxmlformats.org/officeDocument/2006/relationships" xmlns:p="http://schemas.openxmlformats.org/presentationml/2006/main" saveSubsetFonts="1">
+<p:presentation xmlns:r="http://schemas.openxmlformats.org/officeDocument/2006/relationships" xmlns:c="http://schemas.openxmlformats.org/drawingml/2006/chart" xmlns:a="http://schemas.openxmlformats.org/drawingml/2006/main" xmlns:dgm="http://schemas.openxmlformats.org/drawingml/2006/diagram" xmlns:dsp="http://schemas.microsoft.com/office/drawing/2008/diagram" xmlns:p="http://schemas.openxmlformats.org/presentationml/2006/main" saveSubsetFonts="1">
   <p:sldMasterIdLst>
-    <p:sldMasterId id="2147483689" r:id="rId1"/>
+    <p:sldMasterId id="2147483690" r:id="rId1"/>
   </p:sldMasterIdLst>
   <p:sldIdLst>
     <p:sldId id="256" r:id="rId2"/>
@@ -14,6 +14,8 @@
     <p:sldId id="262" r:id="rId8"/>
     <p:sldId id="263" r:id="rId9"/>
     <p:sldId id="264" r:id="rId10"/>
+    <p:sldId id="265" r:id="rId11"/>
+    <p:sldId id="266" r:id="rId12"/>
   </p:sldIdLst>
   <p:sldSz cx="9144000" cy="6858000" type="screen4x3"/>
   <p:notesSz cx="6858000" cy="9144000"/>
@@ -112,22 +114,6 @@
       </a:defRPr>
     </a:lvl9pPr>
   </p:defaultTextStyle>
-  <p:extLst>
-    <p:ext uri="{EFAFB233-063F-42B5-8137-9DF3F51BA10A}">
-      <p15:sldGuideLst xmlns:p15="http://schemas.microsoft.com/office/powerpoint/2012/main">
-        <p15:guide id="1" orient="horz" pos="2155">
-          <p15:clr>
-            <a:srgbClr val="A4A3A4"/>
-          </p15:clr>
-        </p15:guide>
-        <p15:guide id="2" pos="2880">
-          <p15:clr>
-            <a:srgbClr val="A4A3A4"/>
-          </p15:clr>
-        </p15:guide>
-      </p15:sldGuideLst>
-    </p:ext>
-  </p:extLst>
 </p:presentation>
 </file>
 
@@ -3740,6 +3726,1338 @@
 </p:sld>
 </file>
 
+<file path=ppt/slides/slide10.xml><?xml version="1.0" encoding="utf-8"?>
+<p:sld xmlns:a="http://schemas.openxmlformats.org/drawingml/2006/main" xmlns:r="http://schemas.openxmlformats.org/officeDocument/2006/relationships" xmlns:p="http://schemas.openxmlformats.org/presentationml/2006/main">
+  <p:cSld>
+    <p:spTree>
+      <p:nvGrpSpPr>
+        <p:cNvPr id="1" name=""/>
+        <p:cNvGrpSpPr/>
+        <p:nvPr/>
+      </p:nvGrpSpPr>
+      <p:grpSpPr>
+        <a:xfrm>
+          <a:off x="0" y="0"/>
+          <a:ext cx="0" cy="0"/>
+          <a:chOff x="0" y="0"/>
+          <a:chExt cx="0" cy="0"/>
+        </a:xfrm>
+      </p:grpSpPr>
+      <p:sp>
+        <p:nvSpPr>
+          <p:cNvPr id="2" name="제목 1"/>
+          <p:cNvSpPr>
+            <a:spLocks noGrp="1"/>
+          </p:cNvSpPr>
+          <p:nvPr>
+            <p:ph type="title"/>
+          </p:nvPr>
+        </p:nvSpPr>
+        <p:spPr/>
+        <p:txBody>
+          <a:bodyPr/>
+          <a:lstStyle/>
+          <a:p>
+            <a:pPr lvl="0">
+              <a:defRPr/>
+            </a:pPr>
+            <a:r>
+              <a:rPr lang="ko-KR" altLang="en-US"/>
+              <a:t>             셋 메소드</a:t>
+            </a:r>
+          </a:p>
+        </p:txBody>
+      </p:sp>
+      <p:sp>
+        <p:nvSpPr>
+          <p:cNvPr id="3" name="내용 개체 틀 2"/>
+          <p:cNvSpPr>
+            <a:spLocks noGrp="1"/>
+          </p:cNvSpPr>
+          <p:nvPr>
+            <p:ph sz="quarter" idx="1"/>
+          </p:nvPr>
+        </p:nvSpPr>
+        <p:spPr>
+          <a:xfrm>
+            <a:off x="520757" y="1827357"/>
+            <a:ext cx="4017639" cy="2232248"/>
+          </a:xfrm>
+        </p:spPr>
+        <p:txBody>
+          <a:bodyPr>
+            <a:normAutofit fontScale="47500" lnSpcReduction="20000"/>
+          </a:bodyPr>
+          <a:lstStyle/>
+          <a:p>
+            <a:pPr lvl="0">
+              <a:defRPr/>
+            </a:pPr>
+            <a:endParaRPr lang="ko-KR" altLang="en-US" dirty="0"/>
+          </a:p>
+          <a:p>
+            <a:pPr lvl="0">
+              <a:defRPr/>
+            </a:pPr>
+            <a:r>
+              <a:rPr lang="en-US" altLang="ko-KR" dirty="0"/>
+              <a:t>add(값) - </a:t>
+            </a:r>
+            <a:r>
+              <a:rPr lang="en-US" altLang="ko-KR" dirty="0" err="1"/>
+              <a:t>집합에</a:t>
+            </a:r>
+            <a:r>
+              <a:rPr lang="en-US" altLang="ko-KR" dirty="0"/>
+              <a:t> </a:t>
+            </a:r>
+            <a:r>
+              <a:rPr lang="en-US" altLang="ko-KR" dirty="0" err="1"/>
+              <a:t>새로운</a:t>
+            </a:r>
+            <a:r>
+              <a:rPr lang="en-US" altLang="ko-KR" dirty="0"/>
+              <a:t> </a:t>
+            </a:r>
+            <a:r>
+              <a:rPr lang="en-US" altLang="ko-KR" dirty="0" err="1"/>
+              <a:t>값을</a:t>
+            </a:r>
+            <a:r>
+              <a:rPr lang="en-US" altLang="ko-KR" dirty="0"/>
+              <a:t> </a:t>
+            </a:r>
+            <a:r>
+              <a:rPr lang="en-US" altLang="ko-KR" dirty="0" err="1"/>
+              <a:t>추가한다</a:t>
+            </a:r>
+            <a:r>
+              <a:rPr lang="en-US" altLang="ko-KR" dirty="0"/>
+              <a:t>. (</a:t>
+            </a:r>
+            <a:r>
+              <a:rPr lang="en-US" altLang="ko-KR" dirty="0" err="1"/>
+              <a:t>중복된</a:t>
+            </a:r>
+            <a:r>
+              <a:rPr lang="en-US" altLang="ko-KR" dirty="0"/>
+              <a:t> </a:t>
+            </a:r>
+            <a:r>
+              <a:rPr lang="en-US" altLang="ko-KR" dirty="0" err="1"/>
+              <a:t>값은</a:t>
+            </a:r>
+            <a:r>
+              <a:rPr lang="en-US" altLang="ko-KR" dirty="0"/>
+              <a:t> </a:t>
+            </a:r>
+            <a:r>
+              <a:rPr lang="en-US" altLang="ko-KR" dirty="0" err="1"/>
+              <a:t>무시</a:t>
+            </a:r>
+            <a:r>
+              <a:rPr lang="en-US" altLang="ko-KR" dirty="0"/>
+              <a:t>)</a:t>
+            </a:r>
+          </a:p>
+          <a:p>
+            <a:pPr lvl="0">
+              <a:defRPr/>
+            </a:pPr>
+            <a:r>
+              <a:rPr lang="en-US" altLang="ko-KR" dirty="0"/>
+              <a:t>remove(값) - </a:t>
+            </a:r>
+            <a:r>
+              <a:rPr lang="en-US" altLang="ko-KR" dirty="0" err="1"/>
+              <a:t>전달받은</a:t>
+            </a:r>
+            <a:r>
+              <a:rPr lang="en-US" altLang="ko-KR" dirty="0"/>
+              <a:t> </a:t>
+            </a:r>
+            <a:r>
+              <a:rPr lang="en-US" altLang="ko-KR" dirty="0" err="1"/>
+              <a:t>값을</a:t>
+            </a:r>
+            <a:r>
+              <a:rPr lang="en-US" altLang="ko-KR" dirty="0"/>
+              <a:t> </a:t>
+            </a:r>
+            <a:r>
+              <a:rPr lang="en-US" altLang="ko-KR" dirty="0" err="1"/>
+              <a:t>삭제</a:t>
+            </a:r>
+            <a:r>
+              <a:rPr lang="en-US" altLang="ko-KR" dirty="0"/>
+              <a:t> (</a:t>
+            </a:r>
+            <a:r>
+              <a:rPr lang="en-US" altLang="ko-KR" dirty="0" err="1"/>
+              <a:t>없을</a:t>
+            </a:r>
+            <a:r>
+              <a:rPr lang="en-US" altLang="ko-KR" dirty="0"/>
+              <a:t> 때 </a:t>
+            </a:r>
+            <a:r>
+              <a:rPr lang="en-US" altLang="ko-KR" dirty="0" err="1"/>
+              <a:t>에러</a:t>
+            </a:r>
+            <a:r>
+              <a:rPr lang="en-US" altLang="ko-KR" dirty="0"/>
+              <a:t> </a:t>
+            </a:r>
+            <a:r>
+              <a:rPr lang="en-US" altLang="ko-KR" dirty="0" err="1"/>
+              <a:t>메시지를</a:t>
+            </a:r>
+            <a:r>
+              <a:rPr lang="en-US" altLang="ko-KR" dirty="0"/>
+              <a:t> </a:t>
+            </a:r>
+            <a:r>
+              <a:rPr lang="en-US" altLang="ko-KR" dirty="0" err="1"/>
+              <a:t>출력</a:t>
+            </a:r>
+            <a:r>
+              <a:rPr lang="en-US" altLang="ko-KR" dirty="0"/>
+              <a:t>)</a:t>
+            </a:r>
+          </a:p>
+          <a:p>
+            <a:pPr lvl="0">
+              <a:defRPr/>
+            </a:pPr>
+            <a:r>
+              <a:rPr lang="en-US" altLang="ko-KR" dirty="0"/>
+              <a:t>discard(값) - </a:t>
+            </a:r>
+            <a:r>
+              <a:rPr lang="en-US" altLang="ko-KR" dirty="0" err="1"/>
+              <a:t>전달받은</a:t>
+            </a:r>
+            <a:r>
+              <a:rPr lang="en-US" altLang="ko-KR" dirty="0"/>
+              <a:t> </a:t>
+            </a:r>
+            <a:r>
+              <a:rPr lang="en-US" altLang="ko-KR" dirty="0" err="1"/>
+              <a:t>값을</a:t>
+            </a:r>
+            <a:r>
+              <a:rPr lang="en-US" altLang="ko-KR" dirty="0"/>
+              <a:t> </a:t>
+            </a:r>
+            <a:r>
+              <a:rPr lang="en-US" altLang="ko-KR" dirty="0" err="1"/>
+              <a:t>삭제</a:t>
+            </a:r>
+            <a:r>
+              <a:rPr lang="en-US" altLang="ko-KR" dirty="0"/>
+              <a:t> (</a:t>
+            </a:r>
+            <a:r>
+              <a:rPr lang="en-US" altLang="ko-KR" dirty="0" err="1"/>
+              <a:t>없을</a:t>
+            </a:r>
+            <a:r>
+              <a:rPr lang="en-US" altLang="ko-KR" dirty="0"/>
+              <a:t> 때 </a:t>
+            </a:r>
+            <a:r>
+              <a:rPr lang="en-US" altLang="ko-KR" dirty="0" err="1"/>
+              <a:t>그냥</a:t>
+            </a:r>
+            <a:r>
+              <a:rPr lang="en-US" altLang="ko-KR" dirty="0"/>
+              <a:t> </a:t>
+            </a:r>
+            <a:r>
+              <a:rPr lang="en-US" altLang="ko-KR" dirty="0" err="1"/>
+              <a:t>무시</a:t>
+            </a:r>
+            <a:r>
+              <a:rPr lang="en-US" altLang="ko-KR" dirty="0"/>
+              <a:t>)</a:t>
+            </a:r>
+          </a:p>
+          <a:p>
+            <a:pPr lvl="0">
+              <a:defRPr/>
+            </a:pPr>
+            <a:r>
+              <a:rPr lang="en-US" altLang="ko-KR" dirty="0"/>
+              <a:t>pop() - </a:t>
+            </a:r>
+            <a:r>
+              <a:rPr lang="en-US" altLang="ko-KR" dirty="0" err="1"/>
+              <a:t>임의의</a:t>
+            </a:r>
+            <a:r>
+              <a:rPr lang="en-US" altLang="ko-KR" dirty="0"/>
+              <a:t> </a:t>
+            </a:r>
+            <a:r>
+              <a:rPr lang="en-US" altLang="ko-KR" dirty="0" err="1"/>
+              <a:t>값을</a:t>
+            </a:r>
+            <a:r>
+              <a:rPr lang="en-US" altLang="ko-KR" dirty="0"/>
+              <a:t> </a:t>
+            </a:r>
+            <a:r>
+              <a:rPr lang="en-US" altLang="ko-KR" dirty="0" err="1"/>
+              <a:t>리턴하고</a:t>
+            </a:r>
+            <a:r>
+              <a:rPr lang="en-US" altLang="ko-KR" dirty="0"/>
+              <a:t> </a:t>
+            </a:r>
+            <a:r>
+              <a:rPr lang="en-US" altLang="ko-KR" dirty="0" err="1"/>
+              <a:t>삭제</a:t>
+            </a:r>
+            <a:endParaRPr lang="en-US" altLang="ko-KR" dirty="0"/>
+          </a:p>
+          <a:p>
+            <a:pPr lvl="0">
+              <a:defRPr/>
+            </a:pPr>
+            <a:r>
+              <a:rPr lang="en-US" altLang="ko-KR" dirty="0"/>
+              <a:t>clear() - </a:t>
+            </a:r>
+            <a:r>
+              <a:rPr lang="en-US" altLang="ko-KR" dirty="0" err="1"/>
+              <a:t>집한에</a:t>
+            </a:r>
+            <a:r>
+              <a:rPr lang="en-US" altLang="ko-KR" dirty="0"/>
+              <a:t> </a:t>
+            </a:r>
+            <a:r>
+              <a:rPr lang="en-US" altLang="ko-KR" dirty="0" err="1"/>
+              <a:t>있는</a:t>
+            </a:r>
+            <a:r>
+              <a:rPr lang="en-US" altLang="ko-KR" dirty="0"/>
+              <a:t> </a:t>
+            </a:r>
+            <a:r>
+              <a:rPr lang="en-US" altLang="ko-KR" dirty="0" err="1"/>
+              <a:t>모든</a:t>
+            </a:r>
+            <a:r>
+              <a:rPr lang="en-US" altLang="ko-KR" dirty="0"/>
+              <a:t> </a:t>
+            </a:r>
+            <a:r>
+              <a:rPr lang="en-US" altLang="ko-KR" dirty="0" err="1"/>
+              <a:t>값을</a:t>
+            </a:r>
+            <a:r>
+              <a:rPr lang="en-US" altLang="ko-KR" dirty="0"/>
+              <a:t> </a:t>
+            </a:r>
+            <a:r>
+              <a:rPr lang="en-US" altLang="ko-KR" dirty="0" err="1"/>
+              <a:t>삭제</a:t>
+            </a:r>
+            <a:endParaRPr lang="en-US" altLang="ko-KR" dirty="0"/>
+          </a:p>
+          <a:p>
+            <a:pPr lvl="0">
+              <a:defRPr/>
+            </a:pPr>
+            <a:r>
+              <a:rPr lang="en-US" altLang="ko-KR" dirty="0"/>
+              <a:t>copy() - </a:t>
+            </a:r>
+            <a:r>
+              <a:rPr lang="en-US" altLang="ko-KR" dirty="0" err="1"/>
+              <a:t>집합을</a:t>
+            </a:r>
+            <a:r>
+              <a:rPr lang="en-US" altLang="ko-KR" dirty="0"/>
+              <a:t> </a:t>
+            </a:r>
+            <a:r>
+              <a:rPr lang="en-US" altLang="ko-KR" dirty="0" err="1"/>
+              <a:t>복제하여</a:t>
+            </a:r>
+            <a:r>
+              <a:rPr lang="en-US" altLang="ko-KR" dirty="0"/>
+              <a:t> </a:t>
+            </a:r>
+            <a:r>
+              <a:rPr lang="en-US" altLang="ko-KR" dirty="0" err="1"/>
+              <a:t>리턴</a:t>
+            </a:r>
+            <a:endParaRPr lang="en-US" altLang="ko-KR" dirty="0"/>
+          </a:p>
+          <a:p>
+            <a:pPr lvl="0">
+              <a:defRPr/>
+            </a:pPr>
+            <a:endParaRPr lang="en-US" altLang="ko-KR" dirty="0"/>
+          </a:p>
+          <a:p>
+            <a:pPr marL="0" indent="0">
+              <a:buNone/>
+              <a:defRPr/>
+            </a:pPr>
+            <a:endParaRPr lang="en-US" altLang="ko-KR" dirty="0"/>
+          </a:p>
+          <a:p>
+            <a:pPr lvl="0">
+              <a:defRPr/>
+            </a:pPr>
+            <a:endParaRPr lang="ko-KR" altLang="en-US" dirty="0"/>
+          </a:p>
+        </p:txBody>
+      </p:sp>
+      <p:sp>
+        <p:nvSpPr>
+          <p:cNvPr id="3078" name="내용 개체 틀 2"/>
+          <p:cNvSpPr>
+            <a:spLocks noGrp="1"/>
+          </p:cNvSpPr>
+          <p:nvPr/>
+        </p:nvSpPr>
+        <p:spPr>
+          <a:xfrm>
+            <a:off x="4658815" y="2060848"/>
+            <a:ext cx="3657600" cy="1621159"/>
+          </a:xfrm>
+          <a:prstGeom prst="rect">
+            <a:avLst/>
+          </a:prstGeom>
+        </p:spPr>
+        <p:txBody>
+          <a:bodyPr vert="horz">
+            <a:normAutofit fontScale="55000" lnSpcReduction="20000"/>
+          </a:bodyPr>
+          <a:lstStyle/>
+          <a:p>
+            <a:pPr marL="274320" lvl="0" indent="-274320" algn="l" rtl="0" eaLnBrk="1" latinLnBrk="1" hangingPunct="1">
+              <a:lnSpc>
+                <a:spcPct val="100000"/>
+              </a:lnSpc>
+              <a:spcBef>
+                <a:spcPts val="580"/>
+              </a:spcBef>
+              <a:spcAft>
+                <a:spcPts val="0"/>
+              </a:spcAft>
+              <a:buClr>
+                <a:schemeClr val="accent1"/>
+              </a:buClr>
+              <a:buSzPct val="85000"/>
+              <a:buFont typeface="Wingdings 2"/>
+              <a:buChar char=""/>
+              <a:defRPr/>
+            </a:pPr>
+            <a:r>
+              <a:rPr kumimoji="0" lang="ko-KR" altLang="en-US" sz="2600" b="0" i="0" u="none" strike="noStrike" kern="1200" cap="none" spc="0" normalizeH="0" baseline="0" dirty="0" err="1">
+                <a:solidFill>
+                  <a:schemeClr val="tx1"/>
+                </a:solidFill>
+                <a:latin typeface="+mn-lt"/>
+                <a:ea typeface="+mn-ea"/>
+                <a:cs typeface="+mn-cs"/>
+              </a:rPr>
+              <a:t>isdisjoint</a:t>
+            </a:r>
+            <a:r>
+              <a:rPr kumimoji="0" lang="ko-KR" altLang="en-US" sz="2600" b="0" i="0" u="none" strike="noStrike" kern="1200" cap="none" spc="0" normalizeH="0" baseline="0" dirty="0">
+                <a:solidFill>
+                  <a:schemeClr val="tx1"/>
+                </a:solidFill>
+                <a:latin typeface="+mn-lt"/>
+                <a:ea typeface="+mn-ea"/>
+                <a:cs typeface="+mn-cs"/>
+              </a:rPr>
+              <a:t>() - 두 집합이 공통 원소를 갖지 않는가?</a:t>
+            </a:r>
+          </a:p>
+          <a:p>
+            <a:pPr marL="274320" lvl="0" indent="-274320" algn="l" rtl="0" eaLnBrk="1" latinLnBrk="1" hangingPunct="1">
+              <a:lnSpc>
+                <a:spcPct val="100000"/>
+              </a:lnSpc>
+              <a:spcBef>
+                <a:spcPts val="580"/>
+              </a:spcBef>
+              <a:spcAft>
+                <a:spcPts val="0"/>
+              </a:spcAft>
+              <a:buClr>
+                <a:schemeClr val="accent1"/>
+              </a:buClr>
+              <a:buSzPct val="85000"/>
+              <a:buFont typeface="Wingdings 2"/>
+              <a:buChar char=""/>
+              <a:defRPr/>
+            </a:pPr>
+            <a:endParaRPr kumimoji="0" lang="ko-KR" altLang="en-US" sz="2600" b="0" i="0" u="none" strike="noStrike" kern="1200" cap="none" spc="0" normalizeH="0" baseline="0" dirty="0">
+              <a:solidFill>
+                <a:schemeClr val="tx1"/>
+              </a:solidFill>
+              <a:latin typeface="+mn-lt"/>
+              <a:ea typeface="+mn-ea"/>
+              <a:cs typeface="+mn-cs"/>
+            </a:endParaRPr>
+          </a:p>
+          <a:p>
+            <a:pPr marL="274320" lvl="0" indent="-274320" algn="l" rtl="0" eaLnBrk="1" latinLnBrk="1" hangingPunct="1">
+              <a:lnSpc>
+                <a:spcPct val="100000"/>
+              </a:lnSpc>
+              <a:spcBef>
+                <a:spcPts val="580"/>
+              </a:spcBef>
+              <a:spcAft>
+                <a:spcPts val="0"/>
+              </a:spcAft>
+              <a:buClr>
+                <a:schemeClr val="accent1"/>
+              </a:buClr>
+              <a:buSzPct val="85000"/>
+              <a:buFont typeface="Wingdings 2"/>
+              <a:buChar char=""/>
+              <a:defRPr/>
+            </a:pPr>
+            <a:r>
+              <a:rPr kumimoji="0" lang="ko-KR" altLang="en-US" sz="2600" b="0" i="0" u="none" strike="noStrike" kern="1200" cap="none" spc="0" normalizeH="0" baseline="0" dirty="0" err="1">
+                <a:solidFill>
+                  <a:schemeClr val="tx1"/>
+                </a:solidFill>
+                <a:latin typeface="+mn-lt"/>
+                <a:ea typeface="+mn-ea"/>
+                <a:cs typeface="+mn-cs"/>
+              </a:rPr>
+              <a:t>issubset</a:t>
+            </a:r>
+            <a:r>
+              <a:rPr kumimoji="0" lang="ko-KR" altLang="en-US" sz="2600" b="0" i="0" u="none" strike="noStrike" kern="1200" cap="none" spc="0" normalizeH="0" baseline="0" dirty="0">
+                <a:solidFill>
+                  <a:schemeClr val="tx1"/>
+                </a:solidFill>
+                <a:latin typeface="+mn-lt"/>
+                <a:ea typeface="+mn-ea"/>
+                <a:cs typeface="+mn-cs"/>
+              </a:rPr>
+              <a:t>() - 부분집합(</a:t>
+            </a:r>
+            <a:r>
+              <a:rPr kumimoji="0" lang="ko-KR" altLang="en-US" sz="2600" b="0" i="0" u="none" strike="noStrike" kern="1200" cap="none" spc="0" normalizeH="0" baseline="0" dirty="0" err="1">
+                <a:solidFill>
+                  <a:schemeClr val="tx1"/>
+                </a:solidFill>
+                <a:latin typeface="+mn-lt"/>
+                <a:ea typeface="+mn-ea"/>
+                <a:cs typeface="+mn-cs"/>
+              </a:rPr>
+              <a:t>subset</a:t>
+            </a:r>
+            <a:r>
+              <a:rPr kumimoji="0" lang="ko-KR" altLang="en-US" sz="2600" b="0" i="0" u="none" strike="noStrike" kern="1200" cap="none" spc="0" normalizeH="0" baseline="0" dirty="0">
+                <a:solidFill>
+                  <a:schemeClr val="tx1"/>
+                </a:solidFill>
+                <a:latin typeface="+mn-lt"/>
+                <a:ea typeface="+mn-ea"/>
+                <a:cs typeface="+mn-cs"/>
+              </a:rPr>
+              <a:t>)인가?</a:t>
+            </a:r>
+          </a:p>
+          <a:p>
+            <a:pPr marL="274320" lvl="0" indent="-274320" algn="l" rtl="0" eaLnBrk="1" latinLnBrk="1" hangingPunct="1">
+              <a:lnSpc>
+                <a:spcPct val="100000"/>
+              </a:lnSpc>
+              <a:spcBef>
+                <a:spcPts val="580"/>
+              </a:spcBef>
+              <a:spcAft>
+                <a:spcPts val="0"/>
+              </a:spcAft>
+              <a:buClr>
+                <a:schemeClr val="accent1"/>
+              </a:buClr>
+              <a:buSzPct val="85000"/>
+              <a:buFont typeface="Wingdings 2"/>
+              <a:buChar char=""/>
+              <a:defRPr/>
+            </a:pPr>
+            <a:endParaRPr kumimoji="0" lang="ko-KR" altLang="en-US" sz="2600" b="0" i="0" u="none" strike="noStrike" kern="1200" cap="none" spc="0" normalizeH="0" baseline="0" dirty="0">
+              <a:solidFill>
+                <a:schemeClr val="tx1"/>
+              </a:solidFill>
+              <a:latin typeface="+mn-lt"/>
+              <a:ea typeface="+mn-ea"/>
+              <a:cs typeface="+mn-cs"/>
+            </a:endParaRPr>
+          </a:p>
+          <a:p>
+            <a:pPr marL="274320" lvl="0" indent="-274320" algn="l" rtl="0" eaLnBrk="1" latinLnBrk="1" hangingPunct="1">
+              <a:lnSpc>
+                <a:spcPct val="100000"/>
+              </a:lnSpc>
+              <a:spcBef>
+                <a:spcPts val="580"/>
+              </a:spcBef>
+              <a:spcAft>
+                <a:spcPts val="0"/>
+              </a:spcAft>
+              <a:buClr>
+                <a:schemeClr val="accent1"/>
+              </a:buClr>
+              <a:buSzPct val="85000"/>
+              <a:buFont typeface="Wingdings 2"/>
+              <a:buChar char=""/>
+              <a:defRPr/>
+            </a:pPr>
+            <a:r>
+              <a:rPr kumimoji="0" lang="ko-KR" altLang="en-US" sz="2600" b="0" i="0" u="none" strike="noStrike" kern="1200" cap="none" spc="0" normalizeH="0" baseline="0" dirty="0" err="1">
+                <a:solidFill>
+                  <a:schemeClr val="tx1"/>
+                </a:solidFill>
+                <a:latin typeface="+mn-lt"/>
+                <a:ea typeface="+mn-ea"/>
+                <a:cs typeface="+mn-cs"/>
+              </a:rPr>
+              <a:t>issuperset</a:t>
+            </a:r>
+            <a:r>
+              <a:rPr kumimoji="0" lang="ko-KR" altLang="en-US" sz="2600" b="0" i="0" u="none" strike="noStrike" kern="1200" cap="none" spc="0" normalizeH="0" baseline="0" dirty="0">
+                <a:solidFill>
+                  <a:schemeClr val="tx1"/>
+                </a:solidFill>
+                <a:latin typeface="+mn-lt"/>
+                <a:ea typeface="+mn-ea"/>
+                <a:cs typeface="+mn-cs"/>
+              </a:rPr>
+              <a:t>() - 확대집합(</a:t>
+            </a:r>
+            <a:r>
+              <a:rPr kumimoji="0" lang="ko-KR" altLang="en-US" sz="2600" b="0" i="0" u="none" strike="noStrike" kern="1200" cap="none" spc="0" normalizeH="0" baseline="0" dirty="0" err="1">
+                <a:solidFill>
+                  <a:schemeClr val="tx1"/>
+                </a:solidFill>
+                <a:latin typeface="+mn-lt"/>
+                <a:ea typeface="+mn-ea"/>
+                <a:cs typeface="+mn-cs"/>
+              </a:rPr>
+              <a:t>superset</a:t>
+            </a:r>
+            <a:r>
+              <a:rPr kumimoji="0" lang="ko-KR" altLang="en-US" sz="2600" b="0" i="0" u="none" strike="noStrike" kern="1200" cap="none" spc="0" normalizeH="0" baseline="0" dirty="0">
+                <a:solidFill>
+                  <a:schemeClr val="tx1"/>
+                </a:solidFill>
+                <a:latin typeface="+mn-lt"/>
+                <a:ea typeface="+mn-ea"/>
+                <a:cs typeface="+mn-cs"/>
+              </a:rPr>
+              <a:t>)인가?</a:t>
+            </a:r>
+          </a:p>
+        </p:txBody>
+      </p:sp>
+      <p:sp>
+        <p:nvSpPr>
+          <p:cNvPr id="3079" name="내용 개체 틀 2"/>
+          <p:cNvSpPr>
+            <a:spLocks noGrp="1"/>
+          </p:cNvSpPr>
+          <p:nvPr/>
+        </p:nvSpPr>
+        <p:spPr>
+          <a:xfrm>
+            <a:off x="251520" y="4184104"/>
+            <a:ext cx="4449688" cy="2485256"/>
+          </a:xfrm>
+          <a:prstGeom prst="rect">
+            <a:avLst/>
+          </a:prstGeom>
+        </p:spPr>
+        <p:txBody>
+          <a:bodyPr vert="horz">
+            <a:normAutofit/>
+          </a:bodyPr>
+          <a:lstStyle/>
+          <a:p>
+            <a:pPr marL="274320" lvl="0" indent="-274320" algn="l" rtl="0" eaLnBrk="1" latinLnBrk="1" hangingPunct="1">
+              <a:lnSpc>
+                <a:spcPct val="100000"/>
+              </a:lnSpc>
+              <a:spcBef>
+                <a:spcPts val="580"/>
+              </a:spcBef>
+              <a:spcAft>
+                <a:spcPts val="0"/>
+              </a:spcAft>
+              <a:buClr>
+                <a:schemeClr val="accent1"/>
+              </a:buClr>
+              <a:buSzPct val="85000"/>
+              <a:buFont typeface="Wingdings 2"/>
+              <a:buChar char=""/>
+              <a:defRPr/>
+            </a:pPr>
+            <a:r>
+              <a:rPr kumimoji="0" lang="ko-KR" altLang="en-US" sz="1200" b="0" i="0" u="none" strike="noStrike" kern="1200" cap="none" spc="0" normalizeH="0" baseline="0" dirty="0" err="1">
+                <a:solidFill>
+                  <a:schemeClr val="tx1"/>
+                </a:solidFill>
+                <a:latin typeface="+mn-lt"/>
+                <a:ea typeface="+mn-ea"/>
+                <a:cs typeface="+mn-cs"/>
+              </a:rPr>
+              <a:t>union</a:t>
+            </a:r>
+            <a:r>
+              <a:rPr kumimoji="0" lang="ko-KR" altLang="en-US" sz="1200" b="0" i="0" u="none" strike="noStrike" kern="1200" cap="none" spc="0" normalizeH="0" baseline="0" dirty="0">
+                <a:solidFill>
+                  <a:schemeClr val="tx1"/>
+                </a:solidFill>
+                <a:latin typeface="+mn-lt"/>
+                <a:ea typeface="+mn-ea"/>
+                <a:cs typeface="+mn-cs"/>
+              </a:rPr>
+              <a:t>() - 합집합을 만들어 리턴</a:t>
+            </a:r>
+          </a:p>
+          <a:p>
+            <a:pPr marL="274320" lvl="0" indent="-274320" algn="l" rtl="0" eaLnBrk="1" latinLnBrk="1" hangingPunct="1">
+              <a:lnSpc>
+                <a:spcPct val="100000"/>
+              </a:lnSpc>
+              <a:spcBef>
+                <a:spcPts val="580"/>
+              </a:spcBef>
+              <a:spcAft>
+                <a:spcPts val="0"/>
+              </a:spcAft>
+              <a:buClr>
+                <a:schemeClr val="accent1"/>
+              </a:buClr>
+              <a:buSzPct val="85000"/>
+              <a:buFont typeface="Wingdings 2"/>
+              <a:buChar char=""/>
+              <a:defRPr/>
+            </a:pPr>
+            <a:r>
+              <a:rPr kumimoji="0" lang="ko-KR" altLang="en-US" sz="1200" b="0" i="0" u="none" strike="noStrike" kern="1200" cap="none" spc="0" normalizeH="0" baseline="0" dirty="0" err="1">
+                <a:solidFill>
+                  <a:schemeClr val="tx1"/>
+                </a:solidFill>
+                <a:latin typeface="+mn-lt"/>
+                <a:ea typeface="+mn-ea"/>
+                <a:cs typeface="+mn-cs"/>
+              </a:rPr>
+              <a:t>update</a:t>
+            </a:r>
+            <a:r>
+              <a:rPr kumimoji="0" lang="ko-KR" altLang="en-US" sz="1200" b="0" i="0" u="none" strike="noStrike" kern="1200" cap="none" spc="0" normalizeH="0" baseline="0" dirty="0">
+                <a:solidFill>
+                  <a:schemeClr val="tx1"/>
+                </a:solidFill>
+                <a:latin typeface="+mn-lt"/>
+                <a:ea typeface="+mn-ea"/>
+                <a:cs typeface="+mn-cs"/>
+              </a:rPr>
+              <a:t>() - 합집합을 만들어 원본 데이터를 갱신(수정)</a:t>
+            </a:r>
+          </a:p>
+          <a:p>
+            <a:pPr marL="274320" lvl="0" indent="-274320" algn="l" rtl="0" eaLnBrk="1" latinLnBrk="1" hangingPunct="1">
+              <a:lnSpc>
+                <a:spcPct val="100000"/>
+              </a:lnSpc>
+              <a:spcBef>
+                <a:spcPts val="580"/>
+              </a:spcBef>
+              <a:spcAft>
+                <a:spcPts val="0"/>
+              </a:spcAft>
+              <a:buClr>
+                <a:schemeClr val="accent1"/>
+              </a:buClr>
+              <a:buSzPct val="85000"/>
+              <a:buFont typeface="Wingdings 2"/>
+              <a:buChar char=""/>
+              <a:defRPr/>
+            </a:pPr>
+            <a:r>
+              <a:rPr kumimoji="0" lang="ko-KR" altLang="en-US" sz="1200" b="0" i="0" u="none" strike="noStrike" kern="1200" cap="none" spc="0" normalizeH="0" baseline="0" dirty="0" err="1">
+                <a:solidFill>
+                  <a:schemeClr val="tx1"/>
+                </a:solidFill>
+                <a:latin typeface="+mn-lt"/>
+                <a:ea typeface="+mn-ea"/>
+                <a:cs typeface="+mn-cs"/>
+              </a:rPr>
+              <a:t>difference</a:t>
+            </a:r>
+            <a:r>
+              <a:rPr kumimoji="0" lang="ko-KR" altLang="en-US" sz="1200" b="0" i="0" u="none" strike="noStrike" kern="1200" cap="none" spc="0" normalizeH="0" baseline="0" dirty="0">
+                <a:solidFill>
+                  <a:schemeClr val="tx1"/>
+                </a:solidFill>
+                <a:latin typeface="+mn-lt"/>
+                <a:ea typeface="+mn-ea"/>
+                <a:cs typeface="+mn-cs"/>
+              </a:rPr>
+              <a:t>() - 차집합을 만들어 리턴</a:t>
+            </a:r>
+          </a:p>
+          <a:p>
+            <a:pPr marL="274320" lvl="0" indent="-274320" algn="l" rtl="0" eaLnBrk="1" latinLnBrk="1" hangingPunct="1">
+              <a:lnSpc>
+                <a:spcPct val="100000"/>
+              </a:lnSpc>
+              <a:spcBef>
+                <a:spcPts val="580"/>
+              </a:spcBef>
+              <a:spcAft>
+                <a:spcPts val="0"/>
+              </a:spcAft>
+              <a:buClr>
+                <a:schemeClr val="accent1"/>
+              </a:buClr>
+              <a:buSzPct val="85000"/>
+              <a:buFont typeface="Wingdings 2"/>
+              <a:buChar char=""/>
+              <a:defRPr/>
+            </a:pPr>
+            <a:r>
+              <a:rPr kumimoji="0" lang="ko-KR" altLang="en-US" sz="1200" b="0" i="0" u="none" strike="noStrike" kern="1200" cap="none" spc="0" normalizeH="0" baseline="0" dirty="0" err="1">
+                <a:solidFill>
+                  <a:schemeClr val="tx1"/>
+                </a:solidFill>
+                <a:latin typeface="+mn-lt"/>
+                <a:ea typeface="+mn-ea"/>
+                <a:cs typeface="+mn-cs"/>
+              </a:rPr>
+              <a:t>difference_update</a:t>
+            </a:r>
+            <a:r>
+              <a:rPr kumimoji="0" lang="ko-KR" altLang="en-US" sz="1200" b="0" i="0" u="none" strike="noStrike" kern="1200" cap="none" spc="0" normalizeH="0" baseline="0" dirty="0">
+                <a:solidFill>
+                  <a:schemeClr val="tx1"/>
+                </a:solidFill>
+                <a:latin typeface="+mn-lt"/>
+                <a:ea typeface="+mn-ea"/>
+                <a:cs typeface="+mn-cs"/>
+              </a:rPr>
+              <a:t>() - 차집합을 만들어 원본 데이터를 갱신</a:t>
+            </a:r>
+          </a:p>
+          <a:p>
+            <a:pPr marL="0" lvl="0" indent="0" algn="l" rtl="0" eaLnBrk="1" latinLnBrk="1" hangingPunct="1">
+              <a:lnSpc>
+                <a:spcPct val="100000"/>
+              </a:lnSpc>
+              <a:spcBef>
+                <a:spcPts val="580"/>
+              </a:spcBef>
+              <a:spcAft>
+                <a:spcPts val="0"/>
+              </a:spcAft>
+              <a:buClr>
+                <a:schemeClr val="accent1"/>
+              </a:buClr>
+              <a:buSzPct val="85000"/>
+              <a:buFont typeface="Wingdings 2"/>
+              <a:buNone/>
+              <a:defRPr/>
+            </a:pPr>
+            <a:r>
+              <a:rPr kumimoji="0" lang="ko-KR" altLang="en-US" sz="1200" b="0" i="0" u="none" strike="noStrike" kern="1200" cap="none" spc="0" normalizeH="0" baseline="0" dirty="0">
+                <a:solidFill>
+                  <a:schemeClr val="tx1"/>
+                </a:solidFill>
+                <a:latin typeface="+mn-lt"/>
+                <a:ea typeface="+mn-ea"/>
+                <a:cs typeface="+mn-cs"/>
+              </a:rPr>
+              <a:t>(그냥 함수는 값을 </a:t>
+            </a:r>
+            <a:r>
+              <a:rPr kumimoji="0" lang="ko-KR" altLang="en-US" sz="1200" b="0" i="0" u="none" strike="noStrike" kern="1200" cap="none" spc="0" normalizeH="0" baseline="0" dirty="0" err="1">
+                <a:solidFill>
+                  <a:schemeClr val="tx1"/>
+                </a:solidFill>
+                <a:latin typeface="+mn-lt"/>
+                <a:ea typeface="+mn-ea"/>
+                <a:cs typeface="+mn-cs"/>
+              </a:rPr>
+              <a:t>리턴하는</a:t>
+            </a:r>
+            <a:r>
+              <a:rPr kumimoji="0" lang="ko-KR" altLang="en-US" sz="1200" b="0" i="0" u="none" strike="noStrike" kern="1200" cap="none" spc="0" normalizeH="0" baseline="0" dirty="0">
+                <a:solidFill>
+                  <a:schemeClr val="tx1"/>
+                </a:solidFill>
+                <a:latin typeface="+mn-lt"/>
+                <a:ea typeface="+mn-ea"/>
+                <a:cs typeface="+mn-cs"/>
+              </a:rPr>
+              <a:t> 반면 뒤에 </a:t>
+            </a:r>
+            <a:r>
+              <a:rPr kumimoji="0" lang="ko-KR" altLang="en-US" sz="1200" b="0" i="0" u="none" strike="noStrike" kern="1200" cap="none" spc="0" normalizeH="0" baseline="0" dirty="0" err="1">
+                <a:solidFill>
+                  <a:schemeClr val="tx1"/>
+                </a:solidFill>
+                <a:latin typeface="+mn-lt"/>
+                <a:ea typeface="+mn-ea"/>
+                <a:cs typeface="+mn-cs"/>
+              </a:rPr>
+              <a:t>update가</a:t>
+            </a:r>
+            <a:r>
+              <a:rPr kumimoji="0" lang="ko-KR" altLang="en-US" sz="1200" b="0" i="0" u="none" strike="noStrike" kern="1200" cap="none" spc="0" normalizeH="0" baseline="0" dirty="0">
+                <a:solidFill>
+                  <a:schemeClr val="tx1"/>
+                </a:solidFill>
+                <a:latin typeface="+mn-lt"/>
+                <a:ea typeface="+mn-ea"/>
+                <a:cs typeface="+mn-cs"/>
+              </a:rPr>
+              <a:t> 붙은 함수는 원본 데이터를 변경함)</a:t>
+            </a:r>
+          </a:p>
+          <a:p>
+            <a:pPr marL="274320" lvl="0" indent="-274320" algn="l" rtl="0" eaLnBrk="1" latinLnBrk="1" hangingPunct="1">
+              <a:lnSpc>
+                <a:spcPct val="100000"/>
+              </a:lnSpc>
+              <a:spcBef>
+                <a:spcPts val="580"/>
+              </a:spcBef>
+              <a:spcAft>
+                <a:spcPts val="0"/>
+              </a:spcAft>
+              <a:buClr>
+                <a:schemeClr val="accent1"/>
+              </a:buClr>
+              <a:buSzPct val="85000"/>
+              <a:buFont typeface="Wingdings 2"/>
+              <a:buChar char=""/>
+              <a:defRPr/>
+            </a:pPr>
+            <a:endParaRPr kumimoji="0" lang="ko-KR" altLang="en-US" sz="1200" b="0" i="0" u="none" strike="noStrike" kern="1200" cap="none" spc="0" normalizeH="0" baseline="0" dirty="0">
+              <a:solidFill>
+                <a:schemeClr val="tx1"/>
+              </a:solidFill>
+              <a:latin typeface="+mn-lt"/>
+              <a:ea typeface="+mn-ea"/>
+              <a:cs typeface="+mn-cs"/>
+            </a:endParaRPr>
+          </a:p>
+        </p:txBody>
+      </p:sp>
+      <p:pic>
+        <p:nvPicPr>
+          <p:cNvPr id="3080" name="그림 3079"/>
+          <p:cNvPicPr>
+            <a:picLocks noChangeAspect="1"/>
+          </p:cNvPicPr>
+          <p:nvPr/>
+        </p:nvPicPr>
+        <p:blipFill rotWithShape="1">
+          <a:blip r:embed="rId2"/>
+          <a:stretch>
+            <a:fillRect/>
+          </a:stretch>
+        </p:blipFill>
+        <p:spPr>
+          <a:xfrm>
+            <a:off x="307942" y="231793"/>
+            <a:ext cx="1815786" cy="1595564"/>
+          </a:xfrm>
+          <a:prstGeom prst="rect">
+            <a:avLst/>
+          </a:prstGeom>
+        </p:spPr>
+      </p:pic>
+      <p:sp>
+        <p:nvSpPr>
+          <p:cNvPr id="3081" name="내용 개체 틀 2"/>
+          <p:cNvSpPr>
+            <a:spLocks noGrp="1"/>
+          </p:cNvSpPr>
+          <p:nvPr/>
+        </p:nvSpPr>
+        <p:spPr>
+          <a:xfrm>
+            <a:off x="4572000" y="4184104"/>
+            <a:ext cx="4449688" cy="2485256"/>
+          </a:xfrm>
+          <a:prstGeom prst="rect">
+            <a:avLst/>
+          </a:prstGeom>
+        </p:spPr>
+        <p:txBody>
+          <a:bodyPr vert="horz">
+            <a:normAutofit/>
+          </a:bodyPr>
+          <a:lstStyle/>
+          <a:p>
+            <a:pPr marL="274320" lvl="0" indent="-274320" algn="l" rtl="0" eaLnBrk="1" latinLnBrk="1" hangingPunct="1">
+              <a:lnSpc>
+                <a:spcPct val="100000"/>
+              </a:lnSpc>
+              <a:spcBef>
+                <a:spcPts val="580"/>
+              </a:spcBef>
+              <a:spcAft>
+                <a:spcPts val="0"/>
+              </a:spcAft>
+              <a:buClr>
+                <a:schemeClr val="accent1"/>
+              </a:buClr>
+              <a:buSzPct val="85000"/>
+              <a:buFont typeface="Wingdings 2"/>
+              <a:buChar char=""/>
+              <a:defRPr/>
+            </a:pPr>
+            <a:endParaRPr kumimoji="0" lang="ko-KR" altLang="en-US" sz="1200" b="0" i="0" u="none" strike="noStrike" kern="1200" cap="none" spc="0" normalizeH="0" baseline="0" dirty="0">
+              <a:solidFill>
+                <a:schemeClr val="tx1"/>
+              </a:solidFill>
+              <a:latin typeface="+mn-lt"/>
+              <a:ea typeface="+mn-ea"/>
+              <a:cs typeface="+mn-cs"/>
+            </a:endParaRPr>
+          </a:p>
+          <a:p>
+            <a:pPr marL="274320" lvl="0" indent="-274320" algn="l" rtl="0" eaLnBrk="1" latinLnBrk="1" hangingPunct="1">
+              <a:lnSpc>
+                <a:spcPct val="100000"/>
+              </a:lnSpc>
+              <a:spcBef>
+                <a:spcPts val="580"/>
+              </a:spcBef>
+              <a:spcAft>
+                <a:spcPts val="0"/>
+              </a:spcAft>
+              <a:buClr>
+                <a:schemeClr val="accent1"/>
+              </a:buClr>
+              <a:buSzPct val="85000"/>
+              <a:buFont typeface="Wingdings 2"/>
+              <a:buChar char=""/>
+              <a:defRPr/>
+            </a:pPr>
+            <a:r>
+              <a:rPr kumimoji="0" lang="ko-KR" altLang="en-US" sz="1200" b="0" i="0" u="none" strike="noStrike" kern="1200" cap="none" spc="0" normalizeH="0" baseline="0" dirty="0" err="1">
+                <a:solidFill>
+                  <a:schemeClr val="tx1"/>
+                </a:solidFill>
+                <a:latin typeface="+mn-lt"/>
+                <a:ea typeface="+mn-ea"/>
+                <a:cs typeface="+mn-cs"/>
+              </a:rPr>
+              <a:t>intersection</a:t>
+            </a:r>
+            <a:r>
+              <a:rPr kumimoji="0" lang="ko-KR" altLang="en-US" sz="1200" b="0" i="0" u="none" strike="noStrike" kern="1200" cap="none" spc="0" normalizeH="0" baseline="0" dirty="0">
+                <a:solidFill>
+                  <a:schemeClr val="tx1"/>
+                </a:solidFill>
+                <a:latin typeface="+mn-lt"/>
+                <a:ea typeface="+mn-ea"/>
+                <a:cs typeface="+mn-cs"/>
+              </a:rPr>
+              <a:t>() - 교집합을 만들어 리턴 </a:t>
+            </a:r>
+          </a:p>
+          <a:p>
+            <a:pPr marL="274320" lvl="0" indent="-274320" algn="l" rtl="0" eaLnBrk="1" latinLnBrk="1" hangingPunct="1">
+              <a:lnSpc>
+                <a:spcPct val="100000"/>
+              </a:lnSpc>
+              <a:spcBef>
+                <a:spcPts val="580"/>
+              </a:spcBef>
+              <a:spcAft>
+                <a:spcPts val="0"/>
+              </a:spcAft>
+              <a:buClr>
+                <a:schemeClr val="accent1"/>
+              </a:buClr>
+              <a:buSzPct val="85000"/>
+              <a:buFont typeface="Wingdings 2"/>
+              <a:buChar char=""/>
+              <a:defRPr/>
+            </a:pPr>
+            <a:r>
+              <a:rPr kumimoji="0" lang="ko-KR" altLang="en-US" sz="1200" b="0" i="0" u="none" strike="noStrike" kern="1200" cap="none" spc="0" normalizeH="0" baseline="0" dirty="0" err="1">
+                <a:solidFill>
+                  <a:schemeClr val="tx1"/>
+                </a:solidFill>
+                <a:latin typeface="+mn-lt"/>
+                <a:ea typeface="+mn-ea"/>
+                <a:cs typeface="+mn-cs"/>
+              </a:rPr>
+              <a:t>intersection_update</a:t>
+            </a:r>
+            <a:r>
+              <a:rPr kumimoji="0" lang="ko-KR" altLang="en-US" sz="1200" b="0" i="0" u="none" strike="noStrike" kern="1200" cap="none" spc="0" normalizeH="0" baseline="0" dirty="0">
+                <a:solidFill>
+                  <a:schemeClr val="tx1"/>
+                </a:solidFill>
+                <a:latin typeface="+mn-lt"/>
+                <a:ea typeface="+mn-ea"/>
+                <a:cs typeface="+mn-cs"/>
+              </a:rPr>
+              <a:t>() - 교집합을 만들어 원본 데이터를 갱신</a:t>
+            </a:r>
+          </a:p>
+          <a:p>
+            <a:pPr marL="274320" lvl="0" indent="-274320" algn="l" rtl="0" eaLnBrk="1" latinLnBrk="1" hangingPunct="1">
+              <a:lnSpc>
+                <a:spcPct val="100000"/>
+              </a:lnSpc>
+              <a:spcBef>
+                <a:spcPts val="580"/>
+              </a:spcBef>
+              <a:spcAft>
+                <a:spcPts val="0"/>
+              </a:spcAft>
+              <a:buClr>
+                <a:schemeClr val="accent1"/>
+              </a:buClr>
+              <a:buSzPct val="85000"/>
+              <a:buFont typeface="Wingdings 2"/>
+              <a:buChar char=""/>
+              <a:defRPr/>
+            </a:pPr>
+            <a:r>
+              <a:rPr kumimoji="0" lang="ko-KR" altLang="en-US" sz="1200" b="0" i="0" u="none" strike="noStrike" kern="1200" cap="none" spc="0" normalizeH="0" baseline="0" dirty="0" err="1">
+                <a:solidFill>
+                  <a:schemeClr val="tx1"/>
+                </a:solidFill>
+                <a:latin typeface="+mn-lt"/>
+                <a:ea typeface="+mn-ea"/>
+                <a:cs typeface="+mn-cs"/>
+              </a:rPr>
+              <a:t>symmetric_difference</a:t>
+            </a:r>
+            <a:r>
+              <a:rPr kumimoji="0" lang="ko-KR" altLang="en-US" sz="1200" b="0" i="0" u="none" strike="noStrike" kern="1200" cap="none" spc="0" normalizeH="0" baseline="0" dirty="0">
+                <a:solidFill>
+                  <a:schemeClr val="tx1"/>
+                </a:solidFill>
+                <a:latin typeface="+mn-lt"/>
+                <a:ea typeface="+mn-ea"/>
+                <a:cs typeface="+mn-cs"/>
+              </a:rPr>
+              <a:t>() - 대칭차를 만들어 리턴</a:t>
+            </a:r>
+          </a:p>
+          <a:p>
+            <a:pPr marL="274320" lvl="0" indent="-274320" algn="l" rtl="0" eaLnBrk="1" latinLnBrk="1" hangingPunct="1">
+              <a:lnSpc>
+                <a:spcPct val="100000"/>
+              </a:lnSpc>
+              <a:spcBef>
+                <a:spcPts val="580"/>
+              </a:spcBef>
+              <a:spcAft>
+                <a:spcPts val="0"/>
+              </a:spcAft>
+              <a:buClr>
+                <a:schemeClr val="accent1"/>
+              </a:buClr>
+              <a:buSzPct val="85000"/>
+              <a:buFont typeface="Wingdings 2"/>
+              <a:buChar char=""/>
+              <a:defRPr/>
+            </a:pPr>
+            <a:r>
+              <a:rPr kumimoji="0" lang="ko-KR" altLang="en-US" sz="1200" b="0" i="0" u="none" strike="noStrike" kern="1200" cap="none" spc="0" normalizeH="0" baseline="0" dirty="0" err="1">
+                <a:solidFill>
+                  <a:schemeClr val="tx1"/>
+                </a:solidFill>
+                <a:latin typeface="+mn-lt"/>
+                <a:ea typeface="+mn-ea"/>
+                <a:cs typeface="+mn-cs"/>
+              </a:rPr>
+              <a:t>symmetric_difference_update</a:t>
+            </a:r>
+            <a:r>
+              <a:rPr kumimoji="0" lang="ko-KR" altLang="en-US" sz="1200" b="0" i="0" u="none" strike="noStrike" kern="1200" cap="none" spc="0" normalizeH="0" baseline="0" dirty="0">
+                <a:solidFill>
+                  <a:schemeClr val="tx1"/>
+                </a:solidFill>
+                <a:latin typeface="+mn-lt"/>
+                <a:ea typeface="+mn-ea"/>
+                <a:cs typeface="+mn-cs"/>
+              </a:rPr>
+              <a:t>() - 대칭차를 만들어 원본 데이터를 갱신</a:t>
+            </a:r>
+          </a:p>
+        </p:txBody>
+      </p:sp>
+    </p:spTree>
+  </p:cSld>
+  <p:clrMapOvr>
+    <a:masterClrMapping/>
+  </p:clrMapOvr>
+  <mc:AlternateContent xmlns:mc="http://schemas.openxmlformats.org/markup-compatibility/2006" xmlns:p14="http://schemas.microsoft.com/office/powerpoint/2010/main">
+    <mc:Choice Requires="p14">
+      <p:transition/>
+    </mc:Choice>
+    <mc:Fallback xmlns:dsp="http://schemas.microsoft.com/office/drawing/2008/diagram" xmlns:dgm="http://schemas.openxmlformats.org/drawingml/2006/diagram" xmlns:c="http://schemas.openxmlformats.org/drawingml/2006/chart" xmlns="">
+      <p:transition/>
+    </mc:Fallback>
+  </mc:AlternateContent>
+</p:sld>
+</file>
+
+<file path=ppt/slides/slide11.xml><?xml version="1.0" encoding="utf-8"?>
+<p:sld xmlns:r="http://schemas.openxmlformats.org/officeDocument/2006/relationships" xmlns:c="http://schemas.openxmlformats.org/drawingml/2006/chart" xmlns:a="http://schemas.openxmlformats.org/drawingml/2006/main" xmlns:dgm="http://schemas.openxmlformats.org/drawingml/2006/diagram" xmlns:dsp="http://schemas.microsoft.com/office/drawing/2008/diagram" xmlns:p="http://schemas.openxmlformats.org/presentationml/2006/main">
+  <p:cSld>
+    <p:spTree>
+      <p:nvGrpSpPr>
+        <p:cNvPr id="1" name=""/>
+        <p:cNvGrpSpPr/>
+        <p:nvPr/>
+      </p:nvGrpSpPr>
+      <p:grpSpPr>
+        <a:xfrm>
+          <a:off x="0" y="0"/>
+          <a:ext cx="0" cy="0"/>
+          <a:chOff x="0" y="0"/>
+          <a:chExt cx="0" cy="0"/>
+        </a:xfrm>
+      </p:grpSpPr>
+      <p:sp>
+        <p:nvSpPr>
+          <p:cNvPr id="2" name="제목 1"/>
+          <p:cNvSpPr>
+            <a:spLocks noGrp="1"/>
+          </p:cNvSpPr>
+          <p:nvPr>
+            <p:ph type="title" idx="0"/>
+          </p:nvPr>
+        </p:nvSpPr>
+        <p:spPr/>
+        <p:txBody>
+          <a:bodyPr/>
+          <a:lstStyle/>
+          <a:p>
+            <a:pPr lvl="0">
+              <a:defRPr/>
+            </a:pPr>
+            <a:r>
+              <a:rPr lang="ko-KR" altLang="en-US"/>
+              <a:t>미션</a:t>
+            </a:r>
+            <a:r>
+              <a:rPr lang="en-US" altLang="ko-KR"/>
+              <a:t>!</a:t>
+            </a:r>
+            <a:endParaRPr lang="ko-KR" altLang="en-US"/>
+          </a:p>
+        </p:txBody>
+      </p:sp>
+      <p:sp>
+        <p:nvSpPr>
+          <p:cNvPr id="3" name="내용 개체 틀 2"/>
+          <p:cNvSpPr>
+            <a:spLocks noGrp="1"/>
+          </p:cNvSpPr>
+          <p:nvPr>
+            <p:ph sz="quarter" idx="1"/>
+          </p:nvPr>
+        </p:nvSpPr>
+        <p:spPr>
+          <a:xfrm>
+            <a:off x="914400" y="1447800"/>
+            <a:ext cx="7772400" cy="4933528"/>
+          </a:xfrm>
+        </p:spPr>
+        <p:txBody>
+          <a:bodyPr>
+            <a:normAutofit/>
+          </a:bodyPr>
+          <a:lstStyle/>
+          <a:p>
+            <a:pPr marL="0" indent="0">
+              <a:buNone/>
+              <a:defRPr/>
+            </a:pPr>
+            <a:r>
+              <a:rPr lang="en-US" altLang="ko-KR"/>
+              <a:t>1.</a:t>
+            </a:r>
+            <a:r>
+              <a:rPr lang="ko-KR" altLang="en-US"/>
+              <a:t>   </a:t>
+            </a:r>
+            <a:r>
+              <a:rPr lang="en-US" altLang="ko-KR"/>
+              <a:t>100</a:t>
+            </a:r>
+            <a:r>
+              <a:rPr lang="ko-KR" altLang="en-US"/>
+              <a:t>에서 </a:t>
+            </a:r>
+            <a:r>
+              <a:rPr lang="en-US" altLang="ko-KR"/>
+              <a:t>200</a:t>
+            </a:r>
+            <a:r>
+              <a:rPr lang="ko-KR" altLang="en-US"/>
+              <a:t> 숫자중에서 임이의 값을 받아서 중복되지 않는 </a:t>
+            </a:r>
+            <a:r>
+              <a:rPr lang="en-US" altLang="ko-KR"/>
+              <a:t>10</a:t>
+            </a:r>
+            <a:r>
+              <a:rPr lang="ko-KR" altLang="en-US"/>
+              <a:t>개의 숫자를 출력하세요</a:t>
+            </a:r>
+            <a:r>
+              <a:rPr lang="en-US" altLang="ko-KR"/>
+              <a:t>.</a:t>
+            </a:r>
+            <a:endParaRPr lang="en-US" altLang="ko-KR"/>
+          </a:p>
+          <a:p>
+            <a:pPr marL="0" indent="0">
+              <a:buNone/>
+              <a:defRPr/>
+            </a:pPr>
+            <a:endParaRPr lang="en-US" altLang="ko-KR"/>
+          </a:p>
+        </p:txBody>
+      </p:sp>
+    </p:spTree>
+  </p:cSld>
+  <p:clrMapOvr>
+    <a:masterClrMapping/>
+  </p:clrMapOvr>
+  <mc:AlternateContent xmlns:mc="http://schemas.openxmlformats.org/markup-compatibility/2006">
+    <mc:Choice xmlns:p14="http://schemas.microsoft.com/office/powerpoint/2010/main" Requires="p14">
+      <p:transition xmlns:mc="http://schemas.openxmlformats.org/markup-compatibility/2006" xmlns:p14="http://schemas.microsoft.com/office/powerpoint/2010/main" mc:Ignorable="p14" p14:dur="500"/>
+    </mc:Choice>
+    <mc:Fallback>
+      <p:transition/>
+    </mc:Fallback>
+  </mc:AlternateContent>
+</p:sld>
+</file>
+
 <file path=ppt/slides/slide2.xml><?xml version="1.0" encoding="utf-8"?>
 <p:sld xmlns:a="http://schemas.openxmlformats.org/drawingml/2006/main" xmlns:r="http://schemas.openxmlformats.org/officeDocument/2006/relationships" xmlns:p="http://schemas.openxmlformats.org/presentationml/2006/main">
   <p:cSld>
@@ -3880,7 +5198,7 @@
 </file>
 
 <file path=ppt/slides/slide3.xml><?xml version="1.0" encoding="utf-8"?>
-<p:sld xmlns:a="http://schemas.openxmlformats.org/drawingml/2006/main" xmlns:r="http://schemas.openxmlformats.org/officeDocument/2006/relationships" xmlns:p="http://schemas.openxmlformats.org/presentationml/2006/main">
+<p:sld xmlns:r="http://schemas.openxmlformats.org/officeDocument/2006/relationships" xmlns:c="http://schemas.openxmlformats.org/drawingml/2006/chart" xmlns:a="http://schemas.openxmlformats.org/drawingml/2006/main" xmlns:dgm="http://schemas.openxmlformats.org/drawingml/2006/diagram" xmlns:dsp="http://schemas.microsoft.com/office/drawing/2008/diagram" xmlns:p="http://schemas.openxmlformats.org/presentationml/2006/main">
   <p:cSld>
     <p:spTree>
       <p:nvGrpSpPr>
@@ -3903,7 +5221,7 @@
             <a:spLocks noGrp="1"/>
           </p:cNvSpPr>
           <p:nvPr>
-            <p:ph type="title"/>
+            <p:ph type="title" idx="0"/>
           </p:nvPr>
         </p:nvSpPr>
         <p:spPr/>
@@ -3926,6 +5244,7 @@
               <a:rPr lang="en-US" altLang="ko-KR"/>
               <a:t>?</a:t>
             </a:r>
+            <a:endParaRPr lang="en-US" altLang="ko-KR"/>
           </a:p>
         </p:txBody>
       </p:sp>
@@ -3953,37 +5272,10 @@
               <a:defRPr/>
             </a:pPr>
             <a:r>
-              <a:rPr lang="ko-KR" altLang="en-US" sz="2000" dirty="0" err="1"/>
-              <a:t>dictionary는</a:t>
-            </a:r>
-            <a:r>
-              <a:rPr lang="ko-KR" altLang="en-US" sz="2000" dirty="0"/>
-              <a:t> "키(</a:t>
-            </a:r>
-            <a:r>
-              <a:rPr lang="ko-KR" altLang="en-US" sz="2000" dirty="0" err="1"/>
-              <a:t>Key</a:t>
-            </a:r>
-            <a:r>
-              <a:rPr lang="ko-KR" altLang="en-US" sz="2000" dirty="0"/>
-              <a:t>)/값(</a:t>
-            </a:r>
-            <a:r>
-              <a:rPr lang="ko-KR" altLang="en-US" sz="2000" dirty="0" err="1"/>
-              <a:t>Value</a:t>
-            </a:r>
-            <a:r>
-              <a:rPr lang="ko-KR" altLang="en-US" sz="2000" dirty="0"/>
-              <a:t>)" 쌍을 요소로 갖는 </a:t>
-            </a:r>
-            <a:r>
-              <a:rPr lang="ko-KR" altLang="en-US" sz="2000" dirty="0" err="1"/>
-              <a:t>자료형입니다</a:t>
-            </a:r>
-            <a:r>
-              <a:rPr lang="ko-KR" altLang="en-US" sz="2000" dirty="0"/>
-              <a:t> </a:t>
-            </a:r>
+              <a:rPr lang="ko-KR" altLang="en-US" sz="2000"/>
+              <a:t>dictionary는 "키(Key)/값(Value)" 쌍을 요소로 갖는 자료형입니다 </a:t>
+            </a:r>
+            <a:endParaRPr lang="ko-KR" altLang="en-US" sz="2000"/>
           </a:p>
           <a:p>
             <a:pPr>
@@ -3993,17 +5285,18 @@
               <a:defRPr/>
             </a:pPr>
             <a:r>
-              <a:rPr lang="en-US" altLang="ko-KR" sz="2000" dirty="0"/>
+              <a:rPr lang="en-US" altLang="ko-KR" sz="2000"/>
               <a:t>dictionary</a:t>
             </a:r>
             <a:r>
-              <a:rPr lang="ko-KR" altLang="en-US" sz="2000" dirty="0"/>
+              <a:rPr lang="ko-KR" altLang="en-US" sz="2000"/>
               <a:t> 안의 요소들은 순서가 정해지지 않습니다</a:t>
             </a:r>
             <a:r>
-              <a:rPr lang="en-US" altLang="ko-KR" sz="2000" dirty="0"/>
+              <a:rPr lang="en-US" altLang="ko-KR" sz="2000"/>
               <a:t>.</a:t>
             </a:r>
+            <a:endParaRPr lang="en-US" altLang="ko-KR" sz="2000"/>
           </a:p>
           <a:p>
             <a:pPr>
@@ -4012,7 +5305,7 @@
               </a:spcAft>
               <a:defRPr/>
             </a:pPr>
-            <a:endParaRPr lang="ko-KR" altLang="en-US" sz="2000" dirty="0"/>
+            <a:endParaRPr lang="ko-KR" altLang="en-US" sz="2000"/>
           </a:p>
           <a:p>
             <a:pPr marL="0" indent="0">
@@ -4023,13 +5316,14 @@
               <a:defRPr/>
             </a:pPr>
             <a:r>
-              <a:rPr lang="ko-KR" altLang="en-US" sz="2000" dirty="0"/>
+              <a:rPr lang="ko-KR" altLang="en-US" sz="2000"/>
               <a:t>실행해 보세요</a:t>
             </a:r>
             <a:r>
-              <a:rPr lang="en-US" altLang="ko-KR" sz="2000" dirty="0"/>
+              <a:rPr lang="en-US" altLang="ko-KR" sz="2000"/>
               <a:t>.</a:t>
             </a:r>
+            <a:endParaRPr lang="en-US" altLang="ko-KR" sz="2000"/>
           </a:p>
           <a:p>
             <a:pPr marL="0" indent="0">
@@ -4039,7 +5333,7 @@
               <a:buNone/>
               <a:defRPr/>
             </a:pPr>
-            <a:endParaRPr lang="en-US" altLang="ko-KR" sz="2000" dirty="0"/>
+            <a:endParaRPr lang="en-US" altLang="ko-KR" sz="2000"/>
           </a:p>
           <a:p>
             <a:pPr marL="0" indent="0">
@@ -4049,7 +5343,7 @@
               <a:buNone/>
               <a:defRPr/>
             </a:pPr>
-            <a:endParaRPr lang="ko-KR" altLang="en-US" sz="2000" dirty="0"/>
+            <a:endParaRPr lang="ko-KR" altLang="en-US" sz="2000"/>
           </a:p>
           <a:p>
             <a:pPr marL="0" indent="0">
@@ -4059,7 +5353,7 @@
               <a:buNone/>
               <a:defRPr/>
             </a:pPr>
-            <a:endParaRPr lang="en-US" altLang="ko-KR" sz="2000" dirty="0"/>
+            <a:endParaRPr lang="en-US" altLang="ko-KR" sz="2000"/>
           </a:p>
           <a:p>
             <a:pPr>
@@ -4068,7 +5362,7 @@
               </a:spcAft>
               <a:defRPr/>
             </a:pPr>
-            <a:endParaRPr lang="en-US" altLang="ko-KR" sz="2000" dirty="0"/>
+            <a:endParaRPr lang="en-US" altLang="ko-KR" sz="2000"/>
           </a:p>
           <a:p>
             <a:pPr marL="0" indent="0">
@@ -4078,7 +5372,7 @@
               <a:buNone/>
               <a:defRPr/>
             </a:pPr>
-            <a:endParaRPr lang="ko-KR" altLang="en-US" sz="2000" dirty="0"/>
+            <a:endParaRPr lang="ko-KR" altLang="en-US" sz="2000"/>
           </a:p>
           <a:p>
             <a:pPr marL="0" indent="0">
@@ -4088,7 +5382,7 @@
               <a:buNone/>
               <a:defRPr/>
             </a:pPr>
-            <a:endParaRPr lang="ko-KR" altLang="en-US" sz="2000" dirty="0"/>
+            <a:endParaRPr lang="ko-KR" altLang="en-US" sz="2000"/>
           </a:p>
           <a:p>
             <a:pPr marL="0" indent="0">
@@ -4098,7 +5392,7 @@
               <a:buNone/>
               <a:defRPr/>
             </a:pPr>
-            <a:endParaRPr lang="ko-KR" altLang="en-US" sz="2000" dirty="0"/>
+            <a:endParaRPr lang="ko-KR" altLang="en-US" sz="2000"/>
           </a:p>
           <a:p>
             <a:pPr>
@@ -4107,7 +5401,7 @@
               </a:spcAft>
               <a:defRPr/>
             </a:pPr>
-            <a:endParaRPr lang="ko-KR" altLang="en-US" sz="2000" dirty="0"/>
+            <a:endParaRPr lang="ko-KR" altLang="en-US" sz="2000"/>
           </a:p>
         </p:txBody>
       </p:sp>
@@ -4313,6 +5607,206 @@
       </p:sp>
       <p:pic>
         <p:nvPicPr>
+          <p:cNvPr id="1033" name=""/>
+          <p:cNvPicPr>
+            <a:picLocks noChangeAspect="1"/>
+          </p:cNvPicPr>
+          <p:nvPr/>
+        </p:nvPicPr>
+        <p:blipFill rotWithShape="1">
+          <a:blip r:embed="rId2"/>
+          <a:stretch>
+            <a:fillRect/>
+          </a:stretch>
+        </p:blipFill>
+        <p:spPr>
+          <a:xfrm>
+            <a:off x="971600" y="3140968"/>
+            <a:ext cx="3384376" cy="3132992"/>
+          </a:xfrm>
+          <a:prstGeom prst="rect">
+            <a:avLst/>
+          </a:prstGeom>
+        </p:spPr>
+      </p:pic>
+      <p:pic>
+        <p:nvPicPr>
+          <p:cNvPr id="1034" name=""/>
+          <p:cNvPicPr>
+            <a:picLocks noChangeAspect="1"/>
+          </p:cNvPicPr>
+          <p:nvPr/>
+        </p:nvPicPr>
+        <p:blipFill rotWithShape="1">
+          <a:blip r:embed="rId3"/>
+          <a:stretch>
+            <a:fillRect/>
+          </a:stretch>
+        </p:blipFill>
+        <p:spPr>
+          <a:xfrm>
+            <a:off x="4499992" y="3153505"/>
+            <a:ext cx="3274640" cy="3443847"/>
+          </a:xfrm>
+          <a:prstGeom prst="rect">
+            <a:avLst/>
+          </a:prstGeom>
+        </p:spPr>
+      </p:pic>
+    </p:spTree>
+  </p:cSld>
+  <p:clrMapOvr>
+    <a:masterClrMapping/>
+  </p:clrMapOvr>
+  <mc:AlternateContent xmlns:mc="http://schemas.openxmlformats.org/markup-compatibility/2006">
+    <mc:Choice xmlns:p14="http://schemas.microsoft.com/office/powerpoint/2010/main" Requires="p14">
+      <p:transition xmlns:mc="http://schemas.openxmlformats.org/markup-compatibility/2006" xmlns:p14="http://schemas.microsoft.com/office/powerpoint/2010/main" mc:Ignorable="p14" p14:dur="500"/>
+    </mc:Choice>
+    <mc:Fallback>
+      <p:transition/>
+    </mc:Fallback>
+  </mc:AlternateContent>
+</p:sld>
+</file>
+
+<file path=ppt/slides/slide4.xml><?xml version="1.0" encoding="utf-8"?>
+<p:sld xmlns:r="http://schemas.openxmlformats.org/officeDocument/2006/relationships" xmlns:c="http://schemas.openxmlformats.org/drawingml/2006/chart" xmlns:a="http://schemas.openxmlformats.org/drawingml/2006/main" xmlns:dgm="http://schemas.openxmlformats.org/drawingml/2006/diagram" xmlns:dsp="http://schemas.microsoft.com/office/drawing/2008/diagram" xmlns:p="http://schemas.openxmlformats.org/presentationml/2006/main">
+  <p:cSld>
+    <p:spTree>
+      <p:nvGrpSpPr>
+        <p:cNvPr id="1" name=""/>
+        <p:cNvGrpSpPr/>
+        <p:nvPr/>
+      </p:nvGrpSpPr>
+      <p:grpSpPr>
+        <a:xfrm>
+          <a:off x="0" y="0"/>
+          <a:ext cx="0" cy="0"/>
+          <a:chOff x="0" y="0"/>
+          <a:chExt cx="0" cy="0"/>
+        </a:xfrm>
+      </p:grpSpPr>
+      <p:sp>
+        <p:nvSpPr>
+          <p:cNvPr id="3" name="내용 개체 틀 2"/>
+          <p:cNvSpPr>
+            <a:spLocks noGrp="1"/>
+          </p:cNvSpPr>
+          <p:nvPr>
+            <p:ph sz="quarter" idx="1"/>
+          </p:nvPr>
+        </p:nvSpPr>
+        <p:spPr>
+          <a:xfrm>
+            <a:off x="760040" y="153144"/>
+            <a:ext cx="7772400" cy="4572000"/>
+          </a:xfrm>
+        </p:spPr>
+        <p:txBody>
+          <a:bodyPr>
+            <a:normAutofit/>
+          </a:bodyPr>
+          <a:lstStyle/>
+          <a:p>
+            <a:pPr marL="0" indent="0">
+              <a:spcAft>
+                <a:spcPts val="600"/>
+              </a:spcAft>
+              <a:buNone/>
+              <a:defRPr/>
+            </a:pPr>
+            <a:r>
+              <a:rPr lang="ko-KR" altLang="en-US" sz="2000"/>
+              <a:t>실행해 보세요</a:t>
+            </a:r>
+            <a:r>
+              <a:rPr lang="en-US" altLang="ko-KR" sz="2000"/>
+              <a:t>.</a:t>
+            </a:r>
+            <a:endParaRPr lang="en-US" altLang="ko-KR" sz="2000"/>
+          </a:p>
+          <a:p>
+            <a:pPr marL="0" indent="0">
+              <a:spcAft>
+                <a:spcPts val="600"/>
+              </a:spcAft>
+              <a:buNone/>
+              <a:defRPr/>
+            </a:pPr>
+            <a:endParaRPr lang="en-US" altLang="ko-KR" sz="2000"/>
+          </a:p>
+          <a:p>
+            <a:pPr marL="0" indent="0">
+              <a:spcAft>
+                <a:spcPts val="600"/>
+              </a:spcAft>
+              <a:buNone/>
+              <a:defRPr/>
+            </a:pPr>
+            <a:endParaRPr lang="ko-KR" altLang="en-US" sz="2000"/>
+          </a:p>
+          <a:p>
+            <a:pPr marL="0" indent="0">
+              <a:spcAft>
+                <a:spcPts val="600"/>
+              </a:spcAft>
+              <a:buNone/>
+              <a:defRPr/>
+            </a:pPr>
+            <a:endParaRPr lang="en-US" altLang="ko-KR" sz="2000"/>
+          </a:p>
+          <a:p>
+            <a:pPr>
+              <a:spcAft>
+                <a:spcPts val="600"/>
+              </a:spcAft>
+              <a:defRPr/>
+            </a:pPr>
+            <a:endParaRPr lang="en-US" altLang="ko-KR" sz="2000"/>
+          </a:p>
+          <a:p>
+            <a:pPr marL="0" indent="0">
+              <a:spcAft>
+                <a:spcPts val="600"/>
+              </a:spcAft>
+              <a:buNone/>
+              <a:defRPr/>
+            </a:pPr>
+            <a:endParaRPr lang="ko-KR" altLang="en-US" sz="2000"/>
+          </a:p>
+          <a:p>
+            <a:pPr marL="0" indent="0">
+              <a:spcAft>
+                <a:spcPts val="600"/>
+              </a:spcAft>
+              <a:buNone/>
+              <a:defRPr/>
+            </a:pPr>
+            <a:endParaRPr lang="ko-KR" altLang="en-US" sz="2000"/>
+          </a:p>
+          <a:p>
+            <a:pPr marL="0" indent="0">
+              <a:spcAft>
+                <a:spcPts val="600"/>
+              </a:spcAft>
+              <a:buNone/>
+              <a:defRPr/>
+            </a:pPr>
+            <a:endParaRPr lang="ko-KR" altLang="en-US" sz="2000"/>
+          </a:p>
+          <a:p>
+            <a:pPr>
+              <a:spcAft>
+                <a:spcPts val="600"/>
+              </a:spcAft>
+              <a:defRPr/>
+            </a:pPr>
+            <a:endParaRPr lang="ko-KR" altLang="en-US" sz="2000"/>
+          </a:p>
+        </p:txBody>
+      </p:sp>
+      <p:pic>
+        <p:nvPicPr>
           <p:cNvPr id="1031" name="그림 1030"/>
           <p:cNvPicPr>
             <a:picLocks noChangeAspect="1"/>
@@ -4327,7 +5821,7 @@
         </p:blipFill>
         <p:spPr>
           <a:xfrm>
-            <a:off x="107504" y="3284984"/>
+            <a:off x="817047" y="764705"/>
             <a:ext cx="5195113" cy="2448271"/>
           </a:xfrm>
           <a:prstGeom prst="rect">
@@ -4351,7 +5845,7 @@
         </p:blipFill>
         <p:spPr>
           <a:xfrm>
-            <a:off x="2987824" y="4894041"/>
+            <a:off x="782202" y="3429000"/>
             <a:ext cx="6094054" cy="1775318"/>
           </a:xfrm>
           <a:prstGeom prst="rect">
@@ -4364,18 +5858,18 @@
   <p:clrMapOvr>
     <a:masterClrMapping/>
   </p:clrMapOvr>
-  <mc:AlternateContent xmlns:mc="http://schemas.openxmlformats.org/markup-compatibility/2006" xmlns:p14="http://schemas.microsoft.com/office/powerpoint/2010/main">
-    <mc:Choice Requires="p14">
-      <p:transition/>
+  <mc:AlternateContent xmlns:mc="http://schemas.openxmlformats.org/markup-compatibility/2006">
+    <mc:Choice xmlns:p14="http://schemas.microsoft.com/office/powerpoint/2010/main" Requires="p14">
+      <p:transition xmlns:mc="http://schemas.openxmlformats.org/markup-compatibility/2006" xmlns:p14="http://schemas.microsoft.com/office/powerpoint/2010/main" mc:Ignorable="p14" p14:dur="500"/>
     </mc:Choice>
-    <mc:Fallback xmlns:dsp="http://schemas.microsoft.com/office/drawing/2008/diagram" xmlns:dgm="http://schemas.openxmlformats.org/drawingml/2006/diagram" xmlns:c="http://schemas.openxmlformats.org/drawingml/2006/chart" xmlns="">
+    <mc:Fallback>
       <p:transition/>
     </mc:Fallback>
   </mc:AlternateContent>
 </p:sld>
 </file>
 
-<file path=ppt/slides/slide4.xml><?xml version="1.0" encoding="utf-8"?>
+<file path=ppt/slides/slide5.xml><?xml version="1.0" encoding="utf-8"?>
 <p:sld xmlns:a="http://schemas.openxmlformats.org/drawingml/2006/main" xmlns:r="http://schemas.openxmlformats.org/officeDocument/2006/relationships" xmlns:p="http://schemas.openxmlformats.org/presentationml/2006/main">
   <p:cSld>
     <p:spTree>
@@ -4466,8 +5960,8 @@
 </p:sld>
 </file>
 
-<file path=ppt/slides/slide5.xml><?xml version="1.0" encoding="utf-8"?>
-<p:sld xmlns:a="http://schemas.openxmlformats.org/drawingml/2006/main" xmlns:r="http://schemas.openxmlformats.org/officeDocument/2006/relationships" xmlns:p="http://schemas.openxmlformats.org/presentationml/2006/main">
+<file path=ppt/slides/slide6.xml><?xml version="1.0" encoding="utf-8"?>
+<p:sld xmlns:r="http://schemas.openxmlformats.org/officeDocument/2006/relationships" xmlns:c="http://schemas.openxmlformats.org/drawingml/2006/chart" xmlns:a="http://schemas.openxmlformats.org/drawingml/2006/main" xmlns:dgm="http://schemas.openxmlformats.org/drawingml/2006/diagram" xmlns:dsp="http://schemas.microsoft.com/office/drawing/2008/diagram" xmlns:p="http://schemas.openxmlformats.org/presentationml/2006/main">
   <p:cSld>
     <p:spTree>
       <p:nvGrpSpPr>
@@ -4490,7 +5984,7 @@
             <a:spLocks noGrp="1"/>
           </p:cNvSpPr>
           <p:nvPr>
-            <p:ph type="title"/>
+            <p:ph type="title" idx="0"/>
           </p:nvPr>
         </p:nvSpPr>
         <p:spPr/>
@@ -4513,6 +6007,7 @@
               <a:rPr lang="en-US" altLang="ko-KR"/>
               <a:t>?</a:t>
             </a:r>
+            <a:endParaRPr lang="en-US" altLang="ko-KR"/>
           </a:p>
         </p:txBody>
       </p:sp>
@@ -4534,149 +6029,76 @@
             <a:pPr lvl="0">
               <a:defRPr/>
             </a:pPr>
-            <a:endParaRPr lang="ko-KR" altLang="en-US" dirty="0"/>
+            <a:endParaRPr lang="ko-KR" altLang="en-US"/>
           </a:p>
           <a:p>
             <a:pPr lvl="0">
               <a:defRPr/>
             </a:pPr>
             <a:r>
-              <a:rPr lang="en-US" altLang="ko-KR" dirty="0"/>
-              <a:t>tuple </a:t>
-            </a:r>
-            <a:r>
-              <a:rPr lang="en-US" altLang="ko-KR" dirty="0" err="1"/>
-              <a:t>자료형은</a:t>
-            </a:r>
-            <a:r>
-              <a:rPr lang="en-US" altLang="ko-KR" dirty="0"/>
-              <a:t> </a:t>
-            </a:r>
-            <a:r>
-              <a:rPr lang="en-US" altLang="ko-KR" dirty="0" err="1"/>
-              <a:t>데이터의</a:t>
-            </a:r>
-            <a:r>
-              <a:rPr lang="en-US" altLang="ko-KR" dirty="0"/>
-              <a:t> </a:t>
-            </a:r>
-            <a:r>
-              <a:rPr lang="en-US" altLang="ko-KR" dirty="0" err="1"/>
-              <a:t>목록이라고</a:t>
-            </a:r>
-            <a:r>
-              <a:rPr lang="en-US" altLang="ko-KR" dirty="0"/>
-              <a:t> </a:t>
-            </a:r>
-            <a:r>
-              <a:rPr lang="en-US" altLang="ko-KR" dirty="0" err="1"/>
-              <a:t>보면</a:t>
-            </a:r>
-            <a:r>
-              <a:rPr lang="en-US" altLang="ko-KR" dirty="0"/>
-              <a:t> </a:t>
-            </a:r>
-            <a:r>
-              <a:rPr lang="en-US" altLang="ko-KR" dirty="0" err="1"/>
-              <a:t>됩니다</a:t>
-            </a:r>
-            <a:r>
-              <a:rPr lang="en-US" altLang="ko-KR" dirty="0"/>
-              <a:t>.</a:t>
-            </a:r>
+              <a:rPr lang="en-US" altLang="ko-KR"/>
+              <a:t>tuple 자료형은 데이터의 목록이라고 보면 됩니다.</a:t>
+            </a:r>
+            <a:endParaRPr lang="en-US" altLang="ko-KR"/>
           </a:p>
           <a:p>
             <a:pPr lvl="0">
               <a:defRPr/>
             </a:pPr>
             <a:r>
-              <a:rPr lang="en-US" altLang="ko-KR" dirty="0" err="1"/>
-              <a:t>콤마</a:t>
-            </a:r>
-            <a:r>
-              <a:rPr lang="en-US" altLang="ko-KR" dirty="0"/>
-              <a:t>(,)로 </a:t>
-            </a:r>
-            <a:r>
-              <a:rPr lang="en-US" altLang="ko-KR" dirty="0" err="1"/>
-              <a:t>데이터를</a:t>
-            </a:r>
-            <a:r>
-              <a:rPr lang="en-US" altLang="ko-KR" dirty="0"/>
-              <a:t> </a:t>
-            </a:r>
-            <a:r>
-              <a:rPr lang="en-US" altLang="ko-KR" dirty="0" err="1"/>
-              <a:t>나열하면</a:t>
-            </a:r>
-            <a:r>
-              <a:rPr lang="en-US" altLang="ko-KR" dirty="0"/>
-              <a:t> </a:t>
-            </a:r>
-            <a:r>
-              <a:rPr lang="en-US" altLang="ko-KR" dirty="0" err="1"/>
-              <a:t>tuple입니다</a:t>
-            </a:r>
-            <a:r>
-              <a:rPr lang="en-US" altLang="ko-KR" dirty="0"/>
-              <a:t>.</a:t>
-            </a:r>
+              <a:rPr lang="en-US" altLang="ko-KR"/>
+              <a:t>콤마(,)로 데이터를 나열하면 tuple입니다.</a:t>
+            </a:r>
+            <a:endParaRPr lang="en-US" altLang="ko-KR"/>
           </a:p>
           <a:p>
             <a:pPr lvl="0">
               <a:defRPr/>
             </a:pPr>
             <a:r>
-              <a:rPr lang="en-US" altLang="ko-KR" dirty="0" err="1"/>
-              <a:t>괄호</a:t>
-            </a:r>
-            <a:r>
-              <a:rPr lang="en-US" altLang="ko-KR" dirty="0"/>
-              <a:t>()</a:t>
-            </a:r>
-            <a:r>
-              <a:rPr lang="en-US" altLang="ko-KR" dirty="0" err="1"/>
-              <a:t>안에</a:t>
-            </a:r>
-            <a:r>
-              <a:rPr lang="en-US" altLang="ko-KR" dirty="0"/>
-              <a:t> ,로 </a:t>
-            </a:r>
-            <a:r>
-              <a:rPr lang="en-US" altLang="ko-KR" dirty="0" err="1"/>
-              <a:t>나열해도</a:t>
-            </a:r>
-            <a:r>
-              <a:rPr lang="en-US" altLang="ko-KR" dirty="0"/>
-              <a:t> </a:t>
-            </a:r>
-            <a:r>
-              <a:rPr lang="en-US" altLang="ko-KR" dirty="0" err="1"/>
-              <a:t>tuple입니다</a:t>
-            </a:r>
-            <a:r>
-              <a:rPr lang="en-US" altLang="ko-KR" dirty="0"/>
-              <a:t>.</a:t>
-            </a:r>
+              <a:rPr lang="en-US" altLang="ko-KR"/>
+              <a:t>괄호()안에 ,로 나열해도 tuple입니다.</a:t>
+            </a:r>
+            <a:endParaRPr lang="en-US" altLang="ko-KR"/>
           </a:p>
           <a:p>
             <a:pPr lvl="0">
               <a:defRPr/>
             </a:pPr>
-            <a:endParaRPr lang="en-US" altLang="ko-KR" dirty="0"/>
+            <a:r>
+              <a:rPr lang="en-US" altLang="ko-KR"/>
+              <a:t>tuple의 요소 값 변경이 불가합니다.</a:t>
+            </a:r>
+            <a:endParaRPr lang="en-US" altLang="ko-KR"/>
+          </a:p>
+          <a:p>
+            <a:pPr lvl="0">
+              <a:defRPr/>
+            </a:pPr>
+            <a:r>
+              <a:rPr lang="en-US" altLang="ko-KR"/>
+              <a:t>tuple의 요소 삭제가 불가합니다.</a:t>
+            </a:r>
+            <a:endParaRPr lang="en-US" altLang="ko-KR"/>
+          </a:p>
+          <a:p>
+            <a:pPr lvl="0">
+              <a:defRPr/>
+            </a:pPr>
+            <a:endParaRPr lang="en-US" altLang="ko-KR"/>
           </a:p>
           <a:p>
             <a:pPr marL="0" indent="0">
               <a:buNone/>
               <a:defRPr/>
             </a:pPr>
-            <a:endParaRPr lang="en-US" altLang="ko-KR" dirty="0"/>
+            <a:endParaRPr lang="en-US" altLang="ko-KR"/>
           </a:p>
           <a:p>
             <a:pPr lvl="0">
               <a:defRPr/>
             </a:pPr>
-            <a:endParaRPr lang="ko-KR" altLang="en-US" dirty="0"/>
+            <a:endParaRPr lang="ko-KR" altLang="en-US"/>
           </a:p>
         </p:txBody>
       </p:sp>
@@ -4685,18 +6107,194 @@
   <p:clrMapOvr>
     <a:masterClrMapping/>
   </p:clrMapOvr>
-  <mc:AlternateContent xmlns:mc="http://schemas.openxmlformats.org/markup-compatibility/2006" xmlns:p14="http://schemas.microsoft.com/office/powerpoint/2010/main">
-    <mc:Choice Requires="p14">
-      <p:transition/>
+  <mc:AlternateContent xmlns:mc="http://schemas.openxmlformats.org/markup-compatibility/2006">
+    <mc:Choice xmlns:p14="http://schemas.microsoft.com/office/powerpoint/2010/main" Requires="p14">
+      <p:transition xmlns:mc="http://schemas.openxmlformats.org/markup-compatibility/2006" xmlns:p14="http://schemas.microsoft.com/office/powerpoint/2010/main" mc:Ignorable="p14" p14:dur="500"/>
     </mc:Choice>
-    <mc:Fallback xmlns:dsp="http://schemas.microsoft.com/office/drawing/2008/diagram" xmlns:dgm="http://schemas.openxmlformats.org/drawingml/2006/diagram" xmlns:c="http://schemas.openxmlformats.org/drawingml/2006/chart" xmlns="">
+    <mc:Fallback>
       <p:transition/>
     </mc:Fallback>
   </mc:AlternateContent>
 </p:sld>
 </file>
 
-<file path=ppt/slides/slide6.xml><?xml version="1.0" encoding="utf-8"?>
+<file path=ppt/slides/slide7.xml><?xml version="1.0" encoding="utf-8"?>
+<p:sld xmlns:r="http://schemas.openxmlformats.org/officeDocument/2006/relationships" xmlns:c="http://schemas.openxmlformats.org/drawingml/2006/chart" xmlns:a="http://schemas.openxmlformats.org/drawingml/2006/main" xmlns:dgm="http://schemas.openxmlformats.org/drawingml/2006/diagram" xmlns:dsp="http://schemas.microsoft.com/office/drawing/2008/diagram" xmlns:p="http://schemas.openxmlformats.org/presentationml/2006/main">
+  <p:cSld>
+    <p:spTree>
+      <p:nvGrpSpPr>
+        <p:cNvPr id="1" name=""/>
+        <p:cNvGrpSpPr/>
+        <p:nvPr/>
+      </p:nvGrpSpPr>
+      <p:grpSpPr>
+        <a:xfrm>
+          <a:off x="0" y="0"/>
+          <a:ext cx="0" cy="0"/>
+          <a:chOff x="0" y="0"/>
+          <a:chExt cx="0" cy="0"/>
+        </a:xfrm>
+      </p:grpSpPr>
+      <p:sp>
+        <p:nvSpPr>
+          <p:cNvPr id="3" name="내용 개체 틀 2"/>
+          <p:cNvSpPr>
+            <a:spLocks noGrp="1"/>
+          </p:cNvSpPr>
+          <p:nvPr>
+            <p:ph sz="quarter" idx="1"/>
+          </p:nvPr>
+        </p:nvSpPr>
+        <p:spPr>
+          <a:xfrm>
+            <a:off x="760040" y="153144"/>
+            <a:ext cx="7772400" cy="4572000"/>
+          </a:xfrm>
+        </p:spPr>
+        <p:txBody>
+          <a:bodyPr>
+            <a:normAutofit/>
+          </a:bodyPr>
+          <a:lstStyle/>
+          <a:p>
+            <a:pPr marL="0" indent="0">
+              <a:spcAft>
+                <a:spcPts val="600"/>
+              </a:spcAft>
+              <a:buNone/>
+              <a:defRPr/>
+            </a:pPr>
+            <a:r>
+              <a:rPr lang="ko-KR" altLang="en-US" sz="2000"/>
+              <a:t>실행해 보세요</a:t>
+            </a:r>
+            <a:r>
+              <a:rPr lang="en-US" altLang="ko-KR" sz="2000"/>
+              <a:t>.</a:t>
+            </a:r>
+            <a:endParaRPr lang="en-US" altLang="ko-KR" sz="2000"/>
+          </a:p>
+          <a:p>
+            <a:pPr marL="0" indent="0">
+              <a:spcAft>
+                <a:spcPts val="600"/>
+              </a:spcAft>
+              <a:buNone/>
+              <a:defRPr/>
+            </a:pPr>
+            <a:endParaRPr lang="en-US" altLang="ko-KR" sz="2000"/>
+          </a:p>
+          <a:p>
+            <a:pPr marL="0" indent="0">
+              <a:spcAft>
+                <a:spcPts val="600"/>
+              </a:spcAft>
+              <a:buNone/>
+              <a:defRPr/>
+            </a:pPr>
+            <a:endParaRPr lang="ko-KR" altLang="en-US" sz="2000"/>
+          </a:p>
+          <a:p>
+            <a:pPr marL="0" indent="0">
+              <a:spcAft>
+                <a:spcPts val="600"/>
+              </a:spcAft>
+              <a:buNone/>
+              <a:defRPr/>
+            </a:pPr>
+            <a:endParaRPr lang="en-US" altLang="ko-KR" sz="2000"/>
+          </a:p>
+          <a:p>
+            <a:pPr>
+              <a:spcAft>
+                <a:spcPts val="600"/>
+              </a:spcAft>
+              <a:defRPr/>
+            </a:pPr>
+            <a:endParaRPr lang="en-US" altLang="ko-KR" sz="2000"/>
+          </a:p>
+          <a:p>
+            <a:pPr marL="0" indent="0">
+              <a:spcAft>
+                <a:spcPts val="600"/>
+              </a:spcAft>
+              <a:buNone/>
+              <a:defRPr/>
+            </a:pPr>
+            <a:endParaRPr lang="ko-KR" altLang="en-US" sz="2000"/>
+          </a:p>
+          <a:p>
+            <a:pPr marL="0" indent="0">
+              <a:spcAft>
+                <a:spcPts val="600"/>
+              </a:spcAft>
+              <a:buNone/>
+              <a:defRPr/>
+            </a:pPr>
+            <a:endParaRPr lang="ko-KR" altLang="en-US" sz="2000"/>
+          </a:p>
+          <a:p>
+            <a:pPr marL="0" indent="0">
+              <a:spcAft>
+                <a:spcPts val="600"/>
+              </a:spcAft>
+              <a:buNone/>
+              <a:defRPr/>
+            </a:pPr>
+            <a:endParaRPr lang="ko-KR" altLang="en-US" sz="2000"/>
+          </a:p>
+          <a:p>
+            <a:pPr>
+              <a:spcAft>
+                <a:spcPts val="600"/>
+              </a:spcAft>
+              <a:defRPr/>
+            </a:pPr>
+            <a:endParaRPr lang="ko-KR" altLang="en-US" sz="2000"/>
+          </a:p>
+        </p:txBody>
+      </p:sp>
+      <p:pic>
+        <p:nvPicPr>
+          <p:cNvPr id="1034" name=""/>
+          <p:cNvPicPr>
+            <a:picLocks noChangeAspect="1"/>
+          </p:cNvPicPr>
+          <p:nvPr/>
+        </p:nvPicPr>
+        <p:blipFill rotWithShape="1">
+          <a:blip r:embed="rId2"/>
+          <a:stretch>
+            <a:fillRect/>
+          </a:stretch>
+        </p:blipFill>
+        <p:spPr>
+          <a:xfrm>
+            <a:off x="700691" y="722766"/>
+            <a:ext cx="4519380" cy="5412467"/>
+          </a:xfrm>
+          <a:prstGeom prst="rect">
+            <a:avLst/>
+          </a:prstGeom>
+        </p:spPr>
+      </p:pic>
+    </p:spTree>
+  </p:cSld>
+  <p:clrMapOvr>
+    <a:masterClrMapping/>
+  </p:clrMapOvr>
+  <mc:AlternateContent xmlns:mc="http://schemas.openxmlformats.org/markup-compatibility/2006">
+    <mc:Choice xmlns:p14="http://schemas.microsoft.com/office/powerpoint/2010/main" Requires="p14">
+      <p:transition xmlns:mc="http://schemas.openxmlformats.org/markup-compatibility/2006" xmlns:p14="http://schemas.microsoft.com/office/powerpoint/2010/main" mc:Ignorable="p14" p14:dur="500"/>
+    </mc:Choice>
+    <mc:Fallback>
+      <p:transition/>
+    </mc:Fallback>
+  </mc:AlternateContent>
+</p:sld>
+</file>
+
+<file path=ppt/slides/slide8.xml><?xml version="1.0" encoding="utf-8"?>
 <p:sld xmlns:a="http://schemas.openxmlformats.org/drawingml/2006/main" xmlns:r="http://schemas.openxmlformats.org/officeDocument/2006/relationships" xmlns:p="http://schemas.openxmlformats.org/presentationml/2006/main">
   <p:cSld>
     <p:spTree>
@@ -4778,8 +6376,8 @@
 </p:sld>
 </file>
 
-<file path=ppt/slides/slide7.xml><?xml version="1.0" encoding="utf-8"?>
-<p:sld xmlns:a="http://schemas.openxmlformats.org/drawingml/2006/main" xmlns:r="http://schemas.openxmlformats.org/officeDocument/2006/relationships" xmlns:p="http://schemas.openxmlformats.org/presentationml/2006/main">
+<file path=ppt/slides/slide9.xml><?xml version="1.0" encoding="utf-8"?>
+<p:sld xmlns:r="http://schemas.openxmlformats.org/officeDocument/2006/relationships" xmlns:c="http://schemas.openxmlformats.org/drawingml/2006/chart" xmlns:a="http://schemas.openxmlformats.org/drawingml/2006/main" xmlns:dgm="http://schemas.openxmlformats.org/drawingml/2006/diagram" xmlns:dsp="http://schemas.microsoft.com/office/drawing/2008/diagram" xmlns:p="http://schemas.openxmlformats.org/presentationml/2006/main">
   <p:cSld>
     <p:spTree>
       <p:nvGrpSpPr>
@@ -4802,7 +6400,7 @@
             <a:spLocks noGrp="1"/>
           </p:cNvSpPr>
           <p:nvPr>
-            <p:ph type="title"/>
+            <p:ph type="title" idx="0"/>
           </p:nvPr>
         </p:nvSpPr>
         <p:spPr/>
@@ -4825,6 +6423,7 @@
               <a:rPr lang="en-US" altLang="ko-KR"/>
               <a:t>?</a:t>
             </a:r>
+            <a:endParaRPr lang="en-US" altLang="ko-KR"/>
           </a:p>
         </p:txBody>
       </p:sp>
@@ -4856,6 +6455,7 @@
               <a:rPr lang="en-US" altLang="ko-KR"/>
               <a:t>set 자료형은 중복을 허용하지 않습니다.</a:t>
             </a:r>
+            <a:endParaRPr lang="en-US" altLang="ko-KR"/>
           </a:p>
           <a:p>
             <a:pPr lvl="0">
@@ -4865,6 +6465,7 @@
               <a:rPr lang="en-US" altLang="ko-KR"/>
               <a:t>set은 입력된 순서는 중요하지 않습니다.</a:t>
             </a:r>
+            <a:endParaRPr lang="en-US" altLang="ko-KR"/>
           </a:p>
           <a:p>
             <a:pPr lvl="0">
@@ -4874,6 +6475,7 @@
               <a:rPr lang="en-US" altLang="ko-KR"/>
               <a:t>set() 생성자 함수를 이용해서 만들 수 있습니다.</a:t>
             </a:r>
+            <a:endParaRPr lang="en-US" altLang="ko-KR"/>
           </a:p>
           <a:p>
             <a:pPr lvl="0">
@@ -4883,12 +6485,18 @@
               <a:rPr lang="en-US" altLang="ko-KR"/>
               <a:t>{}를 이용해서 만들 수 있습니다.</a:t>
             </a:r>
-          </a:p>
-          <a:p>
-            <a:pPr lvl="0">
-              <a:defRPr/>
-            </a:pPr>
             <a:endParaRPr lang="en-US" altLang="ko-KR"/>
+          </a:p>
+          <a:p>
+            <a:pPr marL="0" lvl="0" indent="0">
+              <a:buNone/>
+              <a:defRPr/>
+            </a:pPr>
+            <a:r>
+              <a:rPr lang="ko-KR" altLang="en-US"/>
+              <a:t>실행해 보세요</a:t>
+            </a:r>
+            <a:endParaRPr lang="ko-KR" altLang="en-US"/>
           </a:p>
           <a:p>
             <a:pPr marL="0" indent="0">
@@ -4905,961 +6513,9 @@
           </a:p>
         </p:txBody>
       </p:sp>
-    </p:spTree>
-  </p:cSld>
-  <p:clrMapOvr>
-    <a:masterClrMapping/>
-  </p:clrMapOvr>
-  <mc:AlternateContent xmlns:mc="http://schemas.openxmlformats.org/markup-compatibility/2006" xmlns:p14="http://schemas.microsoft.com/office/powerpoint/2010/main">
-    <mc:Choice Requires="p14">
-      <p:transition/>
-    </mc:Choice>
-    <mc:Fallback xmlns:dsp="http://schemas.microsoft.com/office/drawing/2008/diagram" xmlns:dgm="http://schemas.openxmlformats.org/drawingml/2006/diagram" xmlns:c="http://schemas.openxmlformats.org/drawingml/2006/chart" xmlns="">
-      <p:transition/>
-    </mc:Fallback>
-  </mc:AlternateContent>
-</p:sld>
-</file>
-
-<file path=ppt/slides/slide8.xml><?xml version="1.0" encoding="utf-8"?>
-<p:sld xmlns:a="http://schemas.openxmlformats.org/drawingml/2006/main" xmlns:r="http://schemas.openxmlformats.org/officeDocument/2006/relationships" xmlns:p="http://schemas.openxmlformats.org/presentationml/2006/main">
-  <p:cSld>
-    <p:spTree>
-      <p:nvGrpSpPr>
-        <p:cNvPr id="1" name=""/>
-        <p:cNvGrpSpPr/>
-        <p:nvPr/>
-      </p:nvGrpSpPr>
-      <p:grpSpPr>
-        <a:xfrm>
-          <a:off x="0" y="0"/>
-          <a:ext cx="0" cy="0"/>
-          <a:chOff x="0" y="0"/>
-          <a:chExt cx="0" cy="0"/>
-        </a:xfrm>
-      </p:grpSpPr>
-      <p:sp>
-        <p:nvSpPr>
-          <p:cNvPr id="2" name="제목 1"/>
-          <p:cNvSpPr>
-            <a:spLocks noGrp="1"/>
-          </p:cNvSpPr>
-          <p:nvPr>
-            <p:ph type="title"/>
-          </p:nvPr>
-        </p:nvSpPr>
-        <p:spPr/>
-        <p:txBody>
-          <a:bodyPr/>
-          <a:lstStyle/>
-          <a:p>
-            <a:pPr lvl="0">
-              <a:defRPr/>
-            </a:pPr>
-            <a:r>
-              <a:rPr lang="ko-KR" altLang="en-US"/>
-              <a:t>             셋 메소드</a:t>
-            </a:r>
-          </a:p>
-        </p:txBody>
-      </p:sp>
-      <p:sp>
-        <p:nvSpPr>
-          <p:cNvPr id="3" name="내용 개체 틀 2"/>
-          <p:cNvSpPr>
-            <a:spLocks noGrp="1"/>
-          </p:cNvSpPr>
-          <p:nvPr>
-            <p:ph sz="quarter" idx="1"/>
-          </p:nvPr>
-        </p:nvSpPr>
-        <p:spPr>
-          <a:xfrm>
-            <a:off x="520757" y="1827357"/>
-            <a:ext cx="4017639" cy="2232248"/>
-          </a:xfrm>
-        </p:spPr>
-        <p:txBody>
-          <a:bodyPr>
-            <a:normAutofit fontScale="47500" lnSpcReduction="20000"/>
-          </a:bodyPr>
-          <a:lstStyle/>
-          <a:p>
-            <a:pPr lvl="0">
-              <a:defRPr/>
-            </a:pPr>
-            <a:endParaRPr lang="ko-KR" altLang="en-US" dirty="0"/>
-          </a:p>
-          <a:p>
-            <a:pPr lvl="0">
-              <a:defRPr/>
-            </a:pPr>
-            <a:r>
-              <a:rPr lang="en-US" altLang="ko-KR" dirty="0"/>
-              <a:t>add(값) - </a:t>
-            </a:r>
-            <a:r>
-              <a:rPr lang="en-US" altLang="ko-KR" dirty="0" err="1"/>
-              <a:t>집합에</a:t>
-            </a:r>
-            <a:r>
-              <a:rPr lang="en-US" altLang="ko-KR" dirty="0"/>
-              <a:t> </a:t>
-            </a:r>
-            <a:r>
-              <a:rPr lang="en-US" altLang="ko-KR" dirty="0" err="1"/>
-              <a:t>새로운</a:t>
-            </a:r>
-            <a:r>
-              <a:rPr lang="en-US" altLang="ko-KR" dirty="0"/>
-              <a:t> </a:t>
-            </a:r>
-            <a:r>
-              <a:rPr lang="en-US" altLang="ko-KR" dirty="0" err="1"/>
-              <a:t>값을</a:t>
-            </a:r>
-            <a:r>
-              <a:rPr lang="en-US" altLang="ko-KR" dirty="0"/>
-              <a:t> </a:t>
-            </a:r>
-            <a:r>
-              <a:rPr lang="en-US" altLang="ko-KR" dirty="0" err="1"/>
-              <a:t>추가한다</a:t>
-            </a:r>
-            <a:r>
-              <a:rPr lang="en-US" altLang="ko-KR" dirty="0"/>
-              <a:t>. (</a:t>
-            </a:r>
-            <a:r>
-              <a:rPr lang="en-US" altLang="ko-KR" dirty="0" err="1"/>
-              <a:t>중복된</a:t>
-            </a:r>
-            <a:r>
-              <a:rPr lang="en-US" altLang="ko-KR" dirty="0"/>
-              <a:t> </a:t>
-            </a:r>
-            <a:r>
-              <a:rPr lang="en-US" altLang="ko-KR" dirty="0" err="1"/>
-              <a:t>값은</a:t>
-            </a:r>
-            <a:r>
-              <a:rPr lang="en-US" altLang="ko-KR" dirty="0"/>
-              <a:t> </a:t>
-            </a:r>
-            <a:r>
-              <a:rPr lang="en-US" altLang="ko-KR" dirty="0" err="1"/>
-              <a:t>무시</a:t>
-            </a:r>
-            <a:r>
-              <a:rPr lang="en-US" altLang="ko-KR" dirty="0"/>
-              <a:t>)</a:t>
-            </a:r>
-          </a:p>
-          <a:p>
-            <a:pPr lvl="0">
-              <a:defRPr/>
-            </a:pPr>
-            <a:r>
-              <a:rPr lang="en-US" altLang="ko-KR" dirty="0"/>
-              <a:t>remove(값) - </a:t>
-            </a:r>
-            <a:r>
-              <a:rPr lang="en-US" altLang="ko-KR" dirty="0" err="1"/>
-              <a:t>전달받은</a:t>
-            </a:r>
-            <a:r>
-              <a:rPr lang="en-US" altLang="ko-KR" dirty="0"/>
-              <a:t> </a:t>
-            </a:r>
-            <a:r>
-              <a:rPr lang="en-US" altLang="ko-KR" dirty="0" err="1"/>
-              <a:t>값을</a:t>
-            </a:r>
-            <a:r>
-              <a:rPr lang="en-US" altLang="ko-KR" dirty="0"/>
-              <a:t> </a:t>
-            </a:r>
-            <a:r>
-              <a:rPr lang="en-US" altLang="ko-KR" dirty="0" err="1"/>
-              <a:t>삭제</a:t>
-            </a:r>
-            <a:r>
-              <a:rPr lang="en-US" altLang="ko-KR" dirty="0"/>
-              <a:t> (</a:t>
-            </a:r>
-            <a:r>
-              <a:rPr lang="en-US" altLang="ko-KR" dirty="0" err="1"/>
-              <a:t>없을</a:t>
-            </a:r>
-            <a:r>
-              <a:rPr lang="en-US" altLang="ko-KR" dirty="0"/>
-              <a:t> 때 </a:t>
-            </a:r>
-            <a:r>
-              <a:rPr lang="en-US" altLang="ko-KR" dirty="0" err="1"/>
-              <a:t>에러</a:t>
-            </a:r>
-            <a:r>
-              <a:rPr lang="en-US" altLang="ko-KR" dirty="0"/>
-              <a:t> </a:t>
-            </a:r>
-            <a:r>
-              <a:rPr lang="en-US" altLang="ko-KR" dirty="0" err="1"/>
-              <a:t>메시지를</a:t>
-            </a:r>
-            <a:r>
-              <a:rPr lang="en-US" altLang="ko-KR" dirty="0"/>
-              <a:t> </a:t>
-            </a:r>
-            <a:r>
-              <a:rPr lang="en-US" altLang="ko-KR" dirty="0" err="1"/>
-              <a:t>출력</a:t>
-            </a:r>
-            <a:r>
-              <a:rPr lang="en-US" altLang="ko-KR" dirty="0"/>
-              <a:t>)</a:t>
-            </a:r>
-          </a:p>
-          <a:p>
-            <a:pPr lvl="0">
-              <a:defRPr/>
-            </a:pPr>
-            <a:r>
-              <a:rPr lang="en-US" altLang="ko-KR" dirty="0"/>
-              <a:t>discard(값) - </a:t>
-            </a:r>
-            <a:r>
-              <a:rPr lang="en-US" altLang="ko-KR" dirty="0" err="1"/>
-              <a:t>전달받은</a:t>
-            </a:r>
-            <a:r>
-              <a:rPr lang="en-US" altLang="ko-KR" dirty="0"/>
-              <a:t> </a:t>
-            </a:r>
-            <a:r>
-              <a:rPr lang="en-US" altLang="ko-KR" dirty="0" err="1"/>
-              <a:t>값을</a:t>
-            </a:r>
-            <a:r>
-              <a:rPr lang="en-US" altLang="ko-KR" dirty="0"/>
-              <a:t> </a:t>
-            </a:r>
-            <a:r>
-              <a:rPr lang="en-US" altLang="ko-KR" dirty="0" err="1"/>
-              <a:t>삭제</a:t>
-            </a:r>
-            <a:r>
-              <a:rPr lang="en-US" altLang="ko-KR" dirty="0"/>
-              <a:t> (</a:t>
-            </a:r>
-            <a:r>
-              <a:rPr lang="en-US" altLang="ko-KR" dirty="0" err="1"/>
-              <a:t>없을</a:t>
-            </a:r>
-            <a:r>
-              <a:rPr lang="en-US" altLang="ko-KR" dirty="0"/>
-              <a:t> 때 </a:t>
-            </a:r>
-            <a:r>
-              <a:rPr lang="en-US" altLang="ko-KR" dirty="0" err="1"/>
-              <a:t>그냥</a:t>
-            </a:r>
-            <a:r>
-              <a:rPr lang="en-US" altLang="ko-KR" dirty="0"/>
-              <a:t> </a:t>
-            </a:r>
-            <a:r>
-              <a:rPr lang="en-US" altLang="ko-KR" dirty="0" err="1"/>
-              <a:t>무시</a:t>
-            </a:r>
-            <a:r>
-              <a:rPr lang="en-US" altLang="ko-KR" dirty="0"/>
-              <a:t>)</a:t>
-            </a:r>
-          </a:p>
-          <a:p>
-            <a:pPr lvl="0">
-              <a:defRPr/>
-            </a:pPr>
-            <a:r>
-              <a:rPr lang="en-US" altLang="ko-KR" dirty="0"/>
-              <a:t>pop() - </a:t>
-            </a:r>
-            <a:r>
-              <a:rPr lang="en-US" altLang="ko-KR" dirty="0" err="1"/>
-              <a:t>임의의</a:t>
-            </a:r>
-            <a:r>
-              <a:rPr lang="en-US" altLang="ko-KR" dirty="0"/>
-              <a:t> </a:t>
-            </a:r>
-            <a:r>
-              <a:rPr lang="en-US" altLang="ko-KR" dirty="0" err="1"/>
-              <a:t>값을</a:t>
-            </a:r>
-            <a:r>
-              <a:rPr lang="en-US" altLang="ko-KR" dirty="0"/>
-              <a:t> </a:t>
-            </a:r>
-            <a:r>
-              <a:rPr lang="en-US" altLang="ko-KR" dirty="0" err="1"/>
-              <a:t>리턴하고</a:t>
-            </a:r>
-            <a:r>
-              <a:rPr lang="en-US" altLang="ko-KR" dirty="0"/>
-              <a:t> </a:t>
-            </a:r>
-            <a:r>
-              <a:rPr lang="en-US" altLang="ko-KR" dirty="0" err="1"/>
-              <a:t>삭제</a:t>
-            </a:r>
-            <a:endParaRPr lang="en-US" altLang="ko-KR" dirty="0"/>
-          </a:p>
-          <a:p>
-            <a:pPr lvl="0">
-              <a:defRPr/>
-            </a:pPr>
-            <a:r>
-              <a:rPr lang="en-US" altLang="ko-KR" dirty="0"/>
-              <a:t>clear() - </a:t>
-            </a:r>
-            <a:r>
-              <a:rPr lang="en-US" altLang="ko-KR" dirty="0" err="1"/>
-              <a:t>집한에</a:t>
-            </a:r>
-            <a:r>
-              <a:rPr lang="en-US" altLang="ko-KR" dirty="0"/>
-              <a:t> </a:t>
-            </a:r>
-            <a:r>
-              <a:rPr lang="en-US" altLang="ko-KR" dirty="0" err="1"/>
-              <a:t>있는</a:t>
-            </a:r>
-            <a:r>
-              <a:rPr lang="en-US" altLang="ko-KR" dirty="0"/>
-              <a:t> </a:t>
-            </a:r>
-            <a:r>
-              <a:rPr lang="en-US" altLang="ko-KR" dirty="0" err="1"/>
-              <a:t>모든</a:t>
-            </a:r>
-            <a:r>
-              <a:rPr lang="en-US" altLang="ko-KR" dirty="0"/>
-              <a:t> </a:t>
-            </a:r>
-            <a:r>
-              <a:rPr lang="en-US" altLang="ko-KR" dirty="0" err="1"/>
-              <a:t>값을</a:t>
-            </a:r>
-            <a:r>
-              <a:rPr lang="en-US" altLang="ko-KR" dirty="0"/>
-              <a:t> </a:t>
-            </a:r>
-            <a:r>
-              <a:rPr lang="en-US" altLang="ko-KR" dirty="0" err="1"/>
-              <a:t>삭제</a:t>
-            </a:r>
-            <a:endParaRPr lang="en-US" altLang="ko-KR" dirty="0"/>
-          </a:p>
-          <a:p>
-            <a:pPr lvl="0">
-              <a:defRPr/>
-            </a:pPr>
-            <a:r>
-              <a:rPr lang="en-US" altLang="ko-KR" dirty="0"/>
-              <a:t>copy() - </a:t>
-            </a:r>
-            <a:r>
-              <a:rPr lang="en-US" altLang="ko-KR" dirty="0" err="1"/>
-              <a:t>집합을</a:t>
-            </a:r>
-            <a:r>
-              <a:rPr lang="en-US" altLang="ko-KR" dirty="0"/>
-              <a:t> </a:t>
-            </a:r>
-            <a:r>
-              <a:rPr lang="en-US" altLang="ko-KR" dirty="0" err="1"/>
-              <a:t>복제하여</a:t>
-            </a:r>
-            <a:r>
-              <a:rPr lang="en-US" altLang="ko-KR" dirty="0"/>
-              <a:t> </a:t>
-            </a:r>
-            <a:r>
-              <a:rPr lang="en-US" altLang="ko-KR" dirty="0" err="1"/>
-              <a:t>리턴</a:t>
-            </a:r>
-            <a:endParaRPr lang="en-US" altLang="ko-KR" dirty="0"/>
-          </a:p>
-          <a:p>
-            <a:pPr lvl="0">
-              <a:defRPr/>
-            </a:pPr>
-            <a:endParaRPr lang="en-US" altLang="ko-KR" dirty="0"/>
-          </a:p>
-          <a:p>
-            <a:pPr marL="0" indent="0">
-              <a:buNone/>
-              <a:defRPr/>
-            </a:pPr>
-            <a:endParaRPr lang="en-US" altLang="ko-KR" dirty="0"/>
-          </a:p>
-          <a:p>
-            <a:pPr lvl="0">
-              <a:defRPr/>
-            </a:pPr>
-            <a:endParaRPr lang="ko-KR" altLang="en-US" dirty="0"/>
-          </a:p>
-        </p:txBody>
-      </p:sp>
-      <p:sp>
-        <p:nvSpPr>
-          <p:cNvPr id="3078" name="내용 개체 틀 2"/>
-          <p:cNvSpPr>
-            <a:spLocks noGrp="1"/>
-          </p:cNvSpPr>
-          <p:nvPr/>
-        </p:nvSpPr>
-        <p:spPr>
-          <a:xfrm>
-            <a:off x="4658815" y="2060848"/>
-            <a:ext cx="3657600" cy="1621159"/>
-          </a:xfrm>
-          <a:prstGeom prst="rect">
-            <a:avLst/>
-          </a:prstGeom>
-        </p:spPr>
-        <p:txBody>
-          <a:bodyPr vert="horz">
-            <a:normAutofit fontScale="55000" lnSpcReduction="20000"/>
-          </a:bodyPr>
-          <a:lstStyle/>
-          <a:p>
-            <a:pPr marL="274320" lvl="0" indent="-274320" algn="l" rtl="0" eaLnBrk="1" latinLnBrk="1" hangingPunct="1">
-              <a:lnSpc>
-                <a:spcPct val="100000"/>
-              </a:lnSpc>
-              <a:spcBef>
-                <a:spcPts val="580"/>
-              </a:spcBef>
-              <a:spcAft>
-                <a:spcPts val="0"/>
-              </a:spcAft>
-              <a:buClr>
-                <a:schemeClr val="accent1"/>
-              </a:buClr>
-              <a:buSzPct val="85000"/>
-              <a:buFont typeface="Wingdings 2"/>
-              <a:buChar char=""/>
-              <a:defRPr/>
-            </a:pPr>
-            <a:r>
-              <a:rPr kumimoji="0" lang="ko-KR" altLang="en-US" sz="2600" b="0" i="0" u="none" strike="noStrike" kern="1200" cap="none" spc="0" normalizeH="0" baseline="0" dirty="0" err="1">
-                <a:solidFill>
-                  <a:schemeClr val="tx1"/>
-                </a:solidFill>
-                <a:latin typeface="+mn-lt"/>
-                <a:ea typeface="+mn-ea"/>
-                <a:cs typeface="+mn-cs"/>
-              </a:rPr>
-              <a:t>isdisjoint</a:t>
-            </a:r>
-            <a:r>
-              <a:rPr kumimoji="0" lang="ko-KR" altLang="en-US" sz="2600" b="0" i="0" u="none" strike="noStrike" kern="1200" cap="none" spc="0" normalizeH="0" baseline="0" dirty="0">
-                <a:solidFill>
-                  <a:schemeClr val="tx1"/>
-                </a:solidFill>
-                <a:latin typeface="+mn-lt"/>
-                <a:ea typeface="+mn-ea"/>
-                <a:cs typeface="+mn-cs"/>
-              </a:rPr>
-              <a:t>() - 두 집합이 공통 원소를 갖지 않는가?</a:t>
-            </a:r>
-          </a:p>
-          <a:p>
-            <a:pPr marL="274320" lvl="0" indent="-274320" algn="l" rtl="0" eaLnBrk="1" latinLnBrk="1" hangingPunct="1">
-              <a:lnSpc>
-                <a:spcPct val="100000"/>
-              </a:lnSpc>
-              <a:spcBef>
-                <a:spcPts val="580"/>
-              </a:spcBef>
-              <a:spcAft>
-                <a:spcPts val="0"/>
-              </a:spcAft>
-              <a:buClr>
-                <a:schemeClr val="accent1"/>
-              </a:buClr>
-              <a:buSzPct val="85000"/>
-              <a:buFont typeface="Wingdings 2"/>
-              <a:buChar char=""/>
-              <a:defRPr/>
-            </a:pPr>
-            <a:endParaRPr kumimoji="0" lang="ko-KR" altLang="en-US" sz="2600" b="0" i="0" u="none" strike="noStrike" kern="1200" cap="none" spc="0" normalizeH="0" baseline="0" dirty="0">
-              <a:solidFill>
-                <a:schemeClr val="tx1"/>
-              </a:solidFill>
-              <a:latin typeface="+mn-lt"/>
-              <a:ea typeface="+mn-ea"/>
-              <a:cs typeface="+mn-cs"/>
-            </a:endParaRPr>
-          </a:p>
-          <a:p>
-            <a:pPr marL="274320" lvl="0" indent="-274320" algn="l" rtl="0" eaLnBrk="1" latinLnBrk="1" hangingPunct="1">
-              <a:lnSpc>
-                <a:spcPct val="100000"/>
-              </a:lnSpc>
-              <a:spcBef>
-                <a:spcPts val="580"/>
-              </a:spcBef>
-              <a:spcAft>
-                <a:spcPts val="0"/>
-              </a:spcAft>
-              <a:buClr>
-                <a:schemeClr val="accent1"/>
-              </a:buClr>
-              <a:buSzPct val="85000"/>
-              <a:buFont typeface="Wingdings 2"/>
-              <a:buChar char=""/>
-              <a:defRPr/>
-            </a:pPr>
-            <a:r>
-              <a:rPr kumimoji="0" lang="ko-KR" altLang="en-US" sz="2600" b="0" i="0" u="none" strike="noStrike" kern="1200" cap="none" spc="0" normalizeH="0" baseline="0" dirty="0" err="1">
-                <a:solidFill>
-                  <a:schemeClr val="tx1"/>
-                </a:solidFill>
-                <a:latin typeface="+mn-lt"/>
-                <a:ea typeface="+mn-ea"/>
-                <a:cs typeface="+mn-cs"/>
-              </a:rPr>
-              <a:t>issubset</a:t>
-            </a:r>
-            <a:r>
-              <a:rPr kumimoji="0" lang="ko-KR" altLang="en-US" sz="2600" b="0" i="0" u="none" strike="noStrike" kern="1200" cap="none" spc="0" normalizeH="0" baseline="0" dirty="0">
-                <a:solidFill>
-                  <a:schemeClr val="tx1"/>
-                </a:solidFill>
-                <a:latin typeface="+mn-lt"/>
-                <a:ea typeface="+mn-ea"/>
-                <a:cs typeface="+mn-cs"/>
-              </a:rPr>
-              <a:t>() - 부분집합(</a:t>
-            </a:r>
-            <a:r>
-              <a:rPr kumimoji="0" lang="ko-KR" altLang="en-US" sz="2600" b="0" i="0" u="none" strike="noStrike" kern="1200" cap="none" spc="0" normalizeH="0" baseline="0" dirty="0" err="1">
-                <a:solidFill>
-                  <a:schemeClr val="tx1"/>
-                </a:solidFill>
-                <a:latin typeface="+mn-lt"/>
-                <a:ea typeface="+mn-ea"/>
-                <a:cs typeface="+mn-cs"/>
-              </a:rPr>
-              <a:t>subset</a:t>
-            </a:r>
-            <a:r>
-              <a:rPr kumimoji="0" lang="ko-KR" altLang="en-US" sz="2600" b="0" i="0" u="none" strike="noStrike" kern="1200" cap="none" spc="0" normalizeH="0" baseline="0" dirty="0">
-                <a:solidFill>
-                  <a:schemeClr val="tx1"/>
-                </a:solidFill>
-                <a:latin typeface="+mn-lt"/>
-                <a:ea typeface="+mn-ea"/>
-                <a:cs typeface="+mn-cs"/>
-              </a:rPr>
-              <a:t>)인가?</a:t>
-            </a:r>
-          </a:p>
-          <a:p>
-            <a:pPr marL="274320" lvl="0" indent="-274320" algn="l" rtl="0" eaLnBrk="1" latinLnBrk="1" hangingPunct="1">
-              <a:lnSpc>
-                <a:spcPct val="100000"/>
-              </a:lnSpc>
-              <a:spcBef>
-                <a:spcPts val="580"/>
-              </a:spcBef>
-              <a:spcAft>
-                <a:spcPts val="0"/>
-              </a:spcAft>
-              <a:buClr>
-                <a:schemeClr val="accent1"/>
-              </a:buClr>
-              <a:buSzPct val="85000"/>
-              <a:buFont typeface="Wingdings 2"/>
-              <a:buChar char=""/>
-              <a:defRPr/>
-            </a:pPr>
-            <a:endParaRPr kumimoji="0" lang="ko-KR" altLang="en-US" sz="2600" b="0" i="0" u="none" strike="noStrike" kern="1200" cap="none" spc="0" normalizeH="0" baseline="0" dirty="0">
-              <a:solidFill>
-                <a:schemeClr val="tx1"/>
-              </a:solidFill>
-              <a:latin typeface="+mn-lt"/>
-              <a:ea typeface="+mn-ea"/>
-              <a:cs typeface="+mn-cs"/>
-            </a:endParaRPr>
-          </a:p>
-          <a:p>
-            <a:pPr marL="274320" lvl="0" indent="-274320" algn="l" rtl="0" eaLnBrk="1" latinLnBrk="1" hangingPunct="1">
-              <a:lnSpc>
-                <a:spcPct val="100000"/>
-              </a:lnSpc>
-              <a:spcBef>
-                <a:spcPts val="580"/>
-              </a:spcBef>
-              <a:spcAft>
-                <a:spcPts val="0"/>
-              </a:spcAft>
-              <a:buClr>
-                <a:schemeClr val="accent1"/>
-              </a:buClr>
-              <a:buSzPct val="85000"/>
-              <a:buFont typeface="Wingdings 2"/>
-              <a:buChar char=""/>
-              <a:defRPr/>
-            </a:pPr>
-            <a:r>
-              <a:rPr kumimoji="0" lang="ko-KR" altLang="en-US" sz="2600" b="0" i="0" u="none" strike="noStrike" kern="1200" cap="none" spc="0" normalizeH="0" baseline="0" dirty="0" err="1">
-                <a:solidFill>
-                  <a:schemeClr val="tx1"/>
-                </a:solidFill>
-                <a:latin typeface="+mn-lt"/>
-                <a:ea typeface="+mn-ea"/>
-                <a:cs typeface="+mn-cs"/>
-              </a:rPr>
-              <a:t>issuperset</a:t>
-            </a:r>
-            <a:r>
-              <a:rPr kumimoji="0" lang="ko-KR" altLang="en-US" sz="2600" b="0" i="0" u="none" strike="noStrike" kern="1200" cap="none" spc="0" normalizeH="0" baseline="0" dirty="0">
-                <a:solidFill>
-                  <a:schemeClr val="tx1"/>
-                </a:solidFill>
-                <a:latin typeface="+mn-lt"/>
-                <a:ea typeface="+mn-ea"/>
-                <a:cs typeface="+mn-cs"/>
-              </a:rPr>
-              <a:t>() - 확대집합(</a:t>
-            </a:r>
-            <a:r>
-              <a:rPr kumimoji="0" lang="ko-KR" altLang="en-US" sz="2600" b="0" i="0" u="none" strike="noStrike" kern="1200" cap="none" spc="0" normalizeH="0" baseline="0" dirty="0" err="1">
-                <a:solidFill>
-                  <a:schemeClr val="tx1"/>
-                </a:solidFill>
-                <a:latin typeface="+mn-lt"/>
-                <a:ea typeface="+mn-ea"/>
-                <a:cs typeface="+mn-cs"/>
-              </a:rPr>
-              <a:t>superset</a:t>
-            </a:r>
-            <a:r>
-              <a:rPr kumimoji="0" lang="ko-KR" altLang="en-US" sz="2600" b="0" i="0" u="none" strike="noStrike" kern="1200" cap="none" spc="0" normalizeH="0" baseline="0" dirty="0">
-                <a:solidFill>
-                  <a:schemeClr val="tx1"/>
-                </a:solidFill>
-                <a:latin typeface="+mn-lt"/>
-                <a:ea typeface="+mn-ea"/>
-                <a:cs typeface="+mn-cs"/>
-              </a:rPr>
-              <a:t>)인가?</a:t>
-            </a:r>
-          </a:p>
-        </p:txBody>
-      </p:sp>
-      <p:sp>
-        <p:nvSpPr>
-          <p:cNvPr id="3079" name="내용 개체 틀 2"/>
-          <p:cNvSpPr>
-            <a:spLocks noGrp="1"/>
-          </p:cNvSpPr>
-          <p:nvPr/>
-        </p:nvSpPr>
-        <p:spPr>
-          <a:xfrm>
-            <a:off x="251520" y="4184104"/>
-            <a:ext cx="4449688" cy="2485256"/>
-          </a:xfrm>
-          <a:prstGeom prst="rect">
-            <a:avLst/>
-          </a:prstGeom>
-        </p:spPr>
-        <p:txBody>
-          <a:bodyPr vert="horz">
-            <a:normAutofit/>
-          </a:bodyPr>
-          <a:lstStyle/>
-          <a:p>
-            <a:pPr marL="274320" lvl="0" indent="-274320" algn="l" rtl="0" eaLnBrk="1" latinLnBrk="1" hangingPunct="1">
-              <a:lnSpc>
-                <a:spcPct val="100000"/>
-              </a:lnSpc>
-              <a:spcBef>
-                <a:spcPts val="580"/>
-              </a:spcBef>
-              <a:spcAft>
-                <a:spcPts val="0"/>
-              </a:spcAft>
-              <a:buClr>
-                <a:schemeClr val="accent1"/>
-              </a:buClr>
-              <a:buSzPct val="85000"/>
-              <a:buFont typeface="Wingdings 2"/>
-              <a:buChar char=""/>
-              <a:defRPr/>
-            </a:pPr>
-            <a:r>
-              <a:rPr kumimoji="0" lang="ko-KR" altLang="en-US" sz="1200" b="0" i="0" u="none" strike="noStrike" kern="1200" cap="none" spc="0" normalizeH="0" baseline="0" dirty="0" err="1">
-                <a:solidFill>
-                  <a:schemeClr val="tx1"/>
-                </a:solidFill>
-                <a:latin typeface="+mn-lt"/>
-                <a:ea typeface="+mn-ea"/>
-                <a:cs typeface="+mn-cs"/>
-              </a:rPr>
-              <a:t>union</a:t>
-            </a:r>
-            <a:r>
-              <a:rPr kumimoji="0" lang="ko-KR" altLang="en-US" sz="1200" b="0" i="0" u="none" strike="noStrike" kern="1200" cap="none" spc="0" normalizeH="0" baseline="0" dirty="0">
-                <a:solidFill>
-                  <a:schemeClr val="tx1"/>
-                </a:solidFill>
-                <a:latin typeface="+mn-lt"/>
-                <a:ea typeface="+mn-ea"/>
-                <a:cs typeface="+mn-cs"/>
-              </a:rPr>
-              <a:t>() - 합집합을 만들어 리턴</a:t>
-            </a:r>
-          </a:p>
-          <a:p>
-            <a:pPr marL="274320" lvl="0" indent="-274320" algn="l" rtl="0" eaLnBrk="1" latinLnBrk="1" hangingPunct="1">
-              <a:lnSpc>
-                <a:spcPct val="100000"/>
-              </a:lnSpc>
-              <a:spcBef>
-                <a:spcPts val="580"/>
-              </a:spcBef>
-              <a:spcAft>
-                <a:spcPts val="0"/>
-              </a:spcAft>
-              <a:buClr>
-                <a:schemeClr val="accent1"/>
-              </a:buClr>
-              <a:buSzPct val="85000"/>
-              <a:buFont typeface="Wingdings 2"/>
-              <a:buChar char=""/>
-              <a:defRPr/>
-            </a:pPr>
-            <a:r>
-              <a:rPr kumimoji="0" lang="ko-KR" altLang="en-US" sz="1200" b="0" i="0" u="none" strike="noStrike" kern="1200" cap="none" spc="0" normalizeH="0" baseline="0" dirty="0" err="1">
-                <a:solidFill>
-                  <a:schemeClr val="tx1"/>
-                </a:solidFill>
-                <a:latin typeface="+mn-lt"/>
-                <a:ea typeface="+mn-ea"/>
-                <a:cs typeface="+mn-cs"/>
-              </a:rPr>
-              <a:t>update</a:t>
-            </a:r>
-            <a:r>
-              <a:rPr kumimoji="0" lang="ko-KR" altLang="en-US" sz="1200" b="0" i="0" u="none" strike="noStrike" kern="1200" cap="none" spc="0" normalizeH="0" baseline="0" dirty="0">
-                <a:solidFill>
-                  <a:schemeClr val="tx1"/>
-                </a:solidFill>
-                <a:latin typeface="+mn-lt"/>
-                <a:ea typeface="+mn-ea"/>
-                <a:cs typeface="+mn-cs"/>
-              </a:rPr>
-              <a:t>() - 합집합을 만들어 원본 데이터를 갱신(수정)</a:t>
-            </a:r>
-          </a:p>
-          <a:p>
-            <a:pPr marL="274320" lvl="0" indent="-274320" algn="l" rtl="0" eaLnBrk="1" latinLnBrk="1" hangingPunct="1">
-              <a:lnSpc>
-                <a:spcPct val="100000"/>
-              </a:lnSpc>
-              <a:spcBef>
-                <a:spcPts val="580"/>
-              </a:spcBef>
-              <a:spcAft>
-                <a:spcPts val="0"/>
-              </a:spcAft>
-              <a:buClr>
-                <a:schemeClr val="accent1"/>
-              </a:buClr>
-              <a:buSzPct val="85000"/>
-              <a:buFont typeface="Wingdings 2"/>
-              <a:buChar char=""/>
-              <a:defRPr/>
-            </a:pPr>
-            <a:r>
-              <a:rPr kumimoji="0" lang="ko-KR" altLang="en-US" sz="1200" b="0" i="0" u="none" strike="noStrike" kern="1200" cap="none" spc="0" normalizeH="0" baseline="0" dirty="0" err="1">
-                <a:solidFill>
-                  <a:schemeClr val="tx1"/>
-                </a:solidFill>
-                <a:latin typeface="+mn-lt"/>
-                <a:ea typeface="+mn-ea"/>
-                <a:cs typeface="+mn-cs"/>
-              </a:rPr>
-              <a:t>difference</a:t>
-            </a:r>
-            <a:r>
-              <a:rPr kumimoji="0" lang="ko-KR" altLang="en-US" sz="1200" b="0" i="0" u="none" strike="noStrike" kern="1200" cap="none" spc="0" normalizeH="0" baseline="0" dirty="0">
-                <a:solidFill>
-                  <a:schemeClr val="tx1"/>
-                </a:solidFill>
-                <a:latin typeface="+mn-lt"/>
-                <a:ea typeface="+mn-ea"/>
-                <a:cs typeface="+mn-cs"/>
-              </a:rPr>
-              <a:t>() - 차집합을 만들어 리턴</a:t>
-            </a:r>
-          </a:p>
-          <a:p>
-            <a:pPr marL="274320" lvl="0" indent="-274320" algn="l" rtl="0" eaLnBrk="1" latinLnBrk="1" hangingPunct="1">
-              <a:lnSpc>
-                <a:spcPct val="100000"/>
-              </a:lnSpc>
-              <a:spcBef>
-                <a:spcPts val="580"/>
-              </a:spcBef>
-              <a:spcAft>
-                <a:spcPts val="0"/>
-              </a:spcAft>
-              <a:buClr>
-                <a:schemeClr val="accent1"/>
-              </a:buClr>
-              <a:buSzPct val="85000"/>
-              <a:buFont typeface="Wingdings 2"/>
-              <a:buChar char=""/>
-              <a:defRPr/>
-            </a:pPr>
-            <a:r>
-              <a:rPr kumimoji="0" lang="ko-KR" altLang="en-US" sz="1200" b="0" i="0" u="none" strike="noStrike" kern="1200" cap="none" spc="0" normalizeH="0" baseline="0" dirty="0" err="1">
-                <a:solidFill>
-                  <a:schemeClr val="tx1"/>
-                </a:solidFill>
-                <a:latin typeface="+mn-lt"/>
-                <a:ea typeface="+mn-ea"/>
-                <a:cs typeface="+mn-cs"/>
-              </a:rPr>
-              <a:t>difference_update</a:t>
-            </a:r>
-            <a:r>
-              <a:rPr kumimoji="0" lang="ko-KR" altLang="en-US" sz="1200" b="0" i="0" u="none" strike="noStrike" kern="1200" cap="none" spc="0" normalizeH="0" baseline="0" dirty="0">
-                <a:solidFill>
-                  <a:schemeClr val="tx1"/>
-                </a:solidFill>
-                <a:latin typeface="+mn-lt"/>
-                <a:ea typeface="+mn-ea"/>
-                <a:cs typeface="+mn-cs"/>
-              </a:rPr>
-              <a:t>() - 차집합을 만들어 원본 데이터를 갱신</a:t>
-            </a:r>
-          </a:p>
-          <a:p>
-            <a:pPr marL="0" lvl="0" indent="0" algn="l" rtl="0" eaLnBrk="1" latinLnBrk="1" hangingPunct="1">
-              <a:lnSpc>
-                <a:spcPct val="100000"/>
-              </a:lnSpc>
-              <a:spcBef>
-                <a:spcPts val="580"/>
-              </a:spcBef>
-              <a:spcAft>
-                <a:spcPts val="0"/>
-              </a:spcAft>
-              <a:buClr>
-                <a:schemeClr val="accent1"/>
-              </a:buClr>
-              <a:buSzPct val="85000"/>
-              <a:buFont typeface="Wingdings 2"/>
-              <a:buNone/>
-              <a:defRPr/>
-            </a:pPr>
-            <a:r>
-              <a:rPr kumimoji="0" lang="ko-KR" altLang="en-US" sz="1200" b="0" i="0" u="none" strike="noStrike" kern="1200" cap="none" spc="0" normalizeH="0" baseline="0" dirty="0">
-                <a:solidFill>
-                  <a:schemeClr val="tx1"/>
-                </a:solidFill>
-                <a:latin typeface="+mn-lt"/>
-                <a:ea typeface="+mn-ea"/>
-                <a:cs typeface="+mn-cs"/>
-              </a:rPr>
-              <a:t>(그냥 함수는 값을 </a:t>
-            </a:r>
-            <a:r>
-              <a:rPr kumimoji="0" lang="ko-KR" altLang="en-US" sz="1200" b="0" i="0" u="none" strike="noStrike" kern="1200" cap="none" spc="0" normalizeH="0" baseline="0" dirty="0" err="1">
-                <a:solidFill>
-                  <a:schemeClr val="tx1"/>
-                </a:solidFill>
-                <a:latin typeface="+mn-lt"/>
-                <a:ea typeface="+mn-ea"/>
-                <a:cs typeface="+mn-cs"/>
-              </a:rPr>
-              <a:t>리턴하는</a:t>
-            </a:r>
-            <a:r>
-              <a:rPr kumimoji="0" lang="ko-KR" altLang="en-US" sz="1200" b="0" i="0" u="none" strike="noStrike" kern="1200" cap="none" spc="0" normalizeH="0" baseline="0" dirty="0">
-                <a:solidFill>
-                  <a:schemeClr val="tx1"/>
-                </a:solidFill>
-                <a:latin typeface="+mn-lt"/>
-                <a:ea typeface="+mn-ea"/>
-                <a:cs typeface="+mn-cs"/>
-              </a:rPr>
-              <a:t> 반면 뒤에 </a:t>
-            </a:r>
-            <a:r>
-              <a:rPr kumimoji="0" lang="ko-KR" altLang="en-US" sz="1200" b="0" i="0" u="none" strike="noStrike" kern="1200" cap="none" spc="0" normalizeH="0" baseline="0" dirty="0" err="1">
-                <a:solidFill>
-                  <a:schemeClr val="tx1"/>
-                </a:solidFill>
-                <a:latin typeface="+mn-lt"/>
-                <a:ea typeface="+mn-ea"/>
-                <a:cs typeface="+mn-cs"/>
-              </a:rPr>
-              <a:t>update가</a:t>
-            </a:r>
-            <a:r>
-              <a:rPr kumimoji="0" lang="ko-KR" altLang="en-US" sz="1200" b="0" i="0" u="none" strike="noStrike" kern="1200" cap="none" spc="0" normalizeH="0" baseline="0" dirty="0">
-                <a:solidFill>
-                  <a:schemeClr val="tx1"/>
-                </a:solidFill>
-                <a:latin typeface="+mn-lt"/>
-                <a:ea typeface="+mn-ea"/>
-                <a:cs typeface="+mn-cs"/>
-              </a:rPr>
-              <a:t> 붙은 함수는 원본 데이터를 변경함)</a:t>
-            </a:r>
-          </a:p>
-          <a:p>
-            <a:pPr marL="274320" lvl="0" indent="-274320" algn="l" rtl="0" eaLnBrk="1" latinLnBrk="1" hangingPunct="1">
-              <a:lnSpc>
-                <a:spcPct val="100000"/>
-              </a:lnSpc>
-              <a:spcBef>
-                <a:spcPts val="580"/>
-              </a:spcBef>
-              <a:spcAft>
-                <a:spcPts val="0"/>
-              </a:spcAft>
-              <a:buClr>
-                <a:schemeClr val="accent1"/>
-              </a:buClr>
-              <a:buSzPct val="85000"/>
-              <a:buFont typeface="Wingdings 2"/>
-              <a:buChar char=""/>
-              <a:defRPr/>
-            </a:pPr>
-            <a:endParaRPr kumimoji="0" lang="ko-KR" altLang="en-US" sz="1200" b="0" i="0" u="none" strike="noStrike" kern="1200" cap="none" spc="0" normalizeH="0" baseline="0" dirty="0">
-              <a:solidFill>
-                <a:schemeClr val="tx1"/>
-              </a:solidFill>
-              <a:latin typeface="+mn-lt"/>
-              <a:ea typeface="+mn-ea"/>
-              <a:cs typeface="+mn-cs"/>
-            </a:endParaRPr>
-          </a:p>
-        </p:txBody>
-      </p:sp>
       <p:pic>
         <p:nvPicPr>
-          <p:cNvPr id="3080" name="그림 3079"/>
+          <p:cNvPr id="4" name=""/>
           <p:cNvPicPr>
             <a:picLocks noChangeAspect="1"/>
           </p:cNvPicPr>
@@ -5873,337 +6529,24 @@
         </p:blipFill>
         <p:spPr>
           <a:xfrm>
-            <a:off x="307942" y="231793"/>
-            <a:ext cx="1815786" cy="1595564"/>
+            <a:off x="3382333" y="3872228"/>
+            <a:ext cx="3997979" cy="2836554"/>
           </a:xfrm>
           <a:prstGeom prst="rect">
             <a:avLst/>
           </a:prstGeom>
         </p:spPr>
       </p:pic>
-      <p:sp>
-        <p:nvSpPr>
-          <p:cNvPr id="3081" name="내용 개체 틀 2"/>
-          <p:cNvSpPr>
-            <a:spLocks noGrp="1"/>
-          </p:cNvSpPr>
-          <p:nvPr/>
-        </p:nvSpPr>
-        <p:spPr>
-          <a:xfrm>
-            <a:off x="4572000" y="4184104"/>
-            <a:ext cx="4449688" cy="2485256"/>
-          </a:xfrm>
-          <a:prstGeom prst="rect">
-            <a:avLst/>
-          </a:prstGeom>
-        </p:spPr>
-        <p:txBody>
-          <a:bodyPr vert="horz">
-            <a:normAutofit/>
-          </a:bodyPr>
-          <a:lstStyle/>
-          <a:p>
-            <a:pPr marL="274320" lvl="0" indent="-274320" algn="l" rtl="0" eaLnBrk="1" latinLnBrk="1" hangingPunct="1">
-              <a:lnSpc>
-                <a:spcPct val="100000"/>
-              </a:lnSpc>
-              <a:spcBef>
-                <a:spcPts val="580"/>
-              </a:spcBef>
-              <a:spcAft>
-                <a:spcPts val="0"/>
-              </a:spcAft>
-              <a:buClr>
-                <a:schemeClr val="accent1"/>
-              </a:buClr>
-              <a:buSzPct val="85000"/>
-              <a:buFont typeface="Wingdings 2"/>
-              <a:buChar char=""/>
-              <a:defRPr/>
-            </a:pPr>
-            <a:endParaRPr kumimoji="0" lang="ko-KR" altLang="en-US" sz="1200" b="0" i="0" u="none" strike="noStrike" kern="1200" cap="none" spc="0" normalizeH="0" baseline="0" dirty="0">
-              <a:solidFill>
-                <a:schemeClr val="tx1"/>
-              </a:solidFill>
-              <a:latin typeface="+mn-lt"/>
-              <a:ea typeface="+mn-ea"/>
-              <a:cs typeface="+mn-cs"/>
-            </a:endParaRPr>
-          </a:p>
-          <a:p>
-            <a:pPr marL="274320" lvl="0" indent="-274320" algn="l" rtl="0" eaLnBrk="1" latinLnBrk="1" hangingPunct="1">
-              <a:lnSpc>
-                <a:spcPct val="100000"/>
-              </a:lnSpc>
-              <a:spcBef>
-                <a:spcPts val="580"/>
-              </a:spcBef>
-              <a:spcAft>
-                <a:spcPts val="0"/>
-              </a:spcAft>
-              <a:buClr>
-                <a:schemeClr val="accent1"/>
-              </a:buClr>
-              <a:buSzPct val="85000"/>
-              <a:buFont typeface="Wingdings 2"/>
-              <a:buChar char=""/>
-              <a:defRPr/>
-            </a:pPr>
-            <a:r>
-              <a:rPr kumimoji="0" lang="ko-KR" altLang="en-US" sz="1200" b="0" i="0" u="none" strike="noStrike" kern="1200" cap="none" spc="0" normalizeH="0" baseline="0" dirty="0" err="1">
-                <a:solidFill>
-                  <a:schemeClr val="tx1"/>
-                </a:solidFill>
-                <a:latin typeface="+mn-lt"/>
-                <a:ea typeface="+mn-ea"/>
-                <a:cs typeface="+mn-cs"/>
-              </a:rPr>
-              <a:t>intersection</a:t>
-            </a:r>
-            <a:r>
-              <a:rPr kumimoji="0" lang="ko-KR" altLang="en-US" sz="1200" b="0" i="0" u="none" strike="noStrike" kern="1200" cap="none" spc="0" normalizeH="0" baseline="0" dirty="0">
-                <a:solidFill>
-                  <a:schemeClr val="tx1"/>
-                </a:solidFill>
-                <a:latin typeface="+mn-lt"/>
-                <a:ea typeface="+mn-ea"/>
-                <a:cs typeface="+mn-cs"/>
-              </a:rPr>
-              <a:t>() - 교집합을 만들어 리턴 </a:t>
-            </a:r>
-          </a:p>
-          <a:p>
-            <a:pPr marL="274320" lvl="0" indent="-274320" algn="l" rtl="0" eaLnBrk="1" latinLnBrk="1" hangingPunct="1">
-              <a:lnSpc>
-                <a:spcPct val="100000"/>
-              </a:lnSpc>
-              <a:spcBef>
-                <a:spcPts val="580"/>
-              </a:spcBef>
-              <a:spcAft>
-                <a:spcPts val="0"/>
-              </a:spcAft>
-              <a:buClr>
-                <a:schemeClr val="accent1"/>
-              </a:buClr>
-              <a:buSzPct val="85000"/>
-              <a:buFont typeface="Wingdings 2"/>
-              <a:buChar char=""/>
-              <a:defRPr/>
-            </a:pPr>
-            <a:r>
-              <a:rPr kumimoji="0" lang="ko-KR" altLang="en-US" sz="1200" b="0" i="0" u="none" strike="noStrike" kern="1200" cap="none" spc="0" normalizeH="0" baseline="0" dirty="0" err="1">
-                <a:solidFill>
-                  <a:schemeClr val="tx1"/>
-                </a:solidFill>
-                <a:latin typeface="+mn-lt"/>
-                <a:ea typeface="+mn-ea"/>
-                <a:cs typeface="+mn-cs"/>
-              </a:rPr>
-              <a:t>intersection_update</a:t>
-            </a:r>
-            <a:r>
-              <a:rPr kumimoji="0" lang="ko-KR" altLang="en-US" sz="1200" b="0" i="0" u="none" strike="noStrike" kern="1200" cap="none" spc="0" normalizeH="0" baseline="0" dirty="0">
-                <a:solidFill>
-                  <a:schemeClr val="tx1"/>
-                </a:solidFill>
-                <a:latin typeface="+mn-lt"/>
-                <a:ea typeface="+mn-ea"/>
-                <a:cs typeface="+mn-cs"/>
-              </a:rPr>
-              <a:t>() - 교집합을 만들어 원본 데이터를 갱신</a:t>
-            </a:r>
-          </a:p>
-          <a:p>
-            <a:pPr marL="274320" lvl="0" indent="-274320" algn="l" rtl="0" eaLnBrk="1" latinLnBrk="1" hangingPunct="1">
-              <a:lnSpc>
-                <a:spcPct val="100000"/>
-              </a:lnSpc>
-              <a:spcBef>
-                <a:spcPts val="580"/>
-              </a:spcBef>
-              <a:spcAft>
-                <a:spcPts val="0"/>
-              </a:spcAft>
-              <a:buClr>
-                <a:schemeClr val="accent1"/>
-              </a:buClr>
-              <a:buSzPct val="85000"/>
-              <a:buFont typeface="Wingdings 2"/>
-              <a:buChar char=""/>
-              <a:defRPr/>
-            </a:pPr>
-            <a:r>
-              <a:rPr kumimoji="0" lang="ko-KR" altLang="en-US" sz="1200" b="0" i="0" u="none" strike="noStrike" kern="1200" cap="none" spc="0" normalizeH="0" baseline="0" dirty="0" err="1">
-                <a:solidFill>
-                  <a:schemeClr val="tx1"/>
-                </a:solidFill>
-                <a:latin typeface="+mn-lt"/>
-                <a:ea typeface="+mn-ea"/>
-                <a:cs typeface="+mn-cs"/>
-              </a:rPr>
-              <a:t>symmetric_difference</a:t>
-            </a:r>
-            <a:r>
-              <a:rPr kumimoji="0" lang="ko-KR" altLang="en-US" sz="1200" b="0" i="0" u="none" strike="noStrike" kern="1200" cap="none" spc="0" normalizeH="0" baseline="0" dirty="0">
-                <a:solidFill>
-                  <a:schemeClr val="tx1"/>
-                </a:solidFill>
-                <a:latin typeface="+mn-lt"/>
-                <a:ea typeface="+mn-ea"/>
-                <a:cs typeface="+mn-cs"/>
-              </a:rPr>
-              <a:t>() - 대칭차를 만들어 리턴</a:t>
-            </a:r>
-          </a:p>
-          <a:p>
-            <a:pPr marL="274320" lvl="0" indent="-274320" algn="l" rtl="0" eaLnBrk="1" latinLnBrk="1" hangingPunct="1">
-              <a:lnSpc>
-                <a:spcPct val="100000"/>
-              </a:lnSpc>
-              <a:spcBef>
-                <a:spcPts val="580"/>
-              </a:spcBef>
-              <a:spcAft>
-                <a:spcPts val="0"/>
-              </a:spcAft>
-              <a:buClr>
-                <a:schemeClr val="accent1"/>
-              </a:buClr>
-              <a:buSzPct val="85000"/>
-              <a:buFont typeface="Wingdings 2"/>
-              <a:buChar char=""/>
-              <a:defRPr/>
-            </a:pPr>
-            <a:r>
-              <a:rPr kumimoji="0" lang="ko-KR" altLang="en-US" sz="1200" b="0" i="0" u="none" strike="noStrike" kern="1200" cap="none" spc="0" normalizeH="0" baseline="0" dirty="0" err="1">
-                <a:solidFill>
-                  <a:schemeClr val="tx1"/>
-                </a:solidFill>
-                <a:latin typeface="+mn-lt"/>
-                <a:ea typeface="+mn-ea"/>
-                <a:cs typeface="+mn-cs"/>
-              </a:rPr>
-              <a:t>symmetric_difference_update</a:t>
-            </a:r>
-            <a:r>
-              <a:rPr kumimoji="0" lang="ko-KR" altLang="en-US" sz="1200" b="0" i="0" u="none" strike="noStrike" kern="1200" cap="none" spc="0" normalizeH="0" baseline="0" dirty="0">
-                <a:solidFill>
-                  <a:schemeClr val="tx1"/>
-                </a:solidFill>
-                <a:latin typeface="+mn-lt"/>
-                <a:ea typeface="+mn-ea"/>
-                <a:cs typeface="+mn-cs"/>
-              </a:rPr>
-              <a:t>() - 대칭차를 만들어 원본 데이터를 갱신</a:t>
-            </a:r>
-          </a:p>
-        </p:txBody>
-      </p:sp>
     </p:spTree>
   </p:cSld>
   <p:clrMapOvr>
     <a:masterClrMapping/>
   </p:clrMapOvr>
-  <mc:AlternateContent xmlns:mc="http://schemas.openxmlformats.org/markup-compatibility/2006" xmlns:p14="http://schemas.microsoft.com/office/powerpoint/2010/main">
-    <mc:Choice Requires="p14">
-      <p:transition/>
+  <mc:AlternateContent xmlns:mc="http://schemas.openxmlformats.org/markup-compatibility/2006">
+    <mc:Choice xmlns:p14="http://schemas.microsoft.com/office/powerpoint/2010/main" Requires="p14">
+      <p:transition xmlns:mc="http://schemas.openxmlformats.org/markup-compatibility/2006" xmlns:p14="http://schemas.microsoft.com/office/powerpoint/2010/main" mc:Ignorable="p14" p14:dur="500"/>
     </mc:Choice>
-    <mc:Fallback xmlns:dsp="http://schemas.microsoft.com/office/drawing/2008/diagram" xmlns:dgm="http://schemas.openxmlformats.org/drawingml/2006/diagram" xmlns:c="http://schemas.openxmlformats.org/drawingml/2006/chart" xmlns="">
-      <p:transition/>
-    </mc:Fallback>
-  </mc:AlternateContent>
-</p:sld>
-</file>
-
-<file path=ppt/slides/slide9.xml><?xml version="1.0" encoding="utf-8"?>
-<p:sld xmlns:a="http://schemas.openxmlformats.org/drawingml/2006/main" xmlns:r="http://schemas.openxmlformats.org/officeDocument/2006/relationships" xmlns:p="http://schemas.openxmlformats.org/presentationml/2006/main">
-  <p:cSld>
-    <p:spTree>
-      <p:nvGrpSpPr>
-        <p:cNvPr id="1" name=""/>
-        <p:cNvGrpSpPr/>
-        <p:nvPr/>
-      </p:nvGrpSpPr>
-      <p:grpSpPr>
-        <a:xfrm>
-          <a:off x="0" y="0"/>
-          <a:ext cx="0" cy="0"/>
-          <a:chOff x="0" y="0"/>
-          <a:chExt cx="0" cy="0"/>
-        </a:xfrm>
-      </p:grpSpPr>
-      <p:sp>
-        <p:nvSpPr>
-          <p:cNvPr id="2" name="제목 1"/>
-          <p:cNvSpPr>
-            <a:spLocks noGrp="1"/>
-          </p:cNvSpPr>
-          <p:nvPr>
-            <p:ph type="title"/>
-          </p:nvPr>
-        </p:nvSpPr>
-        <p:spPr/>
-        <p:txBody>
-          <a:bodyPr/>
-          <a:lstStyle/>
-          <a:p>
-            <a:pPr lvl="0">
-              <a:defRPr/>
-            </a:pPr>
-            <a:r>
-              <a:rPr lang="ko-KR" altLang="en-US" dirty="0"/>
-              <a:t>미션</a:t>
-            </a:r>
-            <a:r>
-              <a:rPr lang="en-US" altLang="ko-KR" dirty="0"/>
-              <a:t>!</a:t>
-            </a:r>
-            <a:endParaRPr lang="ko-KR" altLang="en-US" dirty="0"/>
-          </a:p>
-        </p:txBody>
-      </p:sp>
-      <p:sp>
-        <p:nvSpPr>
-          <p:cNvPr id="3" name="내용 개체 틀 2"/>
-          <p:cNvSpPr>
-            <a:spLocks noGrp="1"/>
-          </p:cNvSpPr>
-          <p:nvPr>
-            <p:ph sz="quarter" idx="1"/>
-          </p:nvPr>
-        </p:nvSpPr>
-        <p:spPr>
-          <a:xfrm>
-            <a:off x="914400" y="1447800"/>
-            <a:ext cx="7772400" cy="4933528"/>
-          </a:xfrm>
-        </p:spPr>
-        <p:txBody>
-          <a:bodyPr>
-            <a:normAutofit/>
-          </a:bodyPr>
-          <a:lstStyle/>
-          <a:p>
-            <a:pPr marL="0" indent="0">
-              <a:buNone/>
-              <a:defRPr/>
-            </a:pPr>
-            <a:endParaRPr lang="en-US" altLang="ko-KR" dirty="0"/>
-          </a:p>
-        </p:txBody>
-      </p:sp>
-    </p:spTree>
-  </p:cSld>
-  <p:clrMapOvr>
-    <a:masterClrMapping/>
-  </p:clrMapOvr>
-  <mc:AlternateContent xmlns:mc="http://schemas.openxmlformats.org/markup-compatibility/2006" xmlns:p14="http://schemas.microsoft.com/office/powerpoint/2010/main">
-    <mc:Choice Requires="p14">
-      <p:transition/>
-    </mc:Choice>
-    <mc:Fallback xmlns:dsp="http://schemas.microsoft.com/office/drawing/2008/diagram" xmlns:dgm="http://schemas.openxmlformats.org/drawingml/2006/diagram" xmlns:c="http://schemas.openxmlformats.org/drawingml/2006/chart" xmlns="">
+    <mc:Fallback>
       <p:transition/>
     </mc:Fallback>
   </mc:AlternateContent>
@@ -6211,29 +6554,29 @@
 </file>
 
 <file path=ppt/theme/theme1.xml><?xml version="1.0" encoding="utf-8"?>
-<a:theme xmlns:a="http://schemas.openxmlformats.org/drawingml/2006/main" name="균형">
+<a:theme xmlns:r="http://schemas.openxmlformats.org/officeDocument/2006/relationships" xmlns:c="http://schemas.openxmlformats.org/drawingml/2006/chart" xmlns:dgm="http://schemas.openxmlformats.org/drawingml/2006/diagram" xmlns:dsp="http://schemas.microsoft.com/office/drawing/2008/diagram" xmlns:a="http://schemas.openxmlformats.org/drawingml/2006/main" xmlns:pic="http://schemas.openxmlformats.org/drawingml/2006/picture" xmlns:wp="http://schemas.openxmlformats.org/drawingml/2006/wordprocessingDrawing" xmlns:xdr="http://schemas.openxmlformats.org/drawingml/2006/spreadsheetDrawing" xmlns:p="http://schemas.openxmlformats.org/presentationml/2006/main" name="균형">
   <a:themeElements>
     <a:clrScheme name="균형">
       <a:dk1>
         <a:sysClr val="windowText" lastClr="000000"/>
       </a:dk1>
       <a:lt1>
-        <a:sysClr val="window" lastClr="FFFFFF"/>
+        <a:sysClr val="window" lastClr="ffffff"/>
       </a:lt1>
       <a:dk2>
         <a:srgbClr val="696464"/>
       </a:dk2>
       <a:lt2>
-        <a:srgbClr val="E9E5DC"/>
+        <a:srgbClr val="e9e5dc"/>
       </a:lt2>
       <a:accent1>
-        <a:srgbClr val="D34817"/>
+        <a:srgbClr val="d34817"/>
       </a:accent1>
       <a:accent2>
-        <a:srgbClr val="9B2D1F"/>
+        <a:srgbClr val="9b2d1f"/>
       </a:accent2>
       <a:accent3>
-        <a:srgbClr val="A28E6A"/>
+        <a:srgbClr val="a28e6a"/>
       </a:accent3>
       <a:accent4>
         <a:srgbClr val="956251"/>
@@ -6242,13 +6585,13 @@
         <a:srgbClr val="918485"/>
       </a:accent5>
       <a:accent6>
-        <a:srgbClr val="855D5D"/>
+        <a:srgbClr val="855d5d"/>
       </a:accent6>
       <a:hlink>
-        <a:srgbClr val="CC9900"/>
+        <a:srgbClr val="cc9900"/>
       </a:hlink>
       <a:folHlink>
-        <a:srgbClr val="96A9A9"/>
+        <a:srgbClr val="96a9a9"/>
       </a:folHlink>
     </a:clrScheme>
     <a:fontScheme name="눈금">
@@ -6329,7 +6672,7 @@
           <a:schemeClr val="phClr"/>
         </a:solidFill>
         <a:blipFill rotWithShape="1">
-          <a:blip xmlns:r="http://schemas.openxmlformats.org/officeDocument/2006/relationships" r:embed="rId1">
+          <a:blip r:embed="rId1">
             <a:duotone>
               <a:schemeClr val="phClr">
                 <a:tint val="30000"/>
@@ -6344,7 +6687,7 @@
           <a:tile tx="0" ty="0" sx="70000" sy="70000" flip="none" algn="ctr"/>
         </a:blipFill>
         <a:blipFill rotWithShape="1">
-          <a:blip xmlns:r="http://schemas.openxmlformats.org/officeDocument/2006/relationships" r:embed="rId1">
+          <a:blip r:embed="rId2">
             <a:duotone>
               <a:schemeClr val="phClr">
                 <a:shade val="22000"/>
@@ -6456,7 +6799,7 @@
           <a:lin ang="16200000" scaled="1"/>
         </a:gradFill>
         <a:blipFill rotWithShape="1">
-          <a:blip xmlns:r="http://schemas.openxmlformats.org/officeDocument/2006/relationships" r:embed="rId1">
+          <a:blip r:embed="rId3">
             <a:duotone>
               <a:schemeClr val="phClr">
                 <a:tint val="95000"/>
@@ -6473,7 +6816,5 @@
       </a:bgFillStyleLst>
     </a:fmtScheme>
   </a:themeElements>
-  <a:objectDefaults/>
-  <a:extraClrSchemeLst/>
 </a:theme>
 </file>